--- a/Documentacion/DocumentacionProyecto/Presentaciones/MEC_Hito1.pptx
+++ b/Documentacion/DocumentacionProyecto/Presentaciones/MEC_Hito1.pptx
@@ -7,7 +7,7 @@
     <p:sldMasterId id="2147483674" r:id="rId3"/>
   </p:sldMasterIdLst>
   <p:notesMasterIdLst>
-    <p:notesMasterId r:id="rId31"/>
+    <p:notesMasterId r:id="rId37"/>
   </p:notesMasterIdLst>
   <p:sldIdLst>
     <p:sldId id="256" r:id="rId4"/>
@@ -17,11 +17,11 @@
     <p:sldId id="302" r:id="rId8"/>
     <p:sldId id="283" r:id="rId9"/>
     <p:sldId id="285" r:id="rId10"/>
-    <p:sldId id="282" r:id="rId11"/>
-    <p:sldId id="284" r:id="rId12"/>
-    <p:sldId id="287" r:id="rId13"/>
-    <p:sldId id="288" r:id="rId14"/>
-    <p:sldId id="289" r:id="rId15"/>
+    <p:sldId id="306" r:id="rId11"/>
+    <p:sldId id="282" r:id="rId12"/>
+    <p:sldId id="284" r:id="rId13"/>
+    <p:sldId id="287" r:id="rId14"/>
+    <p:sldId id="288" r:id="rId15"/>
     <p:sldId id="290" r:id="rId16"/>
     <p:sldId id="291" r:id="rId17"/>
     <p:sldId id="292" r:id="rId18"/>
@@ -29,14 +29,20 @@
     <p:sldId id="300" r:id="rId20"/>
     <p:sldId id="298" r:id="rId21"/>
     <p:sldId id="299" r:id="rId22"/>
-    <p:sldId id="281" r:id="rId23"/>
-    <p:sldId id="293" r:id="rId24"/>
-    <p:sldId id="286" r:id="rId25"/>
-    <p:sldId id="301" r:id="rId26"/>
-    <p:sldId id="296" r:id="rId27"/>
-    <p:sldId id="294" r:id="rId28"/>
-    <p:sldId id="295" r:id="rId29"/>
-    <p:sldId id="277" r:id="rId30"/>
+    <p:sldId id="310" r:id="rId23"/>
+    <p:sldId id="281" r:id="rId24"/>
+    <p:sldId id="293" r:id="rId25"/>
+    <p:sldId id="286" r:id="rId26"/>
+    <p:sldId id="301" r:id="rId27"/>
+    <p:sldId id="303" r:id="rId28"/>
+    <p:sldId id="304" r:id="rId29"/>
+    <p:sldId id="305" r:id="rId30"/>
+    <p:sldId id="307" r:id="rId31"/>
+    <p:sldId id="308" r:id="rId32"/>
+    <p:sldId id="309" r:id="rId33"/>
+    <p:sldId id="294" r:id="rId34"/>
+    <p:sldId id="295" r:id="rId35"/>
+    <p:sldId id="277" r:id="rId36"/>
   </p:sldIdLst>
   <p:sldSz cx="9144000" cy="6858000" type="screen4x3"/>
   <p:notesSz cx="6858000" cy="9144000"/>
@@ -1361,8 +1367,8 @@
     <dgm:cxn modelId="{093577FA-C0C0-442F-A3AE-EC90BAFBC0D9}" srcId="{55721F08-CFC5-47AE-AA4F-2C18733BFCEC}" destId="{B1F26CF5-7A2D-4536-9F97-D7D437907F5F}" srcOrd="0" destOrd="0" parTransId="{3F8BCD66-6389-4080-B8A7-F48C2DACDB2D}" sibTransId="{DE11440B-ADDF-4C84-BF15-5CD9AFF98849}"/>
     <dgm:cxn modelId="{27E0D6AC-DC43-40FA-BC35-C714D3929682}" srcId="{55721F08-CFC5-47AE-AA4F-2C18733BFCEC}" destId="{8CF19CCA-2202-4A79-8F19-6A0504024186}" srcOrd="3" destOrd="0" parTransId="{1C1A0310-3C67-4A39-805B-B1EFACB52DEB}" sibTransId="{3D004948-6569-4579-91EE-8E7DDBAD43B7}"/>
     <dgm:cxn modelId="{DC9FC957-2318-4A61-8D4F-E2FFF906943F}" type="presOf" srcId="{55721F08-CFC5-47AE-AA4F-2C18733BFCEC}" destId="{30144E4C-02D6-4F65-86FD-DBAD9683602B}" srcOrd="0" destOrd="0" presId="urn:microsoft.com/office/officeart/2005/8/layout/chevron1"/>
+    <dgm:cxn modelId="{6F6E8962-92BF-4140-85F2-4F7B79FCAA8D}" type="presOf" srcId="{8CF19CCA-2202-4A79-8F19-6A0504024186}" destId="{90CE4976-6A77-4F7A-BC46-E8682F920F8C}" srcOrd="0" destOrd="0" presId="urn:microsoft.com/office/officeart/2005/8/layout/chevron1"/>
     <dgm:cxn modelId="{AC3D41B2-F00D-459D-8F63-CB20B80900D4}" type="presOf" srcId="{1012DF7D-426D-4D3C-8AB8-C16ABF9C970D}" destId="{C65F6A5B-5477-4801-A9AF-36FFA39951FC}" srcOrd="0" destOrd="0" presId="urn:microsoft.com/office/officeart/2005/8/layout/chevron1"/>
-    <dgm:cxn modelId="{6F6E8962-92BF-4140-85F2-4F7B79FCAA8D}" type="presOf" srcId="{8CF19CCA-2202-4A79-8F19-6A0504024186}" destId="{90CE4976-6A77-4F7A-BC46-E8682F920F8C}" srcOrd="0" destOrd="0" presId="urn:microsoft.com/office/officeart/2005/8/layout/chevron1"/>
     <dgm:cxn modelId="{29DCB6C0-E2AA-4550-86BC-1956343C3390}" srcId="{55721F08-CFC5-47AE-AA4F-2C18733BFCEC}" destId="{1012DF7D-426D-4D3C-8AB8-C16ABF9C970D}" srcOrd="4" destOrd="0" parTransId="{89DF9C7F-0B01-4642-A1ED-7A067EDDC449}" sibTransId="{447C38E5-BC53-4DE9-9706-5A21FF8989AC}"/>
     <dgm:cxn modelId="{FAC579CA-9B8C-411A-82BC-EAE499025F0E}" srcId="{55721F08-CFC5-47AE-AA4F-2C18733BFCEC}" destId="{DB8FE8FB-B120-46F6-A77F-311D5C3B08F2}" srcOrd="2" destOrd="0" parTransId="{2902E580-A435-4410-B356-174C7421C53F}" sibTransId="{DECB317B-BAC8-47FA-AA2A-33B06EA7DC59}"/>
     <dgm:cxn modelId="{7AF3FAE4-8A3D-4DE9-9840-832968F30A6E}" type="presOf" srcId="{B1F26CF5-7A2D-4536-9F97-D7D437907F5F}" destId="{6C6FDAE0-9091-4629-9071-D28EC8C8E8AF}" srcOrd="0" destOrd="0" presId="urn:microsoft.com/office/officeart/2005/8/layout/chevron1"/>
@@ -3733,7 +3739,7 @@
     </p:spTree>
     <p:extLst>
       <p:ext uri="{BB962C8B-B14F-4D97-AF65-F5344CB8AC3E}">
-        <p14:creationId xmlns:p14="http://schemas.microsoft.com/office/powerpoint/2010/main" val="2448788718"/>
+        <p14:creationId xmlns:p14="http://schemas.microsoft.com/office/powerpoint/2010/main" val="3669587743"/>
       </p:ext>
     </p:extLst>
   </p:cSld>
@@ -3876,7 +3882,7 @@
     </p:spTree>
     <p:extLst>
       <p:ext uri="{BB962C8B-B14F-4D97-AF65-F5344CB8AC3E}">
-        <p14:creationId xmlns:p14="http://schemas.microsoft.com/office/powerpoint/2010/main" val="3934534183"/>
+        <p14:creationId xmlns:p14="http://schemas.microsoft.com/office/powerpoint/2010/main" val="2448788718"/>
       </p:ext>
     </p:extLst>
   </p:cSld>
@@ -5020,7 +5026,7 @@
     </p:spTree>
     <p:extLst>
       <p:ext uri="{BB962C8B-B14F-4D97-AF65-F5344CB8AC3E}">
-        <p14:creationId xmlns:p14="http://schemas.microsoft.com/office/powerpoint/2010/main" val="2563850864"/>
+        <p14:creationId xmlns:p14="http://schemas.microsoft.com/office/powerpoint/2010/main" val="3578467186"/>
       </p:ext>
     </p:extLst>
   </p:cSld>
@@ -5306,7 +5312,7 @@
     </p:spTree>
     <p:extLst>
       <p:ext uri="{BB962C8B-B14F-4D97-AF65-F5344CB8AC3E}">
-        <p14:creationId xmlns:p14="http://schemas.microsoft.com/office/powerpoint/2010/main" val="2607925512"/>
+        <p14:creationId xmlns:p14="http://schemas.microsoft.com/office/powerpoint/2010/main" val="2563850864"/>
       </p:ext>
     </p:extLst>
   </p:cSld>
@@ -5449,7 +5455,7 @@
     </p:spTree>
     <p:extLst>
       <p:ext uri="{BB962C8B-B14F-4D97-AF65-F5344CB8AC3E}">
-        <p14:creationId xmlns:p14="http://schemas.microsoft.com/office/powerpoint/2010/main" val="1077985038"/>
+        <p14:creationId xmlns:p14="http://schemas.microsoft.com/office/powerpoint/2010/main" val="2607925512"/>
       </p:ext>
     </p:extLst>
   </p:cSld>
@@ -5592,7 +5598,7 @@
     </p:spTree>
     <p:extLst>
       <p:ext uri="{BB962C8B-B14F-4D97-AF65-F5344CB8AC3E}">
-        <p14:creationId xmlns:p14="http://schemas.microsoft.com/office/powerpoint/2010/main" val="1259692518"/>
+        <p14:creationId xmlns:p14="http://schemas.microsoft.com/office/powerpoint/2010/main" val="1077985038"/>
       </p:ext>
     </p:extLst>
   </p:cSld>
@@ -5735,7 +5741,7 @@
     </p:spTree>
     <p:extLst>
       <p:ext uri="{BB962C8B-B14F-4D97-AF65-F5344CB8AC3E}">
-        <p14:creationId xmlns:p14="http://schemas.microsoft.com/office/powerpoint/2010/main" val="2352108118"/>
+        <p14:creationId xmlns:p14="http://schemas.microsoft.com/office/powerpoint/2010/main" val="1259692518"/>
       </p:ext>
     </p:extLst>
   </p:cSld>
@@ -5878,7 +5884,7 @@
     </p:spTree>
     <p:extLst>
       <p:ext uri="{BB962C8B-B14F-4D97-AF65-F5344CB8AC3E}">
-        <p14:creationId xmlns:p14="http://schemas.microsoft.com/office/powerpoint/2010/main" val="1333020428"/>
+        <p14:creationId xmlns:p14="http://schemas.microsoft.com/office/powerpoint/2010/main" val="3097355094"/>
       </p:ext>
     </p:extLst>
   </p:cSld>
@@ -6021,7 +6027,579 @@
     </p:spTree>
     <p:extLst>
       <p:ext uri="{BB962C8B-B14F-4D97-AF65-F5344CB8AC3E}">
-        <p14:creationId xmlns:p14="http://schemas.microsoft.com/office/powerpoint/2010/main" val="3423607263"/>
+        <p14:creationId xmlns:p14="http://schemas.microsoft.com/office/powerpoint/2010/main" val="1752146150"/>
+      </p:ext>
+    </p:extLst>
+  </p:cSld>
+  <p:clrMapOvr>
+    <a:masterClrMapping/>
+  </p:clrMapOvr>
+</p:notes>
+</file>
+
+<file path=ppt/notesSlides/notesSlide26.xml><?xml version="1.0" encoding="utf-8"?>
+<p:notes xmlns:a="http://schemas.openxmlformats.org/drawingml/2006/main" xmlns:r="http://schemas.openxmlformats.org/officeDocument/2006/relationships" xmlns:p="http://schemas.openxmlformats.org/presentationml/2006/main">
+  <p:cSld>
+    <p:spTree>
+      <p:nvGrpSpPr>
+        <p:cNvPr id="1" name=""/>
+        <p:cNvGrpSpPr/>
+        <p:nvPr/>
+      </p:nvGrpSpPr>
+      <p:grpSpPr>
+        <a:xfrm>
+          <a:off x="0" y="0"/>
+          <a:ext cx="0" cy="0"/>
+          <a:chOff x="0" y="0"/>
+          <a:chExt cx="0" cy="0"/>
+        </a:xfrm>
+      </p:grpSpPr>
+      <p:sp>
+        <p:nvSpPr>
+          <p:cNvPr id="265" name="PlaceHolder 1"/>
+          <p:cNvSpPr>
+            <a:spLocks noGrp="1" noRot="1" noChangeAspect="1"/>
+          </p:cNvSpPr>
+          <p:nvPr>
+            <p:ph type="sldImg"/>
+          </p:nvPr>
+        </p:nvSpPr>
+        <p:spPr>
+          <a:xfrm>
+            <a:off x="1371600" y="1143000"/>
+            <a:ext cx="4111625" cy="3084513"/>
+          </a:xfrm>
+          <a:prstGeom prst="rect">
+            <a:avLst/>
+          </a:prstGeom>
+          <a:ln w="0">
+            <a:noFill/>
+          </a:ln>
+        </p:spPr>
+      </p:sp>
+      <p:sp>
+        <p:nvSpPr>
+          <p:cNvPr id="266" name="PlaceHolder 2"/>
+          <p:cNvSpPr>
+            <a:spLocks noGrp="1"/>
+          </p:cNvSpPr>
+          <p:nvPr>
+            <p:ph type="body"/>
+          </p:nvPr>
+        </p:nvSpPr>
+        <p:spPr>
+          <a:xfrm>
+            <a:off x="685800" y="4400640"/>
+            <a:ext cx="5483880" cy="3597840"/>
+          </a:xfrm>
+          <a:prstGeom prst="rect">
+            <a:avLst/>
+          </a:prstGeom>
+          <a:noFill/>
+          <a:ln w="0">
+            <a:noFill/>
+          </a:ln>
+        </p:spPr>
+        <p:txBody>
+          <a:bodyPr lIns="0" tIns="0" rIns="0" bIns="0" anchor="t">
+            <a:noAutofit/>
+          </a:bodyPr>
+          <a:lstStyle/>
+          <a:p>
+            <a:endParaRPr lang="es-AR" sz="2000" b="0" strike="noStrike" spc="-1">
+              <a:latin typeface="Arial"/>
+            </a:endParaRPr>
+          </a:p>
+        </p:txBody>
+      </p:sp>
+      <p:sp>
+        <p:nvSpPr>
+          <p:cNvPr id="267" name="PlaceHolder 3"/>
+          <p:cNvSpPr>
+            <a:spLocks noGrp="1"/>
+          </p:cNvSpPr>
+          <p:nvPr>
+            <p:ph type="sldNum"/>
+          </p:nvPr>
+        </p:nvSpPr>
+        <p:spPr>
+          <a:xfrm>
+            <a:off x="3884760" y="8685360"/>
+            <a:ext cx="2969280" cy="456120"/>
+          </a:xfrm>
+          <a:prstGeom prst="rect">
+            <a:avLst/>
+          </a:prstGeom>
+          <a:noFill/>
+          <a:ln w="0">
+            <a:noFill/>
+          </a:ln>
+        </p:spPr>
+        <p:txBody>
+          <a:bodyPr lIns="0" tIns="0" rIns="0" bIns="0" anchor="b">
+            <a:noAutofit/>
+          </a:bodyPr>
+          <a:lstStyle/>
+          <a:p>
+            <a:pPr algn="r">
+              <a:lnSpc>
+                <a:spcPct val="100000"/>
+              </a:lnSpc>
+            </a:pPr>
+            <a:fld id="{9669A908-0F06-4E47-960C-06257B12840D}" type="slidenum">
+              <a:rPr lang="es-AR" sz="1200" b="0" strike="noStrike" spc="-1">
+                <a:solidFill>
+                  <a:srgbClr val="000000"/>
+                </a:solidFill>
+                <a:latin typeface="+mn-lt"/>
+                <a:ea typeface="+mn-ea"/>
+              </a:rPr>
+              <a:pPr algn="r">
+                <a:lnSpc>
+                  <a:spcPct val="100000"/>
+                </a:lnSpc>
+              </a:pPr>
+              <a:t>27</a:t>
+            </a:fld>
+            <a:endParaRPr lang="es-AR" sz="1200" b="0" strike="noStrike" spc="-1">
+              <a:latin typeface="Times New Roman"/>
+            </a:endParaRPr>
+          </a:p>
+        </p:txBody>
+      </p:sp>
+    </p:spTree>
+    <p:extLst>
+      <p:ext uri="{BB962C8B-B14F-4D97-AF65-F5344CB8AC3E}">
+        <p14:creationId xmlns:p14="http://schemas.microsoft.com/office/powerpoint/2010/main" val="86201805"/>
+      </p:ext>
+    </p:extLst>
+  </p:cSld>
+  <p:clrMapOvr>
+    <a:masterClrMapping/>
+  </p:clrMapOvr>
+</p:notes>
+</file>
+
+<file path=ppt/notesSlides/notesSlide27.xml><?xml version="1.0" encoding="utf-8"?>
+<p:notes xmlns:a="http://schemas.openxmlformats.org/drawingml/2006/main" xmlns:r="http://schemas.openxmlformats.org/officeDocument/2006/relationships" xmlns:p="http://schemas.openxmlformats.org/presentationml/2006/main">
+  <p:cSld>
+    <p:spTree>
+      <p:nvGrpSpPr>
+        <p:cNvPr id="1" name=""/>
+        <p:cNvGrpSpPr/>
+        <p:nvPr/>
+      </p:nvGrpSpPr>
+      <p:grpSpPr>
+        <a:xfrm>
+          <a:off x="0" y="0"/>
+          <a:ext cx="0" cy="0"/>
+          <a:chOff x="0" y="0"/>
+          <a:chExt cx="0" cy="0"/>
+        </a:xfrm>
+      </p:grpSpPr>
+      <p:sp>
+        <p:nvSpPr>
+          <p:cNvPr id="265" name="PlaceHolder 1"/>
+          <p:cNvSpPr>
+            <a:spLocks noGrp="1" noRot="1" noChangeAspect="1"/>
+          </p:cNvSpPr>
+          <p:nvPr>
+            <p:ph type="sldImg"/>
+          </p:nvPr>
+        </p:nvSpPr>
+        <p:spPr>
+          <a:xfrm>
+            <a:off x="1371600" y="1143000"/>
+            <a:ext cx="4111625" cy="3084513"/>
+          </a:xfrm>
+          <a:prstGeom prst="rect">
+            <a:avLst/>
+          </a:prstGeom>
+          <a:ln w="0">
+            <a:noFill/>
+          </a:ln>
+        </p:spPr>
+      </p:sp>
+      <p:sp>
+        <p:nvSpPr>
+          <p:cNvPr id="266" name="PlaceHolder 2"/>
+          <p:cNvSpPr>
+            <a:spLocks noGrp="1"/>
+          </p:cNvSpPr>
+          <p:nvPr>
+            <p:ph type="body"/>
+          </p:nvPr>
+        </p:nvSpPr>
+        <p:spPr>
+          <a:xfrm>
+            <a:off x="685800" y="4400640"/>
+            <a:ext cx="5483880" cy="3597840"/>
+          </a:xfrm>
+          <a:prstGeom prst="rect">
+            <a:avLst/>
+          </a:prstGeom>
+          <a:noFill/>
+          <a:ln w="0">
+            <a:noFill/>
+          </a:ln>
+        </p:spPr>
+        <p:txBody>
+          <a:bodyPr lIns="0" tIns="0" rIns="0" bIns="0" anchor="t">
+            <a:noAutofit/>
+          </a:bodyPr>
+          <a:lstStyle/>
+          <a:p>
+            <a:endParaRPr lang="es-AR" sz="2000" b="0" strike="noStrike" spc="-1">
+              <a:latin typeface="Arial"/>
+            </a:endParaRPr>
+          </a:p>
+        </p:txBody>
+      </p:sp>
+      <p:sp>
+        <p:nvSpPr>
+          <p:cNvPr id="267" name="PlaceHolder 3"/>
+          <p:cNvSpPr>
+            <a:spLocks noGrp="1"/>
+          </p:cNvSpPr>
+          <p:nvPr>
+            <p:ph type="sldNum"/>
+          </p:nvPr>
+        </p:nvSpPr>
+        <p:spPr>
+          <a:xfrm>
+            <a:off x="3884760" y="8685360"/>
+            <a:ext cx="2969280" cy="456120"/>
+          </a:xfrm>
+          <a:prstGeom prst="rect">
+            <a:avLst/>
+          </a:prstGeom>
+          <a:noFill/>
+          <a:ln w="0">
+            <a:noFill/>
+          </a:ln>
+        </p:spPr>
+        <p:txBody>
+          <a:bodyPr lIns="0" tIns="0" rIns="0" bIns="0" anchor="b">
+            <a:noAutofit/>
+          </a:bodyPr>
+          <a:lstStyle/>
+          <a:p>
+            <a:pPr algn="r">
+              <a:lnSpc>
+                <a:spcPct val="100000"/>
+              </a:lnSpc>
+            </a:pPr>
+            <a:fld id="{9669A908-0F06-4E47-960C-06257B12840D}" type="slidenum">
+              <a:rPr lang="es-AR" sz="1200" b="0" strike="noStrike" spc="-1">
+                <a:solidFill>
+                  <a:srgbClr val="000000"/>
+                </a:solidFill>
+                <a:latin typeface="+mn-lt"/>
+                <a:ea typeface="+mn-ea"/>
+              </a:rPr>
+              <a:pPr algn="r">
+                <a:lnSpc>
+                  <a:spcPct val="100000"/>
+                </a:lnSpc>
+              </a:pPr>
+              <a:t>28</a:t>
+            </a:fld>
+            <a:endParaRPr lang="es-AR" sz="1200" b="0" strike="noStrike" spc="-1">
+              <a:latin typeface="Times New Roman"/>
+            </a:endParaRPr>
+          </a:p>
+        </p:txBody>
+      </p:sp>
+    </p:spTree>
+    <p:extLst>
+      <p:ext uri="{BB962C8B-B14F-4D97-AF65-F5344CB8AC3E}">
+        <p14:creationId xmlns:p14="http://schemas.microsoft.com/office/powerpoint/2010/main" val="2729134804"/>
+      </p:ext>
+    </p:extLst>
+  </p:cSld>
+  <p:clrMapOvr>
+    <a:masterClrMapping/>
+  </p:clrMapOvr>
+</p:notes>
+</file>
+
+<file path=ppt/notesSlides/notesSlide28.xml><?xml version="1.0" encoding="utf-8"?>
+<p:notes xmlns:a="http://schemas.openxmlformats.org/drawingml/2006/main" xmlns:r="http://schemas.openxmlformats.org/officeDocument/2006/relationships" xmlns:p="http://schemas.openxmlformats.org/presentationml/2006/main">
+  <p:cSld>
+    <p:spTree>
+      <p:nvGrpSpPr>
+        <p:cNvPr id="1" name=""/>
+        <p:cNvGrpSpPr/>
+        <p:nvPr/>
+      </p:nvGrpSpPr>
+      <p:grpSpPr>
+        <a:xfrm>
+          <a:off x="0" y="0"/>
+          <a:ext cx="0" cy="0"/>
+          <a:chOff x="0" y="0"/>
+          <a:chExt cx="0" cy="0"/>
+        </a:xfrm>
+      </p:grpSpPr>
+      <p:sp>
+        <p:nvSpPr>
+          <p:cNvPr id="265" name="PlaceHolder 1"/>
+          <p:cNvSpPr>
+            <a:spLocks noGrp="1" noRot="1" noChangeAspect="1"/>
+          </p:cNvSpPr>
+          <p:nvPr>
+            <p:ph type="sldImg"/>
+          </p:nvPr>
+        </p:nvSpPr>
+        <p:spPr>
+          <a:xfrm>
+            <a:off x="1371600" y="1143000"/>
+            <a:ext cx="4111625" cy="3084513"/>
+          </a:xfrm>
+          <a:prstGeom prst="rect">
+            <a:avLst/>
+          </a:prstGeom>
+          <a:ln w="0">
+            <a:noFill/>
+          </a:ln>
+        </p:spPr>
+      </p:sp>
+      <p:sp>
+        <p:nvSpPr>
+          <p:cNvPr id="266" name="PlaceHolder 2"/>
+          <p:cNvSpPr>
+            <a:spLocks noGrp="1"/>
+          </p:cNvSpPr>
+          <p:nvPr>
+            <p:ph type="body"/>
+          </p:nvPr>
+        </p:nvSpPr>
+        <p:spPr>
+          <a:xfrm>
+            <a:off x="685800" y="4400640"/>
+            <a:ext cx="5483880" cy="3597840"/>
+          </a:xfrm>
+          <a:prstGeom prst="rect">
+            <a:avLst/>
+          </a:prstGeom>
+          <a:noFill/>
+          <a:ln w="0">
+            <a:noFill/>
+          </a:ln>
+        </p:spPr>
+        <p:txBody>
+          <a:bodyPr lIns="0" tIns="0" rIns="0" bIns="0" anchor="t">
+            <a:noAutofit/>
+          </a:bodyPr>
+          <a:lstStyle/>
+          <a:p>
+            <a:endParaRPr lang="es-AR" sz="2000" b="0" strike="noStrike" spc="-1">
+              <a:latin typeface="Arial"/>
+            </a:endParaRPr>
+          </a:p>
+        </p:txBody>
+      </p:sp>
+      <p:sp>
+        <p:nvSpPr>
+          <p:cNvPr id="267" name="PlaceHolder 3"/>
+          <p:cNvSpPr>
+            <a:spLocks noGrp="1"/>
+          </p:cNvSpPr>
+          <p:nvPr>
+            <p:ph type="sldNum"/>
+          </p:nvPr>
+        </p:nvSpPr>
+        <p:spPr>
+          <a:xfrm>
+            <a:off x="3884760" y="8685360"/>
+            <a:ext cx="2969280" cy="456120"/>
+          </a:xfrm>
+          <a:prstGeom prst="rect">
+            <a:avLst/>
+          </a:prstGeom>
+          <a:noFill/>
+          <a:ln w="0">
+            <a:noFill/>
+          </a:ln>
+        </p:spPr>
+        <p:txBody>
+          <a:bodyPr lIns="0" tIns="0" rIns="0" bIns="0" anchor="b">
+            <a:noAutofit/>
+          </a:bodyPr>
+          <a:lstStyle/>
+          <a:p>
+            <a:pPr algn="r">
+              <a:lnSpc>
+                <a:spcPct val="100000"/>
+              </a:lnSpc>
+            </a:pPr>
+            <a:fld id="{9669A908-0F06-4E47-960C-06257B12840D}" type="slidenum">
+              <a:rPr lang="es-AR" sz="1200" b="0" strike="noStrike" spc="-1">
+                <a:solidFill>
+                  <a:srgbClr val="000000"/>
+                </a:solidFill>
+                <a:latin typeface="+mn-lt"/>
+                <a:ea typeface="+mn-ea"/>
+              </a:rPr>
+              <a:pPr algn="r">
+                <a:lnSpc>
+                  <a:spcPct val="100000"/>
+                </a:lnSpc>
+              </a:pPr>
+              <a:t>29</a:t>
+            </a:fld>
+            <a:endParaRPr lang="es-AR" sz="1200" b="0" strike="noStrike" spc="-1">
+              <a:latin typeface="Times New Roman"/>
+            </a:endParaRPr>
+          </a:p>
+        </p:txBody>
+      </p:sp>
+    </p:spTree>
+    <p:extLst>
+      <p:ext uri="{BB962C8B-B14F-4D97-AF65-F5344CB8AC3E}">
+        <p14:creationId xmlns:p14="http://schemas.microsoft.com/office/powerpoint/2010/main" val="528006901"/>
+      </p:ext>
+    </p:extLst>
+  </p:cSld>
+  <p:clrMapOvr>
+    <a:masterClrMapping/>
+  </p:clrMapOvr>
+</p:notes>
+</file>
+
+<file path=ppt/notesSlides/notesSlide29.xml><?xml version="1.0" encoding="utf-8"?>
+<p:notes xmlns:a="http://schemas.openxmlformats.org/drawingml/2006/main" xmlns:r="http://schemas.openxmlformats.org/officeDocument/2006/relationships" xmlns:p="http://schemas.openxmlformats.org/presentationml/2006/main">
+  <p:cSld>
+    <p:spTree>
+      <p:nvGrpSpPr>
+        <p:cNvPr id="1" name=""/>
+        <p:cNvGrpSpPr/>
+        <p:nvPr/>
+      </p:nvGrpSpPr>
+      <p:grpSpPr>
+        <a:xfrm>
+          <a:off x="0" y="0"/>
+          <a:ext cx="0" cy="0"/>
+          <a:chOff x="0" y="0"/>
+          <a:chExt cx="0" cy="0"/>
+        </a:xfrm>
+      </p:grpSpPr>
+      <p:sp>
+        <p:nvSpPr>
+          <p:cNvPr id="265" name="PlaceHolder 1"/>
+          <p:cNvSpPr>
+            <a:spLocks noGrp="1" noRot="1" noChangeAspect="1"/>
+          </p:cNvSpPr>
+          <p:nvPr>
+            <p:ph type="sldImg"/>
+          </p:nvPr>
+        </p:nvSpPr>
+        <p:spPr>
+          <a:xfrm>
+            <a:off x="1371600" y="1143000"/>
+            <a:ext cx="4111625" cy="3084513"/>
+          </a:xfrm>
+          <a:prstGeom prst="rect">
+            <a:avLst/>
+          </a:prstGeom>
+          <a:ln w="0">
+            <a:noFill/>
+          </a:ln>
+        </p:spPr>
+      </p:sp>
+      <p:sp>
+        <p:nvSpPr>
+          <p:cNvPr id="266" name="PlaceHolder 2"/>
+          <p:cNvSpPr>
+            <a:spLocks noGrp="1"/>
+          </p:cNvSpPr>
+          <p:nvPr>
+            <p:ph type="body"/>
+          </p:nvPr>
+        </p:nvSpPr>
+        <p:spPr>
+          <a:xfrm>
+            <a:off x="685800" y="4400640"/>
+            <a:ext cx="5483880" cy="3597840"/>
+          </a:xfrm>
+          <a:prstGeom prst="rect">
+            <a:avLst/>
+          </a:prstGeom>
+          <a:noFill/>
+          <a:ln w="0">
+            <a:noFill/>
+          </a:ln>
+        </p:spPr>
+        <p:txBody>
+          <a:bodyPr lIns="0" tIns="0" rIns="0" bIns="0" anchor="t">
+            <a:noAutofit/>
+          </a:bodyPr>
+          <a:lstStyle/>
+          <a:p>
+            <a:endParaRPr lang="es-AR" sz="2000" b="0" strike="noStrike" spc="-1">
+              <a:latin typeface="Arial"/>
+            </a:endParaRPr>
+          </a:p>
+        </p:txBody>
+      </p:sp>
+      <p:sp>
+        <p:nvSpPr>
+          <p:cNvPr id="267" name="PlaceHolder 3"/>
+          <p:cNvSpPr>
+            <a:spLocks noGrp="1"/>
+          </p:cNvSpPr>
+          <p:nvPr>
+            <p:ph type="sldNum"/>
+          </p:nvPr>
+        </p:nvSpPr>
+        <p:spPr>
+          <a:xfrm>
+            <a:off x="3884760" y="8685360"/>
+            <a:ext cx="2969280" cy="456120"/>
+          </a:xfrm>
+          <a:prstGeom prst="rect">
+            <a:avLst/>
+          </a:prstGeom>
+          <a:noFill/>
+          <a:ln w="0">
+            <a:noFill/>
+          </a:ln>
+        </p:spPr>
+        <p:txBody>
+          <a:bodyPr lIns="0" tIns="0" rIns="0" bIns="0" anchor="b">
+            <a:noAutofit/>
+          </a:bodyPr>
+          <a:lstStyle/>
+          <a:p>
+            <a:pPr algn="r">
+              <a:lnSpc>
+                <a:spcPct val="100000"/>
+              </a:lnSpc>
+            </a:pPr>
+            <a:fld id="{9669A908-0F06-4E47-960C-06257B12840D}" type="slidenum">
+              <a:rPr lang="es-AR" sz="1200" b="0" strike="noStrike" spc="-1">
+                <a:solidFill>
+                  <a:srgbClr val="000000"/>
+                </a:solidFill>
+                <a:latin typeface="+mn-lt"/>
+                <a:ea typeface="+mn-ea"/>
+              </a:rPr>
+              <a:pPr algn="r">
+                <a:lnSpc>
+                  <a:spcPct val="100000"/>
+                </a:lnSpc>
+              </a:pPr>
+              <a:t>30</a:t>
+            </a:fld>
+            <a:endParaRPr lang="es-AR" sz="1200" b="0" strike="noStrike" spc="-1">
+              <a:latin typeface="Times New Roman"/>
+            </a:endParaRPr>
+          </a:p>
+        </p:txBody>
+      </p:sp>
+    </p:spTree>
+    <p:extLst>
+      <p:ext uri="{BB962C8B-B14F-4D97-AF65-F5344CB8AC3E}">
+        <p14:creationId xmlns:p14="http://schemas.microsoft.com/office/powerpoint/2010/main" val="2849837841"/>
       </p:ext>
     </p:extLst>
   </p:cSld>
@@ -6165,6 +6743,292 @@
     <p:extLst>
       <p:ext uri="{BB962C8B-B14F-4D97-AF65-F5344CB8AC3E}">
         <p14:creationId xmlns:p14="http://schemas.microsoft.com/office/powerpoint/2010/main" val="3820436143"/>
+      </p:ext>
+    </p:extLst>
+  </p:cSld>
+  <p:clrMapOvr>
+    <a:masterClrMapping/>
+  </p:clrMapOvr>
+</p:notes>
+</file>
+
+<file path=ppt/notesSlides/notesSlide30.xml><?xml version="1.0" encoding="utf-8"?>
+<p:notes xmlns:a="http://schemas.openxmlformats.org/drawingml/2006/main" xmlns:r="http://schemas.openxmlformats.org/officeDocument/2006/relationships" xmlns:p="http://schemas.openxmlformats.org/presentationml/2006/main">
+  <p:cSld>
+    <p:spTree>
+      <p:nvGrpSpPr>
+        <p:cNvPr id="1" name=""/>
+        <p:cNvGrpSpPr/>
+        <p:nvPr/>
+      </p:nvGrpSpPr>
+      <p:grpSpPr>
+        <a:xfrm>
+          <a:off x="0" y="0"/>
+          <a:ext cx="0" cy="0"/>
+          <a:chOff x="0" y="0"/>
+          <a:chExt cx="0" cy="0"/>
+        </a:xfrm>
+      </p:grpSpPr>
+      <p:sp>
+        <p:nvSpPr>
+          <p:cNvPr id="265" name="PlaceHolder 1"/>
+          <p:cNvSpPr>
+            <a:spLocks noGrp="1" noRot="1" noChangeAspect="1"/>
+          </p:cNvSpPr>
+          <p:nvPr>
+            <p:ph type="sldImg"/>
+          </p:nvPr>
+        </p:nvSpPr>
+        <p:spPr>
+          <a:xfrm>
+            <a:off x="1371600" y="1143000"/>
+            <a:ext cx="4111625" cy="3084513"/>
+          </a:xfrm>
+          <a:prstGeom prst="rect">
+            <a:avLst/>
+          </a:prstGeom>
+          <a:ln w="0">
+            <a:noFill/>
+          </a:ln>
+        </p:spPr>
+      </p:sp>
+      <p:sp>
+        <p:nvSpPr>
+          <p:cNvPr id="266" name="PlaceHolder 2"/>
+          <p:cNvSpPr>
+            <a:spLocks noGrp="1"/>
+          </p:cNvSpPr>
+          <p:nvPr>
+            <p:ph type="body"/>
+          </p:nvPr>
+        </p:nvSpPr>
+        <p:spPr>
+          <a:xfrm>
+            <a:off x="685800" y="4400640"/>
+            <a:ext cx="5483880" cy="3597840"/>
+          </a:xfrm>
+          <a:prstGeom prst="rect">
+            <a:avLst/>
+          </a:prstGeom>
+          <a:noFill/>
+          <a:ln w="0">
+            <a:noFill/>
+          </a:ln>
+        </p:spPr>
+        <p:txBody>
+          <a:bodyPr lIns="0" tIns="0" rIns="0" bIns="0" anchor="t">
+            <a:noAutofit/>
+          </a:bodyPr>
+          <a:lstStyle/>
+          <a:p>
+            <a:endParaRPr lang="es-AR" sz="2000" b="0" strike="noStrike" spc="-1">
+              <a:latin typeface="Arial"/>
+            </a:endParaRPr>
+          </a:p>
+        </p:txBody>
+      </p:sp>
+      <p:sp>
+        <p:nvSpPr>
+          <p:cNvPr id="267" name="PlaceHolder 3"/>
+          <p:cNvSpPr>
+            <a:spLocks noGrp="1"/>
+          </p:cNvSpPr>
+          <p:nvPr>
+            <p:ph type="sldNum"/>
+          </p:nvPr>
+        </p:nvSpPr>
+        <p:spPr>
+          <a:xfrm>
+            <a:off x="3884760" y="8685360"/>
+            <a:ext cx="2969280" cy="456120"/>
+          </a:xfrm>
+          <a:prstGeom prst="rect">
+            <a:avLst/>
+          </a:prstGeom>
+          <a:noFill/>
+          <a:ln w="0">
+            <a:noFill/>
+          </a:ln>
+        </p:spPr>
+        <p:txBody>
+          <a:bodyPr lIns="0" tIns="0" rIns="0" bIns="0" anchor="b">
+            <a:noAutofit/>
+          </a:bodyPr>
+          <a:lstStyle/>
+          <a:p>
+            <a:pPr algn="r">
+              <a:lnSpc>
+                <a:spcPct val="100000"/>
+              </a:lnSpc>
+            </a:pPr>
+            <a:fld id="{9669A908-0F06-4E47-960C-06257B12840D}" type="slidenum">
+              <a:rPr lang="es-AR" sz="1200" b="0" strike="noStrike" spc="-1">
+                <a:solidFill>
+                  <a:srgbClr val="000000"/>
+                </a:solidFill>
+                <a:latin typeface="+mn-lt"/>
+                <a:ea typeface="+mn-ea"/>
+              </a:rPr>
+              <a:pPr algn="r">
+                <a:lnSpc>
+                  <a:spcPct val="100000"/>
+                </a:lnSpc>
+              </a:pPr>
+              <a:t>31</a:t>
+            </a:fld>
+            <a:endParaRPr lang="es-AR" sz="1200" b="0" strike="noStrike" spc="-1">
+              <a:latin typeface="Times New Roman"/>
+            </a:endParaRPr>
+          </a:p>
+        </p:txBody>
+      </p:sp>
+    </p:spTree>
+    <p:extLst>
+      <p:ext uri="{BB962C8B-B14F-4D97-AF65-F5344CB8AC3E}">
+        <p14:creationId xmlns:p14="http://schemas.microsoft.com/office/powerpoint/2010/main" val="1333020428"/>
+      </p:ext>
+    </p:extLst>
+  </p:cSld>
+  <p:clrMapOvr>
+    <a:masterClrMapping/>
+  </p:clrMapOvr>
+</p:notes>
+</file>
+
+<file path=ppt/notesSlides/notesSlide31.xml><?xml version="1.0" encoding="utf-8"?>
+<p:notes xmlns:a="http://schemas.openxmlformats.org/drawingml/2006/main" xmlns:r="http://schemas.openxmlformats.org/officeDocument/2006/relationships" xmlns:p="http://schemas.openxmlformats.org/presentationml/2006/main">
+  <p:cSld>
+    <p:spTree>
+      <p:nvGrpSpPr>
+        <p:cNvPr id="1" name=""/>
+        <p:cNvGrpSpPr/>
+        <p:nvPr/>
+      </p:nvGrpSpPr>
+      <p:grpSpPr>
+        <a:xfrm>
+          <a:off x="0" y="0"/>
+          <a:ext cx="0" cy="0"/>
+          <a:chOff x="0" y="0"/>
+          <a:chExt cx="0" cy="0"/>
+        </a:xfrm>
+      </p:grpSpPr>
+      <p:sp>
+        <p:nvSpPr>
+          <p:cNvPr id="265" name="PlaceHolder 1"/>
+          <p:cNvSpPr>
+            <a:spLocks noGrp="1" noRot="1" noChangeAspect="1"/>
+          </p:cNvSpPr>
+          <p:nvPr>
+            <p:ph type="sldImg"/>
+          </p:nvPr>
+        </p:nvSpPr>
+        <p:spPr>
+          <a:xfrm>
+            <a:off x="1371600" y="1143000"/>
+            <a:ext cx="4111625" cy="3084513"/>
+          </a:xfrm>
+          <a:prstGeom prst="rect">
+            <a:avLst/>
+          </a:prstGeom>
+          <a:ln w="0">
+            <a:noFill/>
+          </a:ln>
+        </p:spPr>
+      </p:sp>
+      <p:sp>
+        <p:nvSpPr>
+          <p:cNvPr id="266" name="PlaceHolder 2"/>
+          <p:cNvSpPr>
+            <a:spLocks noGrp="1"/>
+          </p:cNvSpPr>
+          <p:nvPr>
+            <p:ph type="body"/>
+          </p:nvPr>
+        </p:nvSpPr>
+        <p:spPr>
+          <a:xfrm>
+            <a:off x="685800" y="4400640"/>
+            <a:ext cx="5483880" cy="3597840"/>
+          </a:xfrm>
+          <a:prstGeom prst="rect">
+            <a:avLst/>
+          </a:prstGeom>
+          <a:noFill/>
+          <a:ln w="0">
+            <a:noFill/>
+          </a:ln>
+        </p:spPr>
+        <p:txBody>
+          <a:bodyPr lIns="0" tIns="0" rIns="0" bIns="0" anchor="t">
+            <a:noAutofit/>
+          </a:bodyPr>
+          <a:lstStyle/>
+          <a:p>
+            <a:endParaRPr lang="es-AR" sz="2000" b="0" strike="noStrike" spc="-1">
+              <a:latin typeface="Arial"/>
+            </a:endParaRPr>
+          </a:p>
+        </p:txBody>
+      </p:sp>
+      <p:sp>
+        <p:nvSpPr>
+          <p:cNvPr id="267" name="PlaceHolder 3"/>
+          <p:cNvSpPr>
+            <a:spLocks noGrp="1"/>
+          </p:cNvSpPr>
+          <p:nvPr>
+            <p:ph type="sldNum"/>
+          </p:nvPr>
+        </p:nvSpPr>
+        <p:spPr>
+          <a:xfrm>
+            <a:off x="3884760" y="8685360"/>
+            <a:ext cx="2969280" cy="456120"/>
+          </a:xfrm>
+          <a:prstGeom prst="rect">
+            <a:avLst/>
+          </a:prstGeom>
+          <a:noFill/>
+          <a:ln w="0">
+            <a:noFill/>
+          </a:ln>
+        </p:spPr>
+        <p:txBody>
+          <a:bodyPr lIns="0" tIns="0" rIns="0" bIns="0" anchor="b">
+            <a:noAutofit/>
+          </a:bodyPr>
+          <a:lstStyle/>
+          <a:p>
+            <a:pPr algn="r">
+              <a:lnSpc>
+                <a:spcPct val="100000"/>
+              </a:lnSpc>
+            </a:pPr>
+            <a:fld id="{9669A908-0F06-4E47-960C-06257B12840D}" type="slidenum">
+              <a:rPr lang="es-AR" sz="1200" b="0" strike="noStrike" spc="-1">
+                <a:solidFill>
+                  <a:srgbClr val="000000"/>
+                </a:solidFill>
+                <a:latin typeface="+mn-lt"/>
+                <a:ea typeface="+mn-ea"/>
+              </a:rPr>
+              <a:pPr algn="r">
+                <a:lnSpc>
+                  <a:spcPct val="100000"/>
+                </a:lnSpc>
+              </a:pPr>
+              <a:t>32</a:t>
+            </a:fld>
+            <a:endParaRPr lang="es-AR" sz="1200" b="0" strike="noStrike" spc="-1">
+              <a:latin typeface="Times New Roman"/>
+            </a:endParaRPr>
+          </a:p>
+        </p:txBody>
+      </p:sp>
+    </p:spTree>
+    <p:extLst>
+      <p:ext uri="{BB962C8B-B14F-4D97-AF65-F5344CB8AC3E}">
+        <p14:creationId xmlns:p14="http://schemas.microsoft.com/office/powerpoint/2010/main" val="3423607263"/>
       </p:ext>
     </p:extLst>
   </p:cSld>
@@ -6672,7 +7536,7 @@
           </a:bodyPr>
           <a:lstStyle/>
           <a:p>
-            <a:endParaRPr lang="es-AR" sz="2000" b="0" strike="noStrike" spc="-1" dirty="0">
+            <a:endParaRPr lang="es-AR" sz="2000" b="0" strike="noStrike" spc="-1">
               <a:latin typeface="Arial"/>
             </a:endParaRPr>
           </a:p>
@@ -6736,7 +7600,7 @@
     </p:spTree>
     <p:extLst>
       <p:ext uri="{BB962C8B-B14F-4D97-AF65-F5344CB8AC3E}">
-        <p14:creationId xmlns:p14="http://schemas.microsoft.com/office/powerpoint/2010/main" val="2798547649"/>
+        <p14:creationId xmlns:p14="http://schemas.microsoft.com/office/powerpoint/2010/main" val="3876109621"/>
       </p:ext>
     </p:extLst>
   </p:cSld>
@@ -6815,7 +7679,7 @@
           </a:bodyPr>
           <a:lstStyle/>
           <a:p>
-            <a:endParaRPr lang="es-AR" sz="2000" b="0" strike="noStrike" spc="-1">
+            <a:endParaRPr lang="es-AR" sz="2000" b="0" strike="noStrike" spc="-1" dirty="0">
               <a:latin typeface="Arial"/>
             </a:endParaRPr>
           </a:p>
@@ -6879,7 +7743,7 @@
     </p:spTree>
     <p:extLst>
       <p:ext uri="{BB962C8B-B14F-4D97-AF65-F5344CB8AC3E}">
-        <p14:creationId xmlns:p14="http://schemas.microsoft.com/office/powerpoint/2010/main" val="1268955587"/>
+        <p14:creationId xmlns:p14="http://schemas.microsoft.com/office/powerpoint/2010/main" val="2798547649"/>
       </p:ext>
     </p:extLst>
   </p:cSld>
@@ -7022,7 +7886,7 @@
     </p:spTree>
     <p:extLst>
       <p:ext uri="{BB962C8B-B14F-4D97-AF65-F5344CB8AC3E}">
-        <p14:creationId xmlns:p14="http://schemas.microsoft.com/office/powerpoint/2010/main" val="3669587743"/>
+        <p14:creationId xmlns:p14="http://schemas.microsoft.com/office/powerpoint/2010/main" val="1268955587"/>
       </p:ext>
     </p:extLst>
   </p:cSld>
@@ -12917,7 +13781,7 @@
                 <a:latin typeface="Alfabet Medium"/>
                 <a:ea typeface="DejaVu Sans"/>
               </a:rPr>
-              <a:t>– Gestión de Tipos de Establecimientos</a:t>
+              <a:t>– Gestión de Conceptos</a:t>
             </a:r>
             <a:endParaRPr lang="es-ES" sz="2000" b="0" strike="noStrike" spc="-1" dirty="0" smtClean="0">
               <a:solidFill>
@@ -12929,10 +13793,58 @@
           </a:p>
         </p:txBody>
       </p:sp>
+      <p:pic>
+        <p:nvPicPr>
+          <p:cNvPr id="2" name="Imagen 1"/>
+          <p:cNvPicPr>
+            <a:picLocks noChangeAspect="1"/>
+          </p:cNvPicPr>
+          <p:nvPr/>
+        </p:nvPicPr>
+        <p:blipFill>
+          <a:blip r:embed="rId5"/>
+          <a:stretch>
+            <a:fillRect/>
+          </a:stretch>
+        </p:blipFill>
+        <p:spPr>
+          <a:xfrm>
+            <a:off x="107504" y="1973841"/>
+            <a:ext cx="8964488" cy="2853184"/>
+          </a:xfrm>
+          <a:prstGeom prst="rect">
+            <a:avLst/>
+          </a:prstGeom>
+        </p:spPr>
+      </p:pic>
+      <p:pic>
+        <p:nvPicPr>
+          <p:cNvPr id="3" name="Imagen 2"/>
+          <p:cNvPicPr>
+            <a:picLocks noChangeAspect="1"/>
+          </p:cNvPicPr>
+          <p:nvPr/>
+        </p:nvPicPr>
+        <p:blipFill>
+          <a:blip r:embed="rId6"/>
+          <a:stretch>
+            <a:fillRect/>
+          </a:stretch>
+        </p:blipFill>
+        <p:spPr>
+          <a:xfrm>
+            <a:off x="3707904" y="2924944"/>
+            <a:ext cx="5296359" cy="2560542"/>
+          </a:xfrm>
+          <a:prstGeom prst="rect">
+            <a:avLst/>
+          </a:prstGeom>
+        </p:spPr>
+      </p:pic>
     </p:spTree>
     <p:extLst>
       <p:ext uri="{BB962C8B-B14F-4D97-AF65-F5344CB8AC3E}">
-        <p14:creationId xmlns:p14="http://schemas.microsoft.com/office/powerpoint/2010/main" val="578352469"/>
+        <p14:creationId xmlns:p14="http://schemas.microsoft.com/office/powerpoint/2010/main" val="3650221254"/>
       </p:ext>
     </p:extLst>
   </p:cSld>
@@ -12950,7 +13862,121 @@
   <p:timing>
     <p:tnLst>
       <p:par>
-        <p:cTn id="1" dur="indefinite" restart="never" nodeType="tmRoot"/>
+        <p:cTn id="1" dur="indefinite" restart="never" nodeType="tmRoot">
+          <p:childTnLst>
+            <p:seq concurrent="1" nextAc="seek">
+              <p:cTn id="2" dur="indefinite" nodeType="mainSeq">
+                <p:childTnLst>
+                  <p:par>
+                    <p:cTn id="3" fill="hold">
+                      <p:stCondLst>
+                        <p:cond delay="indefinite"/>
+                      </p:stCondLst>
+                      <p:childTnLst>
+                        <p:par>
+                          <p:cTn id="4" fill="hold">
+                            <p:stCondLst>
+                              <p:cond delay="0"/>
+                            </p:stCondLst>
+                            <p:childTnLst>
+                              <p:par>
+                                <p:cTn id="5" presetID="2" presetClass="entr" presetSubtype="2" fill="hold" nodeType="clickEffect">
+                                  <p:stCondLst>
+                                    <p:cond delay="0"/>
+                                  </p:stCondLst>
+                                  <p:childTnLst>
+                                    <p:set>
+                                      <p:cBhvr>
+                                        <p:cTn id="6" dur="1" fill="hold">
+                                          <p:stCondLst>
+                                            <p:cond delay="0"/>
+                                          </p:stCondLst>
+                                        </p:cTn>
+                                        <p:tgtEl>
+                                          <p:spTgt spid="3"/>
+                                        </p:tgtEl>
+                                        <p:attrNameLst>
+                                          <p:attrName>style.visibility</p:attrName>
+                                        </p:attrNameLst>
+                                      </p:cBhvr>
+                                      <p:to>
+                                        <p:strVal val="visible"/>
+                                      </p:to>
+                                    </p:set>
+                                    <p:anim calcmode="lin" valueType="num">
+                                      <p:cBhvr additive="base">
+                                        <p:cTn id="7" dur="500" fill="hold"/>
+                                        <p:tgtEl>
+                                          <p:spTgt spid="3"/>
+                                        </p:tgtEl>
+                                        <p:attrNameLst>
+                                          <p:attrName>ppt_x</p:attrName>
+                                        </p:attrNameLst>
+                                      </p:cBhvr>
+                                      <p:tavLst>
+                                        <p:tav tm="0">
+                                          <p:val>
+                                            <p:strVal val="1+#ppt_w/2"/>
+                                          </p:val>
+                                        </p:tav>
+                                        <p:tav tm="100000">
+                                          <p:val>
+                                            <p:strVal val="#ppt_x"/>
+                                          </p:val>
+                                        </p:tav>
+                                      </p:tavLst>
+                                    </p:anim>
+                                    <p:anim calcmode="lin" valueType="num">
+                                      <p:cBhvr additive="base">
+                                        <p:cTn id="8" dur="500" fill="hold"/>
+                                        <p:tgtEl>
+                                          <p:spTgt spid="3"/>
+                                        </p:tgtEl>
+                                        <p:attrNameLst>
+                                          <p:attrName>ppt_y</p:attrName>
+                                        </p:attrNameLst>
+                                      </p:cBhvr>
+                                      <p:tavLst>
+                                        <p:tav tm="0">
+                                          <p:val>
+                                            <p:strVal val="#ppt_y"/>
+                                          </p:val>
+                                        </p:tav>
+                                        <p:tav tm="100000">
+                                          <p:val>
+                                            <p:strVal val="#ppt_y"/>
+                                          </p:val>
+                                        </p:tav>
+                                      </p:tavLst>
+                                    </p:anim>
+                                  </p:childTnLst>
+                                </p:cTn>
+                              </p:par>
+                            </p:childTnLst>
+                          </p:cTn>
+                        </p:par>
+                      </p:childTnLst>
+                    </p:cTn>
+                  </p:par>
+                </p:childTnLst>
+              </p:cTn>
+              <p:prevCondLst>
+                <p:cond evt="onPrev" delay="0">
+                  <p:tgtEl>
+                    <p:sldTgt/>
+                  </p:tgtEl>
+                </p:cond>
+              </p:prevCondLst>
+              <p:nextCondLst>
+                <p:cond evt="onNext" delay="0">
+                  <p:tgtEl>
+                    <p:sldTgt/>
+                  </p:tgtEl>
+                </p:cond>
+              </p:nextCondLst>
+            </p:seq>
+          </p:childTnLst>
+        </p:cTn>
       </p:par>
     </p:tnLst>
   </p:timing>
@@ -13162,7 +14188,7 @@
                 <a:latin typeface="Alfabet Medium"/>
                 <a:ea typeface="DejaVu Sans"/>
               </a:rPr>
-              <a:t>– Gestión de Establecimientos</a:t>
+              <a:t>– Gestión de Tipos de Establecimientos</a:t>
             </a:r>
             <a:endParaRPr lang="es-ES" sz="2000" b="0" strike="noStrike" spc="-1" dirty="0" smtClean="0">
               <a:solidFill>
@@ -13174,10 +14200,34 @@
           </a:p>
         </p:txBody>
       </p:sp>
+      <p:pic>
+        <p:nvPicPr>
+          <p:cNvPr id="2" name="Imagen 1"/>
+          <p:cNvPicPr>
+            <a:picLocks noChangeAspect="1"/>
+          </p:cNvPicPr>
+          <p:nvPr/>
+        </p:nvPicPr>
+        <p:blipFill>
+          <a:blip r:embed="rId5"/>
+          <a:stretch>
+            <a:fillRect/>
+          </a:stretch>
+        </p:blipFill>
+        <p:spPr>
+          <a:xfrm>
+            <a:off x="144016" y="1884669"/>
+            <a:ext cx="8892480" cy="3178566"/>
+          </a:xfrm>
+          <a:prstGeom prst="rect">
+            <a:avLst/>
+          </a:prstGeom>
+        </p:spPr>
+      </p:pic>
     </p:spTree>
     <p:extLst>
       <p:ext uri="{BB962C8B-B14F-4D97-AF65-F5344CB8AC3E}">
-        <p14:creationId xmlns:p14="http://schemas.microsoft.com/office/powerpoint/2010/main" val="3416981487"/>
+        <p14:creationId xmlns:p14="http://schemas.microsoft.com/office/powerpoint/2010/main" val="578352469"/>
       </p:ext>
     </p:extLst>
   </p:cSld>
@@ -13407,7 +14457,7 @@
                 <a:latin typeface="Alfabet Medium"/>
                 <a:ea typeface="DejaVu Sans"/>
               </a:rPr>
-              <a:t>– Gestión de Funciones</a:t>
+              <a:t>– Gestión de Establecimientos</a:t>
             </a:r>
             <a:endParaRPr lang="es-ES" sz="2000" b="0" strike="noStrike" spc="-1" dirty="0" smtClean="0">
               <a:solidFill>
@@ -13419,10 +14469,34 @@
           </a:p>
         </p:txBody>
       </p:sp>
+      <p:pic>
+        <p:nvPicPr>
+          <p:cNvPr id="2" name="Imagen 1"/>
+          <p:cNvPicPr>
+            <a:picLocks noChangeAspect="1"/>
+          </p:cNvPicPr>
+          <p:nvPr/>
+        </p:nvPicPr>
+        <p:blipFill>
+          <a:blip r:embed="rId5"/>
+          <a:stretch>
+            <a:fillRect/>
+          </a:stretch>
+        </p:blipFill>
+        <p:spPr>
+          <a:xfrm>
+            <a:off x="35496" y="2002842"/>
+            <a:ext cx="9036496" cy="2886658"/>
+          </a:xfrm>
+          <a:prstGeom prst="rect">
+            <a:avLst/>
+          </a:prstGeom>
+        </p:spPr>
+      </p:pic>
     </p:spTree>
     <p:extLst>
       <p:ext uri="{BB962C8B-B14F-4D97-AF65-F5344CB8AC3E}">
-        <p14:creationId xmlns:p14="http://schemas.microsoft.com/office/powerpoint/2010/main" val="3670009389"/>
+        <p14:creationId xmlns:p14="http://schemas.microsoft.com/office/powerpoint/2010/main" val="3416981487"/>
       </p:ext>
     </p:extLst>
   </p:cSld>
@@ -13664,6 +14738,30 @@
           </a:p>
         </p:txBody>
       </p:sp>
+      <p:pic>
+        <p:nvPicPr>
+          <p:cNvPr id="2" name="Imagen 1"/>
+          <p:cNvPicPr>
+            <a:picLocks noChangeAspect="1"/>
+          </p:cNvPicPr>
+          <p:nvPr/>
+        </p:nvPicPr>
+        <p:blipFill>
+          <a:blip r:embed="rId5"/>
+          <a:stretch>
+            <a:fillRect/>
+          </a:stretch>
+        </p:blipFill>
+        <p:spPr>
+          <a:xfrm>
+            <a:off x="107504" y="1614987"/>
+            <a:ext cx="8964488" cy="4190277"/>
+          </a:xfrm>
+          <a:prstGeom prst="rect">
+            <a:avLst/>
+          </a:prstGeom>
+        </p:spPr>
+      </p:pic>
     </p:spTree>
     <p:extLst>
       <p:ext uri="{BB962C8B-B14F-4D97-AF65-F5344CB8AC3E}">
@@ -13909,6 +15007,30 @@
           </a:p>
         </p:txBody>
       </p:sp>
+      <p:pic>
+        <p:nvPicPr>
+          <p:cNvPr id="2" name="Imagen 1"/>
+          <p:cNvPicPr>
+            <a:picLocks noChangeAspect="1"/>
+          </p:cNvPicPr>
+          <p:nvPr/>
+        </p:nvPicPr>
+        <p:blipFill>
+          <a:blip r:embed="rId5"/>
+          <a:stretch>
+            <a:fillRect/>
+          </a:stretch>
+        </p:blipFill>
+        <p:spPr>
+          <a:xfrm>
+            <a:off x="72008" y="1804594"/>
+            <a:ext cx="9036496" cy="3568622"/>
+          </a:xfrm>
+          <a:prstGeom prst="rect">
+            <a:avLst/>
+          </a:prstGeom>
+        </p:spPr>
+      </p:pic>
     </p:spTree>
     <p:extLst>
       <p:ext uri="{BB962C8B-B14F-4D97-AF65-F5344CB8AC3E}">
@@ -14154,6 +15276,30 @@
           </a:p>
         </p:txBody>
       </p:sp>
+      <p:pic>
+        <p:nvPicPr>
+          <p:cNvPr id="2" name="Imagen 1"/>
+          <p:cNvPicPr>
+            <a:picLocks noChangeAspect="1"/>
+          </p:cNvPicPr>
+          <p:nvPr/>
+        </p:nvPicPr>
+        <p:blipFill>
+          <a:blip r:embed="rId5"/>
+          <a:stretch>
+            <a:fillRect/>
+          </a:stretch>
+        </p:blipFill>
+        <p:spPr>
+          <a:xfrm>
+            <a:off x="72008" y="2045685"/>
+            <a:ext cx="8964488" cy="2823161"/>
+          </a:xfrm>
+          <a:prstGeom prst="rect">
+            <a:avLst/>
+          </a:prstGeom>
+        </p:spPr>
+      </p:pic>
     </p:spTree>
     <p:extLst>
       <p:ext uri="{BB962C8B-B14F-4D97-AF65-F5344CB8AC3E}">
@@ -14493,17 +15639,7 @@
                 <a:latin typeface="Alfabet Medium"/>
                 <a:ea typeface="DejaVu Sans"/>
               </a:rPr>
-              <a:t>y devoluciones</a:t>
-            </a:r>
-            <a:r>
-              <a:rPr lang="es-ES" spc="-1" dirty="0">
-                <a:solidFill>
-                  <a:srgbClr val="FFFFFF"/>
-                </a:solidFill>
-                <a:latin typeface="Alfabet Medium"/>
-                <a:ea typeface="DejaVu Sans"/>
-              </a:rPr>
-              <a:t>.</a:t>
+              <a:t>y devoluciones.</a:t>
             </a:r>
           </a:p>
           <a:p>
@@ -14966,16 +16102,33 @@
               </a:rPr>
               <a:t>Módulo Gestión de Personas</a:t>
             </a:r>
-            <a:endParaRPr lang="es-ES" sz="2000" b="0" strike="noStrike" spc="-1" dirty="0" smtClean="0">
-              <a:solidFill>
-                <a:srgbClr val="FFFFFF"/>
-              </a:solidFill>
-              <a:latin typeface="Alfabet Medium"/>
-              <a:ea typeface="DejaVu Sans"/>
-            </a:endParaRPr>
           </a:p>
         </p:txBody>
       </p:sp>
+      <p:pic>
+        <p:nvPicPr>
+          <p:cNvPr id="2" name="Imagen 1"/>
+          <p:cNvPicPr>
+            <a:picLocks noChangeAspect="1"/>
+          </p:cNvPicPr>
+          <p:nvPr/>
+        </p:nvPicPr>
+        <p:blipFill>
+          <a:blip r:embed="rId5"/>
+          <a:stretch>
+            <a:fillRect/>
+          </a:stretch>
+        </p:blipFill>
+        <p:spPr>
+          <a:xfrm>
+            <a:off x="144016" y="1766742"/>
+            <a:ext cx="8892480" cy="3534466"/>
+          </a:xfrm>
+          <a:prstGeom prst="rect">
+            <a:avLst/>
+          </a:prstGeom>
+        </p:spPr>
+      </p:pic>
     </p:spTree>
     <p:extLst>
       <p:ext uri="{BB962C8B-B14F-4D97-AF65-F5344CB8AC3E}">
@@ -15283,13 +16436,6 @@
               </a:rPr>
               <a:t>Administración y estructuración de los cargos y funciones dentro de los establecimientos educativos</a:t>
             </a:r>
-            <a:endParaRPr lang="es-ES" spc="-1" dirty="0">
-              <a:solidFill>
-                <a:srgbClr val="FFFFFF"/>
-              </a:solidFill>
-              <a:latin typeface="Alfabet Medium"/>
-              <a:ea typeface="DejaVu Sans"/>
-            </a:endParaRPr>
           </a:p>
           <a:p>
             <a:pPr marL="342900" indent="-342900">
@@ -15355,13 +16501,6 @@
               </a:rPr>
               <a:t>y cargos dentro de la POF</a:t>
             </a:r>
-            <a:endParaRPr lang="es-ES" spc="-1" dirty="0">
-              <a:solidFill>
-                <a:srgbClr val="FFFFFF"/>
-              </a:solidFill>
-              <a:latin typeface="Alfabet Medium"/>
-              <a:ea typeface="DejaVu Sans"/>
-            </a:endParaRPr>
           </a:p>
           <a:p>
             <a:pPr marL="800100" lvl="1" indent="-342900">
@@ -15376,17 +16515,7 @@
                 <a:latin typeface="Alfabet Medium"/>
                 <a:ea typeface="DejaVu Sans"/>
               </a:rPr>
-              <a:t>Registro </a:t>
-            </a:r>
-            <a:r>
-              <a:rPr lang="es-ES" spc="-1" dirty="0">
-                <a:solidFill>
-                  <a:srgbClr val="FFFFFF"/>
-                </a:solidFill>
-                <a:latin typeface="Alfabet Medium"/>
-                <a:ea typeface="DejaVu Sans"/>
-              </a:rPr>
-              <a:t>de la POF por establecimiento: Cargos, horas designadas, situación de revista, </a:t>
+              <a:t>Registro de la POF por establecimiento: Cargos, horas designadas, situación de revista, </a:t>
             </a:r>
             <a:r>
               <a:rPr lang="es-ES" spc="-1" dirty="0" smtClean="0">
@@ -15406,17 +16535,7 @@
                 <a:latin typeface="Alfabet Medium"/>
                 <a:ea typeface="DejaVu Sans"/>
               </a:rPr>
-              <a:t>otros</a:t>
-            </a:r>
-            <a:r>
-              <a:rPr lang="es-ES" spc="-1" dirty="0">
-                <a:solidFill>
-                  <a:srgbClr val="FFFFFF"/>
-                </a:solidFill>
-                <a:latin typeface="Alfabet Medium"/>
-                <a:ea typeface="DejaVu Sans"/>
-              </a:rPr>
-              <a:t>.</a:t>
+              <a:t>otros.</a:t>
             </a:r>
           </a:p>
           <a:p>
@@ -15452,17 +16571,7 @@
                 <a:latin typeface="Alfabet Medium"/>
                 <a:ea typeface="DejaVu Sans"/>
               </a:rPr>
-              <a:t>la POF ante cambios de personal, altas y bajas</a:t>
-            </a:r>
-            <a:r>
-              <a:rPr lang="es-ES" spc="-1" dirty="0">
-                <a:solidFill>
-                  <a:srgbClr val="FFFFFF"/>
-                </a:solidFill>
-                <a:latin typeface="Alfabet Medium"/>
-                <a:ea typeface="DejaVu Sans"/>
-              </a:rPr>
-              <a:t>.</a:t>
+              <a:t>la POF ante cambios de personal, altas y bajas.</a:t>
             </a:r>
           </a:p>
           <a:p>
@@ -15543,17 +16652,7 @@
                 <a:latin typeface="Alfabet Medium"/>
                 <a:ea typeface="DejaVu Sans"/>
               </a:rPr>
-              <a:t>Se relaciona directamente con la Gestión de </a:t>
-            </a:r>
-            <a:r>
-              <a:rPr lang="es-ES" spc="-1" dirty="0">
-                <a:solidFill>
-                  <a:srgbClr val="FFFFFF"/>
-                </a:solidFill>
-                <a:latin typeface="Alfabet Medium"/>
-                <a:ea typeface="DejaVu Sans"/>
-              </a:rPr>
-              <a:t>Personas y de </a:t>
+              <a:t>Se relaciona directamente con la Gestión de Personas y de </a:t>
             </a:r>
             <a:r>
               <a:rPr lang="es-ES" spc="-1" dirty="0" smtClean="0">
@@ -15800,16 +16899,33 @@
               </a:rPr>
               <a:t>Módulo Gestión de POF</a:t>
             </a:r>
-            <a:endParaRPr lang="es-ES" sz="2000" b="0" strike="noStrike" spc="-1" dirty="0" smtClean="0">
-              <a:solidFill>
-                <a:srgbClr val="FFFFFF"/>
-              </a:solidFill>
-              <a:latin typeface="Alfabet Medium"/>
-              <a:ea typeface="DejaVu Sans"/>
-            </a:endParaRPr>
           </a:p>
         </p:txBody>
       </p:sp>
+      <p:pic>
+        <p:nvPicPr>
+          <p:cNvPr id="2" name="Imagen 1"/>
+          <p:cNvPicPr>
+            <a:picLocks noChangeAspect="1"/>
+          </p:cNvPicPr>
+          <p:nvPr/>
+        </p:nvPicPr>
+        <p:blipFill>
+          <a:blip r:embed="rId5"/>
+          <a:stretch>
+            <a:fillRect/>
+          </a:stretch>
+        </p:blipFill>
+        <p:spPr>
+          <a:xfrm>
+            <a:off x="323528" y="1508886"/>
+            <a:ext cx="8568952" cy="4728426"/>
+          </a:xfrm>
+          <a:prstGeom prst="rect">
+            <a:avLst/>
+          </a:prstGeom>
+        </p:spPr>
+      </p:pic>
     </p:spTree>
     <p:extLst>
       <p:ext uri="{BB962C8B-B14F-4D97-AF65-F5344CB8AC3E}">
@@ -16073,13 +17189,6 @@
               </a:rPr>
               <a:t>Seguridad</a:t>
             </a:r>
-            <a:endParaRPr lang="es-ES" sz="1600" b="0" strike="noStrike" spc="-1" dirty="0" smtClean="0">
-              <a:solidFill>
-                <a:srgbClr val="FFFFFF"/>
-              </a:solidFill>
-              <a:latin typeface="Alfabet Medium"/>
-              <a:ea typeface="DejaVu Sans"/>
-            </a:endParaRPr>
           </a:p>
           <a:p>
             <a:pPr marL="342900" indent="-342900">
@@ -16118,13 +17227,6 @@
               </a:rPr>
               <a:t>Personas / POF</a:t>
             </a:r>
-            <a:endParaRPr lang="es-ES" sz="1600" spc="-1" dirty="0" smtClean="0">
-              <a:solidFill>
-                <a:srgbClr val="FFFFFF"/>
-              </a:solidFill>
-              <a:latin typeface="Alfabet Medium"/>
-              <a:ea typeface="DejaVu Sans"/>
-            </a:endParaRPr>
           </a:p>
           <a:p>
             <a:pPr marL="342900" indent="-342900">
@@ -16144,13 +17246,6 @@
               </a:rPr>
               <a:t>Gestión de Cabeceras</a:t>
             </a:r>
-            <a:endParaRPr lang="es-ES" sz="1600" b="0" strike="noStrike" spc="-1" dirty="0" smtClean="0">
-              <a:solidFill>
-                <a:srgbClr val="FFFFFF"/>
-              </a:solidFill>
-              <a:latin typeface="Alfabet Medium"/>
-              <a:ea typeface="DejaVu Sans"/>
-            </a:endParaRPr>
           </a:p>
           <a:p>
             <a:pPr marL="342900" indent="-342900">
@@ -16523,14 +17618,14 @@
       </p:pic>
       <p:sp>
         <p:nvSpPr>
-          <p:cNvPr id="9" name="CuadroTexto 2"/>
+          <p:cNvPr id="8" name="CuadroTexto 2"/>
           <p:cNvSpPr/>
           <p:nvPr/>
         </p:nvSpPr>
         <p:spPr>
           <a:xfrm>
-            <a:off x="540000" y="1463586"/>
-            <a:ext cx="8208464" cy="3045534"/>
+            <a:off x="558546" y="1124744"/>
+            <a:ext cx="8208464" cy="398655"/>
           </a:xfrm>
           <a:prstGeom prst="rect">
             <a:avLst/>
@@ -16558,45 +17653,32 @@
           </a:bodyPr>
           <a:lstStyle/>
           <a:p>
+            <a:pPr>
+              <a:lnSpc>
+                <a:spcPct val="100000"/>
+              </a:lnSpc>
+            </a:pPr>
             <a:r>
-              <a:rPr lang="es-ES" sz="2000" b="0" u="sng" strike="noStrike" spc="-1" dirty="0" smtClean="0">
+              <a:rPr lang="es-ES" sz="2000" b="0" strike="noStrike" spc="-1" dirty="0" smtClean="0">
                 <a:solidFill>
                   <a:srgbClr val="FFFFFF"/>
                 </a:solidFill>
                 <a:latin typeface="Alfabet Medium"/>
                 <a:ea typeface="DejaVu Sans"/>
               </a:rPr>
-              <a:t>Módulo </a:t>
+              <a:t>Módulo Gestión de </a:t>
             </a:r>
             <a:r>
-              <a:rPr lang="es-ES" sz="2000" u="sng" spc="-1" dirty="0">
-                <a:solidFill>
-                  <a:srgbClr val="FFFFFF"/>
-                </a:solidFill>
-                <a:latin typeface="Alfabet Medium"/>
-              </a:rPr>
-              <a:t>Gestión de </a:t>
-            </a:r>
-            <a:r>
-              <a:rPr lang="es-ES" sz="2000" u="sng" spc="-1" dirty="0" smtClean="0">
-                <a:solidFill>
-                  <a:srgbClr val="FFFFFF"/>
-                </a:solidFill>
-                <a:latin typeface="Alfabet Medium"/>
-              </a:rPr>
-              <a:t>Cabeceras</a:t>
-            </a:r>
-            <a:r>
-              <a:rPr lang="es-ES" sz="2000" b="0" u="sng" strike="noStrike" spc="-1" dirty="0" smtClean="0">
+              <a:rPr lang="es-ES" sz="2000" b="0" strike="noStrike" spc="-1" dirty="0" smtClean="0">
                 <a:solidFill>
                   <a:srgbClr val="FFFFFF"/>
                 </a:solidFill>
                 <a:latin typeface="Alfabet Medium"/>
                 <a:ea typeface="DejaVu Sans"/>
               </a:rPr>
-              <a:t>:</a:t>
+              <a:t>POF (cont.)</a:t>
             </a:r>
-            <a:endParaRPr lang="es-ES" sz="2000" u="sng" spc="-1" dirty="0">
+            <a:endParaRPr lang="es-ES" sz="2000" b="0" strike="noStrike" spc="-1" dirty="0" smtClean="0">
               <a:solidFill>
                 <a:srgbClr val="FFFFFF"/>
               </a:solidFill>
@@ -16604,195 +17686,36 @@
               <a:ea typeface="DejaVu Sans"/>
             </a:endParaRPr>
           </a:p>
-          <a:p>
-            <a:pPr marL="342900" indent="-342900">
-              <a:lnSpc>
-                <a:spcPct val="100000"/>
-              </a:lnSpc>
-              <a:spcBef>
-                <a:spcPts val="600"/>
-              </a:spcBef>
-              <a:buFont typeface="Arial" panose="020B0604020202020204" pitchFamily="34" charset="0"/>
-              <a:buChar char="•"/>
-            </a:pPr>
-            <a:endParaRPr lang="es-ES" sz="2000" b="1" spc="-1" dirty="0" smtClean="0">
-              <a:solidFill>
-                <a:srgbClr val="FFFFFF"/>
-              </a:solidFill>
-              <a:latin typeface="Alfabet Medium"/>
-              <a:ea typeface="DejaVu Sans"/>
-            </a:endParaRPr>
-          </a:p>
-          <a:p>
-            <a:pPr marL="342900" indent="-342900">
-              <a:lnSpc>
-                <a:spcPct val="100000"/>
-              </a:lnSpc>
-              <a:spcBef>
-                <a:spcPts val="600"/>
-              </a:spcBef>
-              <a:buFont typeface="Arial" panose="020B0604020202020204" pitchFamily="34" charset="0"/>
-              <a:buChar char="•"/>
-            </a:pPr>
-            <a:r>
-              <a:rPr lang="es-ES" sz="2000" b="1" spc="-1" dirty="0" smtClean="0">
-                <a:solidFill>
-                  <a:srgbClr val="FFFFFF"/>
-                </a:solidFill>
-                <a:latin typeface="Alfabet Medium"/>
-                <a:ea typeface="DejaVu Sans"/>
-              </a:rPr>
-              <a:t>Objetivo</a:t>
-            </a:r>
-            <a:r>
-              <a:rPr lang="es-ES" sz="2000" spc="-1" dirty="0">
-                <a:solidFill>
-                  <a:srgbClr val="FFFFFF"/>
-                </a:solidFill>
-                <a:latin typeface="Alfabet Medium"/>
-                <a:ea typeface="DejaVu Sans"/>
-              </a:rPr>
-              <a:t>: </a:t>
-            </a:r>
-            <a:endParaRPr lang="es-ES" sz="2000" spc="-1" dirty="0" smtClean="0">
-              <a:solidFill>
-                <a:srgbClr val="FFFFFF"/>
-              </a:solidFill>
-              <a:latin typeface="Alfabet Medium"/>
-              <a:ea typeface="DejaVu Sans"/>
-            </a:endParaRPr>
-          </a:p>
-          <a:p>
-            <a:pPr lvl="1"/>
-            <a:r>
-              <a:rPr lang="es-ES" spc="-1" dirty="0">
-                <a:solidFill>
-                  <a:srgbClr val="FFFFFF"/>
-                </a:solidFill>
-                <a:latin typeface="Alfabet Medium"/>
-                <a:ea typeface="DejaVu Sans"/>
-              </a:rPr>
-              <a:t>Registrar los periodos de liquidación y centralizar la información de cada proceso de liquidación de </a:t>
-            </a:r>
-            <a:r>
-              <a:rPr lang="es-ES" spc="-1" dirty="0" smtClean="0">
-                <a:solidFill>
-                  <a:srgbClr val="FFFFFF"/>
-                </a:solidFill>
-                <a:latin typeface="Alfabet Medium"/>
-                <a:ea typeface="DejaVu Sans"/>
-              </a:rPr>
-              <a:t>devoluciones</a:t>
-            </a:r>
-            <a:endParaRPr lang="es-ES" spc="-1" dirty="0">
-              <a:solidFill>
-                <a:srgbClr val="FFFFFF"/>
-              </a:solidFill>
-              <a:latin typeface="Alfabet Medium"/>
-              <a:ea typeface="DejaVu Sans"/>
-            </a:endParaRPr>
-          </a:p>
-          <a:p>
-            <a:pPr marL="342900" indent="-342900">
-              <a:spcBef>
-                <a:spcPts val="600"/>
-              </a:spcBef>
-              <a:buFont typeface="Arial" panose="020B0604020202020204" pitchFamily="34" charset="0"/>
-              <a:buChar char="•"/>
-            </a:pPr>
-            <a:endParaRPr lang="es-ES" sz="2000" b="1" spc="-1" dirty="0" smtClean="0">
-              <a:solidFill>
-                <a:srgbClr val="FFFFFF"/>
-              </a:solidFill>
-              <a:latin typeface="Alfabet Medium"/>
-              <a:ea typeface="DejaVu Sans"/>
-            </a:endParaRPr>
-          </a:p>
-          <a:p>
-            <a:pPr marL="342900" indent="-342900">
-              <a:spcBef>
-                <a:spcPts val="600"/>
-              </a:spcBef>
-              <a:buFont typeface="Arial" panose="020B0604020202020204" pitchFamily="34" charset="0"/>
-              <a:buChar char="•"/>
-            </a:pPr>
-            <a:r>
-              <a:rPr lang="es-ES" sz="2000" b="1" spc="-1" dirty="0" smtClean="0">
-                <a:solidFill>
-                  <a:srgbClr val="FFFFFF"/>
-                </a:solidFill>
-                <a:latin typeface="Alfabet Medium"/>
-                <a:ea typeface="DejaVu Sans"/>
-              </a:rPr>
-              <a:t>Relación</a:t>
-            </a:r>
-            <a:r>
-              <a:rPr lang="es-ES" sz="2000" spc="-1" dirty="0" smtClean="0">
-                <a:solidFill>
-                  <a:srgbClr val="FFFFFF"/>
-                </a:solidFill>
-                <a:latin typeface="Alfabet Medium"/>
-                <a:ea typeface="DejaVu Sans"/>
-              </a:rPr>
-              <a:t>: </a:t>
-            </a:r>
-          </a:p>
-          <a:p>
-            <a:pPr lvl="1"/>
-            <a:r>
-              <a:rPr lang="es-AR" spc="-1" dirty="0">
-                <a:solidFill>
-                  <a:srgbClr val="FFFFFF"/>
-                </a:solidFill>
-                <a:latin typeface="Alfabet Medium"/>
-                <a:ea typeface="DejaVu Sans"/>
-              </a:rPr>
-              <a:t>Cada registro de Cabecera se utilizará para vincular los registros de </a:t>
-            </a:r>
-            <a:r>
-              <a:rPr lang="es-AR" spc="-1" dirty="0" smtClean="0">
-                <a:solidFill>
-                  <a:srgbClr val="FFFFFF"/>
-                </a:solidFill>
-                <a:latin typeface="Alfabet Medium"/>
-                <a:ea typeface="DejaVu Sans"/>
-              </a:rPr>
-              <a:t>liquidaciones de mecanizadas</a:t>
-            </a:r>
-            <a:r>
-              <a:rPr lang="es-AR" spc="-1" dirty="0">
-                <a:solidFill>
-                  <a:srgbClr val="FFFFFF"/>
-                </a:solidFill>
-                <a:latin typeface="Alfabet Medium"/>
-                <a:ea typeface="DejaVu Sans"/>
-              </a:rPr>
-              <a:t>, bajas e </a:t>
-            </a:r>
-            <a:r>
-              <a:rPr lang="es-AR" spc="-1" dirty="0" smtClean="0">
-                <a:solidFill>
-                  <a:srgbClr val="FFFFFF"/>
-                </a:solidFill>
-                <a:latin typeface="Alfabet Medium"/>
-                <a:ea typeface="DejaVu Sans"/>
-              </a:rPr>
-              <a:t>inasistencias</a:t>
-            </a:r>
-            <a:endParaRPr lang="es-ES" spc="-1" dirty="0">
-              <a:solidFill>
-                <a:srgbClr val="FFFFFF"/>
-              </a:solidFill>
-              <a:latin typeface="Alfabet Medium"/>
-              <a:ea typeface="DejaVu Sans"/>
-            </a:endParaRPr>
-          </a:p>
         </p:txBody>
       </p:sp>
+      <p:pic>
+        <p:nvPicPr>
+          <p:cNvPr id="3" name="Imagen 2"/>
+          <p:cNvPicPr>
+            <a:picLocks noChangeAspect="1"/>
+          </p:cNvPicPr>
+          <p:nvPr/>
+        </p:nvPicPr>
+        <p:blipFill>
+          <a:blip r:embed="rId5"/>
+          <a:stretch>
+            <a:fillRect/>
+          </a:stretch>
+        </p:blipFill>
+        <p:spPr>
+          <a:xfrm>
+            <a:off x="35496" y="2202368"/>
+            <a:ext cx="9036496" cy="2482800"/>
+          </a:xfrm>
+          <a:prstGeom prst="rect">
+            <a:avLst/>
+          </a:prstGeom>
+        </p:spPr>
+      </p:pic>
     </p:spTree>
     <p:extLst>
       <p:ext uri="{BB962C8B-B14F-4D97-AF65-F5344CB8AC3E}">
-        <p14:creationId xmlns:p14="http://schemas.microsoft.com/office/powerpoint/2010/main" val="1526499931"/>
+        <p14:creationId xmlns:p14="http://schemas.microsoft.com/office/powerpoint/2010/main" val="3667713878"/>
       </p:ext>
     </p:extLst>
   </p:cSld>
@@ -16964,14 +17887,14 @@
       </p:pic>
       <p:sp>
         <p:nvSpPr>
-          <p:cNvPr id="23" name="CuadroTexto 2"/>
+          <p:cNvPr id="9" name="CuadroTexto 2"/>
           <p:cNvSpPr/>
           <p:nvPr/>
         </p:nvSpPr>
         <p:spPr>
           <a:xfrm>
-            <a:off x="558546" y="1124744"/>
-            <a:ext cx="8208464" cy="398655"/>
+            <a:off x="540000" y="1463586"/>
+            <a:ext cx="8208464" cy="3045534"/>
           </a:xfrm>
           <a:prstGeom prst="rect">
             <a:avLst/>
@@ -16999,22 +17922,45 @@
           </a:bodyPr>
           <a:lstStyle/>
           <a:p>
-            <a:pPr>
-              <a:lnSpc>
-                <a:spcPct val="100000"/>
-              </a:lnSpc>
-            </a:pPr>
             <a:r>
-              <a:rPr lang="es-ES" sz="2000" b="0" strike="noStrike" spc="-1" dirty="0" smtClean="0">
+              <a:rPr lang="es-ES" sz="2000" b="0" u="sng" strike="noStrike" spc="-1" dirty="0" smtClean="0">
                 <a:solidFill>
                   <a:srgbClr val="FFFFFF"/>
                 </a:solidFill>
                 <a:latin typeface="Alfabet Medium"/>
                 <a:ea typeface="DejaVu Sans"/>
               </a:rPr>
-              <a:t>Módulo Gestión de Cabeceras</a:t>
+              <a:t>Módulo </a:t>
             </a:r>
-            <a:endParaRPr lang="es-ES" sz="2000" b="0" strike="noStrike" spc="-1" dirty="0" smtClean="0">
+            <a:r>
+              <a:rPr lang="es-ES" sz="2000" u="sng" spc="-1" dirty="0">
+                <a:solidFill>
+                  <a:srgbClr val="FFFFFF"/>
+                </a:solidFill>
+                <a:latin typeface="Alfabet Medium"/>
+              </a:rPr>
+              <a:t>Gestión de </a:t>
+            </a:r>
+            <a:r>
+              <a:rPr lang="es-ES" sz="2000" u="sng" spc="-1" dirty="0" smtClean="0">
+                <a:solidFill>
+                  <a:srgbClr val="FFFFFF"/>
+                </a:solidFill>
+                <a:latin typeface="Alfabet Medium"/>
+              </a:rPr>
+              <a:t>Cabeceras</a:t>
+            </a:r>
+            <a:r>
+              <a:rPr lang="es-ES" sz="2000" b="0" u="sng" strike="noStrike" spc="-1" dirty="0" smtClean="0">
+                <a:solidFill>
+                  <a:srgbClr val="FFFFFF"/>
+                </a:solidFill>
+                <a:latin typeface="Alfabet Medium"/>
+                <a:ea typeface="DejaVu Sans"/>
+              </a:rPr>
+              <a:t>:</a:t>
+            </a:r>
+            <a:endParaRPr lang="es-ES" sz="2000" u="sng" spc="-1" dirty="0">
               <a:solidFill>
                 <a:srgbClr val="FFFFFF"/>
               </a:solidFill>
@@ -17022,12 +17968,195 @@
               <a:ea typeface="DejaVu Sans"/>
             </a:endParaRPr>
           </a:p>
+          <a:p>
+            <a:pPr marL="342900" indent="-342900">
+              <a:lnSpc>
+                <a:spcPct val="100000"/>
+              </a:lnSpc>
+              <a:spcBef>
+                <a:spcPts val="600"/>
+              </a:spcBef>
+              <a:buFont typeface="Arial" panose="020B0604020202020204" pitchFamily="34" charset="0"/>
+              <a:buChar char="•"/>
+            </a:pPr>
+            <a:endParaRPr lang="es-ES" sz="2000" b="1" spc="-1" dirty="0" smtClean="0">
+              <a:solidFill>
+                <a:srgbClr val="FFFFFF"/>
+              </a:solidFill>
+              <a:latin typeface="Alfabet Medium"/>
+              <a:ea typeface="DejaVu Sans"/>
+            </a:endParaRPr>
+          </a:p>
+          <a:p>
+            <a:pPr marL="342900" indent="-342900">
+              <a:lnSpc>
+                <a:spcPct val="100000"/>
+              </a:lnSpc>
+              <a:spcBef>
+                <a:spcPts val="600"/>
+              </a:spcBef>
+              <a:buFont typeface="Arial" panose="020B0604020202020204" pitchFamily="34" charset="0"/>
+              <a:buChar char="•"/>
+            </a:pPr>
+            <a:r>
+              <a:rPr lang="es-ES" sz="2000" b="1" spc="-1" dirty="0" smtClean="0">
+                <a:solidFill>
+                  <a:srgbClr val="FFFFFF"/>
+                </a:solidFill>
+                <a:latin typeface="Alfabet Medium"/>
+                <a:ea typeface="DejaVu Sans"/>
+              </a:rPr>
+              <a:t>Objetivo</a:t>
+            </a:r>
+            <a:r>
+              <a:rPr lang="es-ES" sz="2000" spc="-1" dirty="0">
+                <a:solidFill>
+                  <a:srgbClr val="FFFFFF"/>
+                </a:solidFill>
+                <a:latin typeface="Alfabet Medium"/>
+                <a:ea typeface="DejaVu Sans"/>
+              </a:rPr>
+              <a:t>: </a:t>
+            </a:r>
+            <a:endParaRPr lang="es-ES" sz="2000" spc="-1" dirty="0" smtClean="0">
+              <a:solidFill>
+                <a:srgbClr val="FFFFFF"/>
+              </a:solidFill>
+              <a:latin typeface="Alfabet Medium"/>
+              <a:ea typeface="DejaVu Sans"/>
+            </a:endParaRPr>
+          </a:p>
+          <a:p>
+            <a:pPr lvl="1"/>
+            <a:r>
+              <a:rPr lang="es-ES" spc="-1" dirty="0">
+                <a:solidFill>
+                  <a:srgbClr val="FFFFFF"/>
+                </a:solidFill>
+                <a:latin typeface="Alfabet Medium"/>
+                <a:ea typeface="DejaVu Sans"/>
+              </a:rPr>
+              <a:t>Registrar los periodos de liquidación y centralizar la información de cada proceso de liquidación de </a:t>
+            </a:r>
+            <a:r>
+              <a:rPr lang="es-ES" spc="-1" dirty="0" smtClean="0">
+                <a:solidFill>
+                  <a:srgbClr val="FFFFFF"/>
+                </a:solidFill>
+                <a:latin typeface="Alfabet Medium"/>
+                <a:ea typeface="DejaVu Sans"/>
+              </a:rPr>
+              <a:t>devoluciones</a:t>
+            </a:r>
+            <a:endParaRPr lang="es-ES" spc="-1" dirty="0">
+              <a:solidFill>
+                <a:srgbClr val="FFFFFF"/>
+              </a:solidFill>
+              <a:latin typeface="Alfabet Medium"/>
+              <a:ea typeface="DejaVu Sans"/>
+            </a:endParaRPr>
+          </a:p>
+          <a:p>
+            <a:pPr marL="342900" indent="-342900">
+              <a:spcBef>
+                <a:spcPts val="600"/>
+              </a:spcBef>
+              <a:buFont typeface="Arial" panose="020B0604020202020204" pitchFamily="34" charset="0"/>
+              <a:buChar char="•"/>
+            </a:pPr>
+            <a:endParaRPr lang="es-ES" sz="2000" b="1" spc="-1" dirty="0" smtClean="0">
+              <a:solidFill>
+                <a:srgbClr val="FFFFFF"/>
+              </a:solidFill>
+              <a:latin typeface="Alfabet Medium"/>
+              <a:ea typeface="DejaVu Sans"/>
+            </a:endParaRPr>
+          </a:p>
+          <a:p>
+            <a:pPr marL="342900" indent="-342900">
+              <a:spcBef>
+                <a:spcPts val="600"/>
+              </a:spcBef>
+              <a:buFont typeface="Arial" panose="020B0604020202020204" pitchFamily="34" charset="0"/>
+              <a:buChar char="•"/>
+            </a:pPr>
+            <a:r>
+              <a:rPr lang="es-ES" sz="2000" b="1" spc="-1" dirty="0" smtClean="0">
+                <a:solidFill>
+                  <a:srgbClr val="FFFFFF"/>
+                </a:solidFill>
+                <a:latin typeface="Alfabet Medium"/>
+                <a:ea typeface="DejaVu Sans"/>
+              </a:rPr>
+              <a:t>Relación</a:t>
+            </a:r>
+            <a:r>
+              <a:rPr lang="es-ES" sz="2000" spc="-1" dirty="0" smtClean="0">
+                <a:solidFill>
+                  <a:srgbClr val="FFFFFF"/>
+                </a:solidFill>
+                <a:latin typeface="Alfabet Medium"/>
+                <a:ea typeface="DejaVu Sans"/>
+              </a:rPr>
+              <a:t>: </a:t>
+            </a:r>
+          </a:p>
+          <a:p>
+            <a:pPr lvl="1"/>
+            <a:r>
+              <a:rPr lang="es-AR" spc="-1" dirty="0">
+                <a:solidFill>
+                  <a:srgbClr val="FFFFFF"/>
+                </a:solidFill>
+                <a:latin typeface="Alfabet Medium"/>
+                <a:ea typeface="DejaVu Sans"/>
+              </a:rPr>
+              <a:t>Cada registro de Cabecera se utilizará para vincular los registros de </a:t>
+            </a:r>
+            <a:r>
+              <a:rPr lang="es-AR" spc="-1" dirty="0" smtClean="0">
+                <a:solidFill>
+                  <a:srgbClr val="FFFFFF"/>
+                </a:solidFill>
+                <a:latin typeface="Alfabet Medium"/>
+                <a:ea typeface="DejaVu Sans"/>
+              </a:rPr>
+              <a:t>liquidaciones de mecanizadas</a:t>
+            </a:r>
+            <a:r>
+              <a:rPr lang="es-AR" spc="-1" dirty="0">
+                <a:solidFill>
+                  <a:srgbClr val="FFFFFF"/>
+                </a:solidFill>
+                <a:latin typeface="Alfabet Medium"/>
+                <a:ea typeface="DejaVu Sans"/>
+              </a:rPr>
+              <a:t>, bajas e </a:t>
+            </a:r>
+            <a:r>
+              <a:rPr lang="es-AR" spc="-1" dirty="0" smtClean="0">
+                <a:solidFill>
+                  <a:srgbClr val="FFFFFF"/>
+                </a:solidFill>
+                <a:latin typeface="Alfabet Medium"/>
+                <a:ea typeface="DejaVu Sans"/>
+              </a:rPr>
+              <a:t>inasistencias</a:t>
+            </a:r>
+            <a:endParaRPr lang="es-ES" spc="-1" dirty="0">
+              <a:solidFill>
+                <a:srgbClr val="FFFFFF"/>
+              </a:solidFill>
+              <a:latin typeface="Alfabet Medium"/>
+              <a:ea typeface="DejaVu Sans"/>
+            </a:endParaRPr>
+          </a:p>
         </p:txBody>
       </p:sp>
     </p:spTree>
     <p:extLst>
       <p:ext uri="{BB962C8B-B14F-4D97-AF65-F5344CB8AC3E}">
-        <p14:creationId xmlns:p14="http://schemas.microsoft.com/office/powerpoint/2010/main" val="2052876576"/>
+        <p14:creationId xmlns:p14="http://schemas.microsoft.com/office/powerpoint/2010/main" val="1526499931"/>
       </p:ext>
     </p:extLst>
   </p:cSld>
@@ -17199,14 +18328,14 @@
       </p:pic>
       <p:sp>
         <p:nvSpPr>
-          <p:cNvPr id="8" name="CuadroTexto 2"/>
+          <p:cNvPr id="23" name="CuadroTexto 2"/>
           <p:cNvSpPr/>
           <p:nvPr/>
         </p:nvSpPr>
         <p:spPr>
           <a:xfrm>
-            <a:off x="540000" y="1641282"/>
-            <a:ext cx="8208464" cy="3476421"/>
+            <a:off x="558546" y="1124744"/>
+            <a:ext cx="8208464" cy="398655"/>
           </a:xfrm>
           <a:prstGeom prst="rect">
             <a:avLst/>
@@ -17240,26 +18369,6 @@
               </a:lnSpc>
             </a:pPr>
             <a:r>
-              <a:rPr lang="es-ES" sz="2000" b="0" u="sng" strike="noStrike" spc="-1" dirty="0" smtClean="0">
-                <a:solidFill>
-                  <a:srgbClr val="FFFFFF"/>
-                </a:solidFill>
-                <a:latin typeface="Alfabet Medium"/>
-                <a:ea typeface="DejaVu Sans"/>
-              </a:rPr>
-              <a:t>Módulo </a:t>
-            </a:r>
-            <a:r>
-              <a:rPr lang="es-ES" sz="2000" b="0" u="sng" strike="noStrike" spc="-1" dirty="0" smtClean="0">
-                <a:solidFill>
-                  <a:srgbClr val="FFFFFF"/>
-                </a:solidFill>
-                <a:latin typeface="Alfabet Medium"/>
-                <a:ea typeface="DejaVu Sans"/>
-              </a:rPr>
-              <a:t>Procesamiento de Archivos</a:t>
-            </a:r>
-            <a:r>
               <a:rPr lang="es-ES" sz="2000" b="0" strike="noStrike" spc="-1" dirty="0" smtClean="0">
                 <a:solidFill>
                   <a:srgbClr val="FFFFFF"/>
@@ -17267,174 +18376,39 @@
                 <a:latin typeface="Alfabet Medium"/>
                 <a:ea typeface="DejaVu Sans"/>
               </a:rPr>
-              <a:t>:</a:t>
+              <a:t>Módulo Gestión de Cabeceras</a:t>
             </a:r>
-          </a:p>
-          <a:p>
-            <a:pPr>
-              <a:lnSpc>
-                <a:spcPct val="100000"/>
-              </a:lnSpc>
-            </a:pPr>
-            <a:endParaRPr lang="es-ES" sz="2000" b="0" strike="noStrike" spc="-1" dirty="0" smtClean="0">
-              <a:solidFill>
-                <a:srgbClr val="FFFFFF"/>
-              </a:solidFill>
-              <a:latin typeface="Alfabet Medium"/>
-              <a:ea typeface="DejaVu Sans"/>
-            </a:endParaRPr>
-          </a:p>
-          <a:p>
-            <a:pPr marL="342900" lvl="0" indent="-342900">
-              <a:buFont typeface="Arial" panose="020B0604020202020204" pitchFamily="34" charset="0"/>
-              <a:buChar char="•"/>
-            </a:pPr>
-            <a:r>
-              <a:rPr lang="es-ES" sz="2000" spc="-1" dirty="0">
-                <a:solidFill>
-                  <a:srgbClr val="FFFFFF"/>
-                </a:solidFill>
-                <a:latin typeface="Alfabet Medium"/>
-                <a:ea typeface="DejaVu Sans"/>
-              </a:rPr>
-              <a:t>Interfaz de Carga: Desarrollar una interfaz de usuario intuitiva para la carga de archivos de texto plano. </a:t>
-            </a:r>
-            <a:r>
-              <a:rPr lang="es-ES" sz="2000" spc="-1" dirty="0">
-                <a:solidFill>
-                  <a:srgbClr val="FFFFFF"/>
-                </a:solidFill>
-                <a:latin typeface="Alfabet Medium"/>
-                <a:ea typeface="DejaVu Sans"/>
-              </a:rPr>
-              <a:t>Esta interfaz </a:t>
-            </a:r>
-            <a:r>
-              <a:rPr lang="es-ES" sz="2000" spc="-1" dirty="0" smtClean="0">
-                <a:solidFill>
-                  <a:srgbClr val="FFFFFF"/>
-                </a:solidFill>
-                <a:latin typeface="Alfabet Medium"/>
-                <a:ea typeface="DejaVu Sans"/>
-              </a:rPr>
-              <a:t>permitirá:</a:t>
-            </a:r>
-            <a:endParaRPr lang="es-AR" sz="2000" spc="-1" dirty="0">
-              <a:solidFill>
-                <a:srgbClr val="FFFFFF"/>
-              </a:solidFill>
-              <a:latin typeface="Alfabet Medium"/>
-              <a:ea typeface="DejaVu Sans"/>
-            </a:endParaRPr>
-          </a:p>
-          <a:p>
-            <a:pPr marL="342900" lvl="0" indent="-342900">
-              <a:buFont typeface="Arial" panose="020B0604020202020204" pitchFamily="34" charset="0"/>
-              <a:buChar char="•"/>
-            </a:pPr>
-            <a:endParaRPr lang="es-AR" sz="2000" spc="-1" dirty="0">
-              <a:solidFill>
-                <a:srgbClr val="FFFFFF"/>
-              </a:solidFill>
-              <a:latin typeface="Alfabet Medium"/>
-              <a:ea typeface="DejaVu Sans"/>
-            </a:endParaRPr>
-          </a:p>
-          <a:p>
-            <a:pPr marL="800100" lvl="1" indent="-342900">
-              <a:buFont typeface="Courier New" panose="02070309020205020404" pitchFamily="49" charset="0"/>
-              <a:buChar char="o"/>
-            </a:pPr>
-            <a:r>
-              <a:rPr lang="es-ES" sz="2000" spc="-1" dirty="0" smtClean="0">
-                <a:solidFill>
-                  <a:srgbClr val="FFFFFF"/>
-                </a:solidFill>
-                <a:latin typeface="Alfabet Medium"/>
-                <a:ea typeface="DejaVu Sans"/>
-              </a:rPr>
-              <a:t>Seleccionar </a:t>
-            </a:r>
-            <a:r>
-              <a:rPr lang="es-ES" sz="2000" spc="-1" dirty="0">
-                <a:solidFill>
-                  <a:srgbClr val="FFFFFF"/>
-                </a:solidFill>
-                <a:latin typeface="Alfabet Medium"/>
-                <a:ea typeface="DejaVu Sans"/>
-              </a:rPr>
-              <a:t>y cargar los archivos enviados por la Dirección General de Escuelas de </a:t>
-            </a:r>
-            <a:r>
-              <a:rPr lang="es-ES" sz="2000" spc="-1" dirty="0" smtClean="0">
-                <a:solidFill>
-                  <a:srgbClr val="FFFFFF"/>
-                </a:solidFill>
-                <a:latin typeface="Alfabet Medium"/>
-                <a:ea typeface="DejaVu Sans"/>
-              </a:rPr>
-              <a:t>Provincia</a:t>
-            </a:r>
-            <a:endParaRPr lang="es-AR" sz="2000" spc="-1" dirty="0">
-              <a:solidFill>
-                <a:srgbClr val="FFFFFF"/>
-              </a:solidFill>
-              <a:latin typeface="Alfabet Medium"/>
-              <a:ea typeface="DejaVu Sans"/>
-            </a:endParaRPr>
-          </a:p>
-          <a:p>
-            <a:pPr marL="800100" lvl="1" indent="-342900">
-              <a:buFont typeface="Courier New" panose="02070309020205020404" pitchFamily="49" charset="0"/>
-              <a:buChar char="o"/>
-            </a:pPr>
-            <a:endParaRPr lang="es-ES" sz="2000" spc="-1" dirty="0" smtClean="0">
-              <a:solidFill>
-                <a:srgbClr val="FFFFFF"/>
-              </a:solidFill>
-              <a:latin typeface="Alfabet Medium"/>
-              <a:ea typeface="DejaVu Sans"/>
-            </a:endParaRPr>
-          </a:p>
-          <a:p>
-            <a:pPr marL="800100" lvl="1" indent="-342900">
-              <a:buFont typeface="Courier New" panose="02070309020205020404" pitchFamily="49" charset="0"/>
-              <a:buChar char="o"/>
-            </a:pPr>
-            <a:r>
-              <a:rPr lang="es-ES" sz="2000" spc="-1" dirty="0" smtClean="0">
-                <a:solidFill>
-                  <a:srgbClr val="FFFFFF"/>
-                </a:solidFill>
-                <a:latin typeface="Alfabet Medium"/>
-                <a:ea typeface="DejaVu Sans"/>
-              </a:rPr>
-              <a:t>Validar </a:t>
-            </a:r>
-            <a:r>
-              <a:rPr lang="es-ES" sz="2000" spc="-1" dirty="0">
-                <a:solidFill>
-                  <a:srgbClr val="FFFFFF"/>
-                </a:solidFill>
-                <a:latin typeface="Alfabet Medium"/>
-                <a:ea typeface="DejaVu Sans"/>
-              </a:rPr>
-              <a:t>el formato y la estructura del archivo antes de procesarlo</a:t>
-            </a:r>
-            <a:endParaRPr lang="es-AR" sz="2000" spc="-1" dirty="0">
-              <a:solidFill>
-                <a:srgbClr val="FFFFFF"/>
-              </a:solidFill>
-              <a:latin typeface="Alfabet Medium"/>
-              <a:ea typeface="DejaVu Sans"/>
-            </a:endParaRPr>
           </a:p>
         </p:txBody>
       </p:sp>
+      <p:pic>
+        <p:nvPicPr>
+          <p:cNvPr id="2" name="Imagen 1"/>
+          <p:cNvPicPr>
+            <a:picLocks noChangeAspect="1"/>
+          </p:cNvPicPr>
+          <p:nvPr/>
+        </p:nvPicPr>
+        <p:blipFill>
+          <a:blip r:embed="rId5"/>
+          <a:stretch>
+            <a:fillRect/>
+          </a:stretch>
+        </p:blipFill>
+        <p:spPr>
+          <a:xfrm>
+            <a:off x="0" y="2150390"/>
+            <a:ext cx="9144000" cy="2557220"/>
+          </a:xfrm>
+          <a:prstGeom prst="rect">
+            <a:avLst/>
+          </a:prstGeom>
+        </p:spPr>
+      </p:pic>
     </p:spTree>
     <p:extLst>
       <p:ext uri="{BB962C8B-B14F-4D97-AF65-F5344CB8AC3E}">
-        <p14:creationId xmlns:p14="http://schemas.microsoft.com/office/powerpoint/2010/main" val="2628021748"/>
+        <p14:creationId xmlns:p14="http://schemas.microsoft.com/office/powerpoint/2010/main" val="2052876576"/>
       </p:ext>
     </p:extLst>
   </p:cSld>
@@ -17606,14 +18580,14 @@
       </p:pic>
       <p:sp>
         <p:nvSpPr>
-          <p:cNvPr id="23" name="CuadroTexto 2"/>
+          <p:cNvPr id="8" name="CuadroTexto 2"/>
           <p:cNvSpPr/>
           <p:nvPr/>
         </p:nvSpPr>
         <p:spPr>
           <a:xfrm>
-            <a:off x="558546" y="1124744"/>
-            <a:ext cx="8208464" cy="398655"/>
+            <a:off x="540000" y="1641282"/>
+            <a:ext cx="8208464" cy="3476421"/>
           </a:xfrm>
           <a:prstGeom prst="rect">
             <a:avLst/>
@@ -17647,7 +18621,7 @@
               </a:lnSpc>
             </a:pPr>
             <a:r>
-              <a:rPr lang="es-ES" sz="2000" b="0" strike="noStrike" spc="-1" dirty="0" smtClean="0">
+              <a:rPr lang="es-ES" sz="2000" b="0" u="sng" strike="noStrike" spc="-1" dirty="0" smtClean="0">
                 <a:solidFill>
                   <a:srgbClr val="FFFFFF"/>
                 </a:solidFill>
@@ -17656,6 +18630,23 @@
               </a:rPr>
               <a:t>Módulo Procesamiento de Archivos</a:t>
             </a:r>
+            <a:r>
+              <a:rPr lang="es-ES" sz="2000" b="0" strike="noStrike" spc="-1" dirty="0" smtClean="0">
+                <a:solidFill>
+                  <a:srgbClr val="FFFFFF"/>
+                </a:solidFill>
+                <a:latin typeface="Alfabet Medium"/>
+                <a:ea typeface="DejaVu Sans"/>
+              </a:rPr>
+              <a:t>:</a:t>
+            </a:r>
+          </a:p>
+          <a:p>
+            <a:pPr>
+              <a:lnSpc>
+                <a:spcPct val="100000"/>
+              </a:lnSpc>
+            </a:pPr>
             <a:endParaRPr lang="es-ES" sz="2000" b="0" strike="noStrike" spc="-1" dirty="0" smtClean="0">
               <a:solidFill>
                 <a:srgbClr val="FFFFFF"/>
@@ -17664,12 +18655,147 @@
               <a:ea typeface="DejaVu Sans"/>
             </a:endParaRPr>
           </a:p>
+          <a:p>
+            <a:pPr marL="342900" lvl="0" indent="-342900">
+              <a:buFont typeface="Arial" panose="020B0604020202020204" pitchFamily="34" charset="0"/>
+              <a:buChar char="•"/>
+            </a:pPr>
+            <a:r>
+              <a:rPr lang="es-ES" sz="2000" spc="-1" dirty="0">
+                <a:solidFill>
+                  <a:srgbClr val="FFFFFF"/>
+                </a:solidFill>
+                <a:latin typeface="Alfabet Medium"/>
+                <a:ea typeface="DejaVu Sans"/>
+              </a:rPr>
+              <a:t>Interfaz de Carga: Desarrollar una interfaz de usuario intuitiva para la carga de archivos de texto plano. Esta interfaz </a:t>
+            </a:r>
+            <a:r>
+              <a:rPr lang="es-ES" sz="2000" spc="-1" dirty="0" smtClean="0">
+                <a:solidFill>
+                  <a:srgbClr val="FFFFFF"/>
+                </a:solidFill>
+                <a:latin typeface="Alfabet Medium"/>
+                <a:ea typeface="DejaVu Sans"/>
+              </a:rPr>
+              <a:t>permitirá:</a:t>
+            </a:r>
+            <a:endParaRPr lang="es-AR" sz="2000" spc="-1" dirty="0">
+              <a:solidFill>
+                <a:srgbClr val="FFFFFF"/>
+              </a:solidFill>
+              <a:latin typeface="Alfabet Medium"/>
+              <a:ea typeface="DejaVu Sans"/>
+            </a:endParaRPr>
+          </a:p>
+          <a:p>
+            <a:pPr marL="342900" lvl="0" indent="-342900">
+              <a:buFont typeface="Arial" panose="020B0604020202020204" pitchFamily="34" charset="0"/>
+              <a:buChar char="•"/>
+            </a:pPr>
+            <a:endParaRPr lang="es-AR" sz="2000" spc="-1" dirty="0">
+              <a:solidFill>
+                <a:srgbClr val="FFFFFF"/>
+              </a:solidFill>
+              <a:latin typeface="Alfabet Medium"/>
+              <a:ea typeface="DejaVu Sans"/>
+            </a:endParaRPr>
+          </a:p>
+          <a:p>
+            <a:pPr marL="800100" lvl="1" indent="-342900">
+              <a:buFont typeface="Courier New" panose="02070309020205020404" pitchFamily="49" charset="0"/>
+              <a:buChar char="o"/>
+            </a:pPr>
+            <a:r>
+              <a:rPr lang="es-ES" sz="2000" spc="-1" dirty="0" smtClean="0">
+                <a:solidFill>
+                  <a:srgbClr val="FFFFFF"/>
+                </a:solidFill>
+                <a:latin typeface="Alfabet Medium"/>
+                <a:ea typeface="DejaVu Sans"/>
+              </a:rPr>
+              <a:t>Seleccionar </a:t>
+            </a:r>
+            <a:r>
+              <a:rPr lang="es-ES" sz="2000" spc="-1" dirty="0">
+                <a:solidFill>
+                  <a:srgbClr val="FFFFFF"/>
+                </a:solidFill>
+                <a:latin typeface="Alfabet Medium"/>
+                <a:ea typeface="DejaVu Sans"/>
+              </a:rPr>
+              <a:t>y cargar los archivos enviados por la Dirección General de Escuelas de </a:t>
+            </a:r>
+            <a:r>
+              <a:rPr lang="es-ES" sz="2000" spc="-1" dirty="0" smtClean="0">
+                <a:solidFill>
+                  <a:srgbClr val="FFFFFF"/>
+                </a:solidFill>
+                <a:latin typeface="Alfabet Medium"/>
+                <a:ea typeface="DejaVu Sans"/>
+              </a:rPr>
+              <a:t>Provincia</a:t>
+            </a:r>
+            <a:endParaRPr lang="es-AR" sz="2000" spc="-1" dirty="0">
+              <a:solidFill>
+                <a:srgbClr val="FFFFFF"/>
+              </a:solidFill>
+              <a:latin typeface="Alfabet Medium"/>
+              <a:ea typeface="DejaVu Sans"/>
+            </a:endParaRPr>
+          </a:p>
+          <a:p>
+            <a:pPr marL="800100" lvl="1" indent="-342900">
+              <a:buFont typeface="Courier New" panose="02070309020205020404" pitchFamily="49" charset="0"/>
+              <a:buChar char="o"/>
+            </a:pPr>
+            <a:endParaRPr lang="es-ES" sz="2000" spc="-1" dirty="0" smtClean="0">
+              <a:solidFill>
+                <a:srgbClr val="FFFFFF"/>
+              </a:solidFill>
+              <a:latin typeface="Alfabet Medium"/>
+              <a:ea typeface="DejaVu Sans"/>
+            </a:endParaRPr>
+          </a:p>
+          <a:p>
+            <a:pPr marL="800100" lvl="1" indent="-342900">
+              <a:buFont typeface="Courier New" panose="02070309020205020404" pitchFamily="49" charset="0"/>
+              <a:buChar char="o"/>
+            </a:pPr>
+            <a:r>
+              <a:rPr lang="es-ES" sz="2000" spc="-1" dirty="0" smtClean="0">
+                <a:solidFill>
+                  <a:srgbClr val="FFFFFF"/>
+                </a:solidFill>
+                <a:latin typeface="Alfabet Medium"/>
+                <a:ea typeface="DejaVu Sans"/>
+              </a:rPr>
+              <a:t>Validar </a:t>
+            </a:r>
+            <a:r>
+              <a:rPr lang="es-ES" sz="2000" spc="-1" dirty="0">
+                <a:solidFill>
+                  <a:srgbClr val="FFFFFF"/>
+                </a:solidFill>
+                <a:latin typeface="Alfabet Medium"/>
+                <a:ea typeface="DejaVu Sans"/>
+              </a:rPr>
+              <a:t>el formato y la estructura del archivo antes de procesarlo</a:t>
+            </a:r>
+            <a:endParaRPr lang="es-AR" sz="2000" spc="-1" dirty="0">
+              <a:solidFill>
+                <a:srgbClr val="FFFFFF"/>
+              </a:solidFill>
+              <a:latin typeface="Alfabet Medium"/>
+              <a:ea typeface="DejaVu Sans"/>
+            </a:endParaRPr>
+          </a:p>
         </p:txBody>
       </p:sp>
     </p:spTree>
     <p:extLst>
       <p:ext uri="{BB962C8B-B14F-4D97-AF65-F5344CB8AC3E}">
-        <p14:creationId xmlns:p14="http://schemas.microsoft.com/office/powerpoint/2010/main" val="3397504201"/>
+        <p14:creationId xmlns:p14="http://schemas.microsoft.com/office/powerpoint/2010/main" val="2628021748"/>
       </p:ext>
     </p:extLst>
   </p:cSld>
@@ -17807,17 +18933,7 @@
                   <a:latin typeface="Alfabet ExtraBold"/>
                   <a:ea typeface="Roboto Medium"/>
                 </a:rPr>
-                <a:t>Hito 1 - </a:t>
-              </a:r>
-              <a:r>
-                <a:rPr lang="es-MX" sz="2800" spc="-1" dirty="0" smtClean="0">
-                  <a:solidFill>
-                    <a:srgbClr val="FFFFFF"/>
-                  </a:solidFill>
-                  <a:latin typeface="Alfabet ExtraBold"/>
-                  <a:ea typeface="Roboto Medium"/>
-                </a:rPr>
-                <a:t>Flujograma</a:t>
+                <a:t>Hito 1 - Entregables</a:t>
               </a:r>
               <a:endParaRPr lang="es-AR" sz="2800" b="0" strike="noStrike" spc="-1" dirty="0">
                 <a:latin typeface="Arial"/>
@@ -17849,10 +18965,120 @@
           </a:ln>
         </p:spPr>
       </p:pic>
+      <p:sp>
+        <p:nvSpPr>
+          <p:cNvPr id="23" name="CuadroTexto 2"/>
+          <p:cNvSpPr/>
+          <p:nvPr/>
+        </p:nvSpPr>
+        <p:spPr>
+          <a:xfrm>
+            <a:off x="558546" y="1124744"/>
+            <a:ext cx="8208464" cy="398655"/>
+          </a:xfrm>
+          <a:prstGeom prst="rect">
+            <a:avLst/>
+          </a:prstGeom>
+          <a:noFill/>
+          <a:ln w="0">
+            <a:noFill/>
+          </a:ln>
+        </p:spPr>
+        <p:style>
+          <a:lnRef idx="0">
+            <a:scrgbClr r="0" g="0" b="0"/>
+          </a:lnRef>
+          <a:fillRef idx="0">
+            <a:scrgbClr r="0" g="0" b="0"/>
+          </a:fillRef>
+          <a:effectRef idx="0">
+            <a:scrgbClr r="0" g="0" b="0"/>
+          </a:effectRef>
+          <a:fontRef idx="minor"/>
+        </p:style>
+        <p:txBody>
+          <a:bodyPr wrap="square" lIns="90000" tIns="45000" rIns="90000" bIns="45000" anchor="t">
+            <a:spAutoFit/>
+          </a:bodyPr>
+          <a:lstStyle/>
+          <a:p>
+            <a:pPr>
+              <a:lnSpc>
+                <a:spcPct val="100000"/>
+              </a:lnSpc>
+            </a:pPr>
+            <a:r>
+              <a:rPr lang="es-ES" sz="2000" b="0" strike="noStrike" spc="-1" dirty="0" smtClean="0">
+                <a:solidFill>
+                  <a:srgbClr val="FFFFFF"/>
+                </a:solidFill>
+                <a:latin typeface="Alfabet Medium"/>
+                <a:ea typeface="DejaVu Sans"/>
+              </a:rPr>
+              <a:t>1 - Importación de Archivo Plano</a:t>
+            </a:r>
+            <a:endParaRPr lang="es-ES" sz="2000" b="0" strike="noStrike" spc="-1" dirty="0" smtClean="0">
+              <a:solidFill>
+                <a:srgbClr val="FFFFFF"/>
+              </a:solidFill>
+              <a:latin typeface="Alfabet Medium"/>
+              <a:ea typeface="DejaVu Sans"/>
+            </a:endParaRPr>
+          </a:p>
+        </p:txBody>
+      </p:sp>
+      <p:pic>
+        <p:nvPicPr>
+          <p:cNvPr id="3" name="Imagen 2"/>
+          <p:cNvPicPr>
+            <a:picLocks noChangeAspect="1"/>
+          </p:cNvPicPr>
+          <p:nvPr/>
+        </p:nvPicPr>
+        <p:blipFill>
+          <a:blip r:embed="rId5"/>
+          <a:stretch>
+            <a:fillRect/>
+          </a:stretch>
+        </p:blipFill>
+        <p:spPr>
+          <a:xfrm>
+            <a:off x="1619672" y="2348880"/>
+            <a:ext cx="7360174" cy="3383829"/>
+          </a:xfrm>
+          <a:prstGeom prst="rect">
+            <a:avLst/>
+          </a:prstGeom>
+        </p:spPr>
+      </p:pic>
+      <p:pic>
+        <p:nvPicPr>
+          <p:cNvPr id="4" name="Imagen 3"/>
+          <p:cNvPicPr>
+            <a:picLocks noChangeAspect="1"/>
+          </p:cNvPicPr>
+          <p:nvPr/>
+        </p:nvPicPr>
+        <p:blipFill>
+          <a:blip r:embed="rId6"/>
+          <a:stretch>
+            <a:fillRect/>
+          </a:stretch>
+        </p:blipFill>
+        <p:spPr>
+          <a:xfrm>
+            <a:off x="107504" y="1822592"/>
+            <a:ext cx="6840760" cy="3060454"/>
+          </a:xfrm>
+          <a:prstGeom prst="rect">
+            <a:avLst/>
+          </a:prstGeom>
+        </p:spPr>
+      </p:pic>
     </p:spTree>
     <p:extLst>
       <p:ext uri="{BB962C8B-B14F-4D97-AF65-F5344CB8AC3E}">
-        <p14:creationId xmlns:p14="http://schemas.microsoft.com/office/powerpoint/2010/main" val="1942458488"/>
+        <p14:creationId xmlns:p14="http://schemas.microsoft.com/office/powerpoint/2010/main" val="3397504201"/>
       </p:ext>
     </p:extLst>
   </p:cSld>
@@ -17923,7 +19149,7 @@
             <p:nvPr/>
           </p:nvPicPr>
           <p:blipFill>
-            <a:blip r:embed="rId3" cstate="print"/>
+            <a:blip r:embed="rId4" cstate="print"/>
             <a:srcRect l="5396" t="37233" r="86991" b="50737"/>
             <a:stretch/>
           </p:blipFill>
@@ -17990,17 +19216,7 @@
                   <a:latin typeface="Alfabet ExtraBold"/>
                   <a:ea typeface="Roboto Medium"/>
                 </a:rPr>
-                <a:t>Hito 1 -</a:t>
-              </a:r>
-              <a:r>
-                <a:rPr lang="es-MX" sz="2800" spc="-1" dirty="0" smtClean="0">
-                  <a:solidFill>
-                    <a:srgbClr val="FFFFFF"/>
-                  </a:solidFill>
-                  <a:latin typeface="Alfabet ExtraBold"/>
-                  <a:ea typeface="Roboto Medium"/>
-                </a:rPr>
-                <a:t> Beneficios Inmediatos</a:t>
+                <a:t>Hito 1 - Entregables</a:t>
               </a:r>
               <a:endParaRPr lang="es-AR" sz="2800" b="0" strike="noStrike" spc="-1" dirty="0">
                 <a:latin typeface="Arial"/>
@@ -18016,7 +19232,7 @@
           <p:nvPr/>
         </p:nvPicPr>
         <p:blipFill>
-          <a:blip r:embed="rId4" cstate="print"/>
+          <a:blip r:embed="rId5" cstate="print"/>
           <a:stretch/>
         </p:blipFill>
         <p:spPr>
@@ -18034,14 +19250,14 @@
       </p:pic>
       <p:sp>
         <p:nvSpPr>
-          <p:cNvPr id="8" name="CuadroTexto 2"/>
+          <p:cNvPr id="23" name="CuadroTexto 2"/>
           <p:cNvSpPr/>
           <p:nvPr/>
         </p:nvSpPr>
         <p:spPr>
           <a:xfrm>
-            <a:off x="540000" y="1641282"/>
-            <a:ext cx="8208464" cy="3476421"/>
+            <a:off x="558546" y="1124744"/>
+            <a:ext cx="8208464" cy="398655"/>
           </a:xfrm>
           <a:prstGeom prst="rect">
             <a:avLst/>
@@ -18069,10 +19285,88 @@
           </a:bodyPr>
           <a:lstStyle/>
           <a:p>
-            <a:pPr marL="342900" lvl="0" indent="-342900">
-              <a:buFont typeface="Arial" panose="020B0604020202020204" pitchFamily="34" charset="0"/>
-              <a:buChar char="•"/>
+            <a:pPr>
+              <a:lnSpc>
+                <a:spcPct val="100000"/>
+              </a:lnSpc>
             </a:pPr>
+            <a:r>
+              <a:rPr lang="es-ES" sz="2000" spc="-1" dirty="0">
+                <a:solidFill>
+                  <a:srgbClr val="FFFFFF"/>
+                </a:solidFill>
+                <a:latin typeface="Alfabet Medium"/>
+                <a:ea typeface="DejaVu Sans"/>
+              </a:rPr>
+              <a:t>2</a:t>
+            </a:r>
+            <a:r>
+              <a:rPr lang="es-ES" sz="2000" b="0" strike="noStrike" spc="-1" dirty="0" smtClean="0">
+                <a:solidFill>
+                  <a:srgbClr val="FFFFFF"/>
+                </a:solidFill>
+                <a:latin typeface="Alfabet Medium"/>
+                <a:ea typeface="DejaVu Sans"/>
+              </a:rPr>
+              <a:t> - Reversión de Importación</a:t>
+            </a:r>
+            <a:endParaRPr lang="es-ES" sz="2000" b="0" strike="noStrike" spc="-1" dirty="0" smtClean="0">
+              <a:solidFill>
+                <a:srgbClr val="FFFFFF"/>
+              </a:solidFill>
+              <a:latin typeface="Alfabet Medium"/>
+              <a:ea typeface="DejaVu Sans"/>
+            </a:endParaRPr>
+          </a:p>
+        </p:txBody>
+      </p:sp>
+      <p:sp>
+        <p:nvSpPr>
+          <p:cNvPr id="7" name="CuadroTexto 2"/>
+          <p:cNvSpPr/>
+          <p:nvPr/>
+        </p:nvSpPr>
+        <p:spPr>
+          <a:xfrm>
+            <a:off x="558546" y="1715226"/>
+            <a:ext cx="8045454" cy="3938086"/>
+          </a:xfrm>
+          <a:prstGeom prst="rect">
+            <a:avLst/>
+          </a:prstGeom>
+          <a:noFill/>
+          <a:ln w="0">
+            <a:noFill/>
+          </a:ln>
+        </p:spPr>
+        <p:style>
+          <a:lnRef idx="0">
+            <a:scrgbClr r="0" g="0" b="0"/>
+          </a:lnRef>
+          <a:fillRef idx="0">
+            <a:scrgbClr r="0" g="0" b="0"/>
+          </a:fillRef>
+          <a:effectRef idx="0">
+            <a:scrgbClr r="0" g="0" b="0"/>
+          </a:effectRef>
+          <a:fontRef idx="minor"/>
+        </p:style>
+        <p:txBody>
+          <a:bodyPr wrap="square" lIns="90000" tIns="45000" rIns="90000" bIns="45000" anchor="t">
+            <a:spAutoFit/>
+          </a:bodyPr>
+          <a:lstStyle/>
+          <a:p>
+            <a:r>
+              <a:rPr lang="es-ES" sz="2000" spc="-1" dirty="0">
+                <a:solidFill>
+                  <a:srgbClr val="FFFFFF"/>
+                </a:solidFill>
+                <a:latin typeface="Alfabet Medium"/>
+                <a:ea typeface="DejaVu Sans"/>
+              </a:rPr>
+              <a:t>Si ocurriera algún error durante la importación, que no permitiera finalizar la importación de todos los registros (por ejemplo corte de luz, corte de red, etc.) se desarrollará un proceso que permitirá revertir o borrar todos los registros importados hasta el momento del </a:t>
+            </a:r>
             <a:r>
               <a:rPr lang="es-ES" sz="2000" spc="-1" dirty="0" smtClean="0">
                 <a:solidFill>
@@ -18081,14 +19375,10 @@
                 <a:latin typeface="Alfabet Medium"/>
                 <a:ea typeface="DejaVu Sans"/>
               </a:rPr>
-              <a:t>Seguridad: control riguroso de acceso y auditoría de actividades</a:t>
+              <a:t>incidente:</a:t>
             </a:r>
           </a:p>
           <a:p>
-            <a:pPr marL="342900" lvl="0" indent="-342900">
-              <a:buFont typeface="Arial" panose="020B0604020202020204" pitchFamily="34" charset="0"/>
-              <a:buChar char="•"/>
-            </a:pPr>
             <a:endParaRPr lang="es-ES" sz="2000" spc="-1" dirty="0" smtClean="0">
               <a:solidFill>
                 <a:srgbClr val="FFFFFF"/>
@@ -18099,25 +19389,71 @@
           </a:p>
           <a:p>
             <a:pPr marL="342900" lvl="0" indent="-342900">
-              <a:buFont typeface="Arial" panose="020B0604020202020204" pitchFamily="34" charset="0"/>
-              <a:buChar char="•"/>
+              <a:buFont typeface="Courier New" panose="02070309020205020404" pitchFamily="49" charset="0"/>
+              <a:buChar char="o"/>
             </a:pPr>
             <a:r>
-              <a:rPr lang="es-ES" sz="2000" spc="-1" dirty="0" smtClean="0">
+              <a:rPr lang="es-ES" spc="-1" dirty="0">
                 <a:solidFill>
                   <a:srgbClr val="FFFFFF"/>
                 </a:solidFill>
                 <a:latin typeface="Alfabet Medium"/>
                 <a:ea typeface="DejaVu Sans"/>
               </a:rPr>
-              <a:t>Estandarización de datos: gestión centralizada de las paramétricas que alimentan todo el sistema</a:t>
+              <a:t>se borrarán todos los registros </a:t>
             </a:r>
+            <a:r>
+              <a:rPr lang="es-ES" spc="-1" dirty="0" smtClean="0">
+                <a:solidFill>
+                  <a:srgbClr val="FFFFFF"/>
+                </a:solidFill>
+                <a:latin typeface="Alfabet Medium"/>
+                <a:ea typeface="DejaVu Sans"/>
+              </a:rPr>
+              <a:t>importados en una cabecera específica que aún no hayan sido procesados</a:t>
+            </a:r>
+            <a:endParaRPr lang="es-AR" spc="-1" dirty="0">
+              <a:solidFill>
+                <a:srgbClr val="FFFFFF"/>
+              </a:solidFill>
+              <a:latin typeface="Alfabet Medium"/>
+              <a:ea typeface="DejaVu Sans"/>
+            </a:endParaRPr>
           </a:p>
           <a:p>
             <a:pPr marL="342900" lvl="0" indent="-342900">
-              <a:buFont typeface="Arial" panose="020B0604020202020204" pitchFamily="34" charset="0"/>
-              <a:buChar char="•"/>
+              <a:buFont typeface="Courier New" panose="02070309020205020404" pitchFamily="49" charset="0"/>
+              <a:buChar char="o"/>
             </a:pPr>
+            <a:r>
+              <a:rPr lang="es-ES" spc="-1" dirty="0">
+                <a:solidFill>
+                  <a:srgbClr val="FFFFFF"/>
+                </a:solidFill>
+                <a:latin typeface="Alfabet Medium"/>
+                <a:ea typeface="DejaVu Sans"/>
+              </a:rPr>
+              <a:t>se insertará un registro en </a:t>
+            </a:r>
+            <a:r>
+              <a:rPr lang="es-ES" spc="-1" dirty="0" smtClean="0">
+                <a:solidFill>
+                  <a:srgbClr val="FFFFFF"/>
+                </a:solidFill>
+                <a:latin typeface="Alfabet Medium"/>
+                <a:ea typeface="DejaVu Sans"/>
+              </a:rPr>
+              <a:t>un historial de estados para dicha Cabeceras, para poder tener una auditoría de todos los procesos que se llevaron a cabo en una liquidación determinada</a:t>
+            </a:r>
+            <a:endParaRPr lang="es-AR" spc="-1" dirty="0">
+              <a:solidFill>
+                <a:srgbClr val="FFFFFF"/>
+              </a:solidFill>
+              <a:latin typeface="Alfabet Medium"/>
+              <a:ea typeface="DejaVu Sans"/>
+            </a:endParaRPr>
+          </a:p>
+          <a:p>
             <a:endParaRPr lang="es-ES" sz="2000" spc="-1" dirty="0" smtClean="0">
               <a:solidFill>
                 <a:srgbClr val="FFFFFF"/>
@@ -18127,49 +19463,6 @@
             </a:endParaRPr>
           </a:p>
           <a:p>
-            <a:pPr marL="342900" lvl="0" indent="-342900">
-              <a:buFont typeface="Arial" panose="020B0604020202020204" pitchFamily="34" charset="0"/>
-              <a:buChar char="•"/>
-            </a:pPr>
-            <a:r>
-              <a:rPr lang="es-ES" sz="2000" spc="-1" dirty="0" smtClean="0">
-                <a:solidFill>
-                  <a:srgbClr val="FFFFFF"/>
-                </a:solidFill>
-                <a:latin typeface="Alfabet Medium"/>
-                <a:ea typeface="DejaVu Sans"/>
-              </a:rPr>
-              <a:t>Automatización: procesamiento automatizado de archivos mecanizados, reduciendo errores manuales</a:t>
-            </a:r>
-          </a:p>
-          <a:p>
-            <a:pPr marL="342900" lvl="0" indent="-342900">
-              <a:buFont typeface="Arial" panose="020B0604020202020204" pitchFamily="34" charset="0"/>
-              <a:buChar char="•"/>
-            </a:pPr>
-            <a:endParaRPr lang="es-ES" sz="2000" spc="-1" dirty="0" smtClean="0">
-              <a:solidFill>
-                <a:srgbClr val="FFFFFF"/>
-              </a:solidFill>
-              <a:latin typeface="Alfabet Medium"/>
-              <a:ea typeface="DejaVu Sans"/>
-            </a:endParaRPr>
-          </a:p>
-          <a:p>
-            <a:pPr marL="342900" lvl="0" indent="-342900">
-              <a:buFont typeface="Arial" panose="020B0604020202020204" pitchFamily="34" charset="0"/>
-              <a:buChar char="•"/>
-            </a:pPr>
-            <a:r>
-              <a:rPr lang="es-ES" sz="2000" spc="-1" dirty="0" smtClean="0">
-                <a:solidFill>
-                  <a:srgbClr val="FFFFFF"/>
-                </a:solidFill>
-                <a:latin typeface="Alfabet Medium"/>
-                <a:ea typeface="DejaVu Sans"/>
-              </a:rPr>
-              <a:t>Flexibilidad: facilidad para corregir errores en los archivos y reprocesarlos sin afectar los datos ya cargados</a:t>
-            </a:r>
             <a:endParaRPr lang="es-AR" sz="2000" spc="-1" dirty="0">
               <a:solidFill>
                 <a:srgbClr val="FFFFFF"/>
@@ -18183,12 +19476,12 @@
     </p:spTree>
     <p:extLst>
       <p:ext uri="{BB962C8B-B14F-4D97-AF65-F5344CB8AC3E}">
-        <p14:creationId xmlns:p14="http://schemas.microsoft.com/office/powerpoint/2010/main" val="209534811"/>
+        <p14:creationId xmlns:p14="http://schemas.microsoft.com/office/powerpoint/2010/main" val="2123014701"/>
       </p:ext>
     </p:extLst>
   </p:cSld>
   <p:clrMapOvr>
-    <a:masterClrMapping/>
+    <a:overrideClrMapping bg1="lt1" tx1="dk1" bg2="lt2" tx2="dk2" accent1="accent1" accent2="accent2" accent3="accent3" accent4="accent4" accent5="accent5" accent6="accent6" hlink="hlink" folHlink="folHlink"/>
   </p:clrMapOvr>
   <mc:AlternateContent xmlns:mc="http://schemas.openxmlformats.org/markup-compatibility/2006" xmlns:p14="http://schemas.microsoft.com/office/powerpoint/2010/main">
     <mc:Choice Requires="p14">
@@ -18254,7 +19547,7 @@
             <p:nvPr/>
           </p:nvPicPr>
           <p:blipFill>
-            <a:blip r:embed="rId3" cstate="print"/>
+            <a:blip r:embed="rId4" cstate="print"/>
             <a:srcRect l="5396" t="37233" r="86991" b="50737"/>
             <a:stretch/>
           </p:blipFill>
@@ -18321,17 +19614,7 @@
                   <a:latin typeface="Alfabet ExtraBold"/>
                   <a:ea typeface="Roboto Medium"/>
                 </a:rPr>
-                <a:t>Hito 1 </a:t>
-              </a:r>
-              <a:r>
-                <a:rPr lang="es-MX" sz="2800" spc="-1" dirty="0" smtClean="0">
-                  <a:solidFill>
-                    <a:srgbClr val="FFFFFF"/>
-                  </a:solidFill>
-                  <a:latin typeface="Alfabet ExtraBold"/>
-                  <a:ea typeface="Roboto Medium"/>
-                </a:rPr>
-                <a:t>- Próximos Pasos</a:t>
+                <a:t>Hito 1 - Entregables</a:t>
               </a:r>
               <a:endParaRPr lang="es-AR" sz="2800" b="0" strike="noStrike" spc="-1" dirty="0">
                 <a:latin typeface="Arial"/>
@@ -18347,7 +19630,7 @@
           <p:nvPr/>
         </p:nvPicPr>
         <p:blipFill>
-          <a:blip r:embed="rId4" cstate="print"/>
+          <a:blip r:embed="rId5" cstate="print"/>
           <a:stretch/>
         </p:blipFill>
         <p:spPr>
@@ -18365,14 +19648,14 @@
       </p:pic>
       <p:sp>
         <p:nvSpPr>
-          <p:cNvPr id="8" name="CuadroTexto 2"/>
+          <p:cNvPr id="23" name="CuadroTexto 2"/>
           <p:cNvSpPr/>
           <p:nvPr/>
         </p:nvSpPr>
         <p:spPr>
           <a:xfrm>
-            <a:off x="540000" y="1641282"/>
-            <a:ext cx="8208464" cy="3784198"/>
+            <a:off x="558546" y="1124744"/>
+            <a:ext cx="8208464" cy="398655"/>
           </a:xfrm>
           <a:prstGeom prst="rect">
             <a:avLst/>
@@ -18400,15 +19683,10 @@
           </a:bodyPr>
           <a:lstStyle/>
           <a:p>
-            <a:pPr marL="342900" lvl="0" indent="-342900">
-              <a:spcBef>
-                <a:spcPts val="600"/>
-              </a:spcBef>
-              <a:spcAft>
-                <a:spcPts val="600"/>
-              </a:spcAft>
-              <a:buFont typeface="Arial" panose="020B0604020202020204" pitchFamily="34" charset="0"/>
-              <a:buChar char="•"/>
+            <a:pPr>
+              <a:lnSpc>
+                <a:spcPct val="100000"/>
+              </a:lnSpc>
             </a:pPr>
             <a:r>
               <a:rPr lang="es-ES" sz="2000" spc="-1" dirty="0" smtClean="0">
@@ -18418,181 +19696,185 @@
                 <a:latin typeface="Alfabet Medium"/>
                 <a:ea typeface="DejaVu Sans"/>
               </a:rPr>
-              <a:t>Testeo de alta y </a:t>
+              <a:t>3</a:t>
             </a:r>
             <a:r>
-              <a:rPr lang="es-ES" sz="2000" spc="-1" dirty="0" err="1" smtClean="0">
+              <a:rPr lang="es-ES" sz="2000" b="0" strike="noStrike" spc="-1" dirty="0" smtClean="0">
                 <a:solidFill>
                   <a:srgbClr val="FFFFFF"/>
                 </a:solidFill>
                 <a:latin typeface="Alfabet Medium"/>
                 <a:ea typeface="DejaVu Sans"/>
               </a:rPr>
-              <a:t>login</a:t>
+              <a:t> - Procesar Archivo Importado</a:t>
             </a:r>
+            <a:endParaRPr lang="es-ES" sz="2000" b="0" strike="noStrike" spc="-1" dirty="0" smtClean="0">
+              <a:solidFill>
+                <a:srgbClr val="FFFFFF"/>
+              </a:solidFill>
+              <a:latin typeface="Alfabet Medium"/>
+              <a:ea typeface="DejaVu Sans"/>
+            </a:endParaRPr>
+          </a:p>
+        </p:txBody>
+      </p:sp>
+      <p:sp>
+        <p:nvSpPr>
+          <p:cNvPr id="8" name="CuadroTexto 2"/>
+          <p:cNvSpPr/>
+          <p:nvPr/>
+        </p:nvSpPr>
+        <p:spPr>
+          <a:xfrm>
+            <a:off x="558546" y="1556792"/>
+            <a:ext cx="8045454" cy="4245863"/>
+          </a:xfrm>
+          <a:prstGeom prst="rect">
+            <a:avLst/>
+          </a:prstGeom>
+          <a:noFill/>
+          <a:ln w="0">
+            <a:noFill/>
+          </a:ln>
+        </p:spPr>
+        <p:style>
+          <a:lnRef idx="0">
+            <a:scrgbClr r="0" g="0" b="0"/>
+          </a:lnRef>
+          <a:fillRef idx="0">
+            <a:scrgbClr r="0" g="0" b="0"/>
+          </a:fillRef>
+          <a:effectRef idx="0">
+            <a:scrgbClr r="0" g="0" b="0"/>
+          </a:effectRef>
+          <a:fontRef idx="minor"/>
+        </p:style>
+        <p:txBody>
+          <a:bodyPr wrap="square" lIns="90000" tIns="45000" rIns="90000" bIns="45000" anchor="t">
+            <a:spAutoFit/>
+          </a:bodyPr>
+          <a:lstStyle/>
+          <a:p>
             <a:r>
-              <a:rPr lang="es-ES" sz="2000" spc="-1" dirty="0" smtClean="0">
+              <a:rPr lang="es-ES" spc="-1" dirty="0" smtClean="0">
                 <a:solidFill>
                   <a:srgbClr val="FFFFFF"/>
                 </a:solidFill>
                 <a:latin typeface="Alfabet Medium"/>
                 <a:ea typeface="DejaVu Sans"/>
               </a:rPr>
-              <a:t> de usuarios</a:t>
+              <a:t>Esta funcionalidad permitirá recorrer el archivo plano importado y detectar los errores o inconsistencias que posea, previo al proceso de cruzamiento de datos con POF, Bajas e Inasistencias.</a:t>
             </a:r>
           </a:p>
           <a:p>
-            <a:pPr marL="342900" lvl="0" indent="-342900">
-              <a:spcBef>
-                <a:spcPts val="600"/>
-              </a:spcBef>
-              <a:spcAft>
-                <a:spcPts val="600"/>
-              </a:spcAft>
-              <a:buFont typeface="Arial" panose="020B0604020202020204" pitchFamily="34" charset="0"/>
-              <a:buChar char="•"/>
-            </a:pPr>
             <a:r>
-              <a:rPr lang="es-ES" sz="2000" spc="-1" dirty="0" smtClean="0">
+              <a:rPr lang="es-ES" spc="-1" dirty="0" smtClean="0">
                 <a:solidFill>
                   <a:srgbClr val="FFFFFF"/>
                 </a:solidFill>
                 <a:latin typeface="Alfabet Medium"/>
                 <a:ea typeface="DejaVu Sans"/>
               </a:rPr>
-              <a:t>Testeo de paramétricas y carga de datos paramétricos reales</a:t>
+              <a:t>Detectará errores a nivel:</a:t>
             </a:r>
           </a:p>
           <a:p>
-            <a:pPr marL="342900" lvl="0" indent="-342900">
-              <a:spcBef>
-                <a:spcPts val="600"/>
-              </a:spcBef>
-              <a:spcAft>
-                <a:spcPts val="600"/>
-              </a:spcAft>
-              <a:buFont typeface="Arial" panose="020B0604020202020204" pitchFamily="34" charset="0"/>
-              <a:buChar char="•"/>
+            <a:pPr marL="342900" indent="-342900">
+              <a:buFont typeface="Courier New" panose="02070309020205020404" pitchFamily="49" charset="0"/>
+              <a:buChar char="o"/>
             </a:pPr>
             <a:r>
-              <a:rPr lang="es-ES" sz="2000" spc="-1" dirty="0" smtClean="0">
+              <a:rPr lang="es-ES" spc="-1" dirty="0" smtClean="0">
                 <a:solidFill>
                   <a:srgbClr val="FFFFFF"/>
                 </a:solidFill>
                 <a:latin typeface="Alfabet Medium"/>
                 <a:ea typeface="DejaVu Sans"/>
               </a:rPr>
-              <a:t>Tomar un Establecimiento testigo y realizar testeo y carga de las Personas del mismo y la POF</a:t>
+              <a:t>Establecimiento</a:t>
             </a:r>
           </a:p>
           <a:p>
-            <a:pPr marL="342900" lvl="0" indent="-342900">
-              <a:spcBef>
-                <a:spcPts val="600"/>
-              </a:spcBef>
-              <a:spcAft>
-                <a:spcPts val="600"/>
-              </a:spcAft>
-              <a:buFont typeface="Arial" panose="020B0604020202020204" pitchFamily="34" charset="0"/>
-              <a:buChar char="•"/>
+            <a:pPr marL="342900" indent="-342900">
+              <a:buFont typeface="Courier New" panose="02070309020205020404" pitchFamily="49" charset="0"/>
+              <a:buChar char="o"/>
             </a:pPr>
             <a:r>
-              <a:rPr lang="es-ES" sz="2000" spc="-1" dirty="0" err="1" smtClean="0">
+              <a:rPr lang="es-ES" spc="-1" dirty="0" smtClean="0">
                 <a:solidFill>
                   <a:srgbClr val="FFFFFF"/>
                 </a:solidFill>
                 <a:latin typeface="Alfabet Medium"/>
                 <a:ea typeface="DejaVu Sans"/>
               </a:rPr>
-              <a:t>Testing</a:t>
+              <a:t>Paramétricas (Cód. Función, Conceptos, Carácter de Revista, Tipos Establecimientos)</a:t>
             </a:r>
+            <a:endParaRPr lang="es-AR" sz="1600" spc="-1" dirty="0">
+              <a:solidFill>
+                <a:srgbClr val="FFFFFF"/>
+              </a:solidFill>
+              <a:latin typeface="Alfabet Medium"/>
+              <a:ea typeface="DejaVu Sans"/>
+            </a:endParaRPr>
+          </a:p>
+          <a:p>
+            <a:pPr marL="342900" indent="-342900">
+              <a:buFont typeface="Courier New" panose="02070309020205020404" pitchFamily="49" charset="0"/>
+              <a:buChar char="o"/>
+            </a:pPr>
             <a:r>
-              <a:rPr lang="es-ES" sz="2000" spc="-1" dirty="0" smtClean="0">
+              <a:rPr lang="es-ES" spc="-1" dirty="0" smtClean="0">
                 <a:solidFill>
                   <a:srgbClr val="FFFFFF"/>
                 </a:solidFill>
                 <a:latin typeface="Alfabet Medium"/>
                 <a:ea typeface="DejaVu Sans"/>
               </a:rPr>
-              <a:t> y definición de una Cabecera de Liquidación</a:t>
+              <a:t>Persona y/o POF no encontrada en BD</a:t>
             </a:r>
           </a:p>
           <a:p>
-            <a:pPr marL="342900" lvl="0" indent="-342900">
-              <a:spcBef>
-                <a:spcPts val="600"/>
-              </a:spcBef>
-              <a:spcAft>
-                <a:spcPts val="600"/>
-              </a:spcAft>
-              <a:buFont typeface="Arial" panose="020B0604020202020204" pitchFamily="34" charset="0"/>
-              <a:buChar char="•"/>
-            </a:pPr>
+            <a:endParaRPr lang="es-ES" spc="-1" dirty="0" smtClean="0">
+              <a:solidFill>
+                <a:srgbClr val="FFFFFF"/>
+              </a:solidFill>
+              <a:latin typeface="Alfabet Medium"/>
+              <a:ea typeface="DejaVu Sans"/>
+            </a:endParaRPr>
+          </a:p>
+          <a:p>
             <a:r>
-              <a:rPr lang="es-ES" sz="2000" spc="-1" dirty="0" smtClean="0">
+              <a:rPr lang="es-ES" spc="-1" dirty="0" smtClean="0">
                 <a:solidFill>
                   <a:srgbClr val="FFFFFF"/>
                 </a:solidFill>
                 <a:latin typeface="Alfabet Medium"/>
                 <a:ea typeface="DejaVu Sans"/>
               </a:rPr>
-              <a:t>Pruebas integradas de procesamiento de un archivo para el Establecimiento testigo</a:t>
+              <a:t>Mostrará los errores para que se puedan corregir en el sistema, borrará el archivo plano importado para su nueva importación.</a:t>
             </a:r>
           </a:p>
           <a:p>
-            <a:pPr marL="342900" lvl="0" indent="-342900">
-              <a:spcBef>
-                <a:spcPts val="600"/>
-              </a:spcBef>
-              <a:spcAft>
-                <a:spcPts val="600"/>
-              </a:spcAft>
-              <a:buFont typeface="Arial" panose="020B0604020202020204" pitchFamily="34" charset="0"/>
-              <a:buChar char="•"/>
-            </a:pPr>
+            <a:endParaRPr lang="es-ES" spc="-1" dirty="0" smtClean="0">
+              <a:solidFill>
+                <a:srgbClr val="FFFFFF"/>
+              </a:solidFill>
+              <a:latin typeface="Alfabet Medium"/>
+              <a:ea typeface="DejaVu Sans"/>
+            </a:endParaRPr>
+          </a:p>
+          <a:p>
             <a:r>
-              <a:rPr lang="es-ES" sz="2000" spc="-1" dirty="0" err="1" smtClean="0">
+              <a:rPr lang="es-ES" spc="-1" dirty="0" smtClean="0">
                 <a:solidFill>
                   <a:srgbClr val="FFFFFF"/>
                 </a:solidFill>
                 <a:latin typeface="Alfabet Medium"/>
                 <a:ea typeface="DejaVu Sans"/>
               </a:rPr>
-              <a:t>Feedback</a:t>
+              <a:t>Si el archivo no contuviera errores, se marcará la Cabecera como “Archivo Procesado” y generará la correspondiente estructura que será la base de la liquidación.</a:t>
             </a:r>
-            <a:r>
-              <a:rPr lang="es-ES" sz="2000" spc="-1" dirty="0" smtClean="0">
-                <a:solidFill>
-                  <a:srgbClr val="FFFFFF"/>
-                </a:solidFill>
-                <a:latin typeface="Alfabet Medium"/>
-                <a:ea typeface="DejaVu Sans"/>
-              </a:rPr>
-              <a:t> Hito 1 y ajuste de errores</a:t>
-            </a:r>
-          </a:p>
-          <a:p>
-            <a:pPr marL="342900" lvl="0" indent="-342900">
-              <a:spcBef>
-                <a:spcPts val="600"/>
-              </a:spcBef>
-              <a:spcAft>
-                <a:spcPts val="600"/>
-              </a:spcAft>
-              <a:buFont typeface="Arial" panose="020B0604020202020204" pitchFamily="34" charset="0"/>
-              <a:buChar char="•"/>
-            </a:pPr>
-            <a:r>
-              <a:rPr lang="es-ES" sz="2000" spc="-1" dirty="0" smtClean="0">
-                <a:solidFill>
-                  <a:srgbClr val="FFFFFF"/>
-                </a:solidFill>
-                <a:latin typeface="Alfabet Medium"/>
-                <a:ea typeface="DejaVu Sans"/>
-              </a:rPr>
-              <a:t>Preparación para el Hito 2: Registro de Bajas e Inasistencias</a:t>
-            </a:r>
-            <a:endParaRPr lang="es-AR" sz="2000" spc="-1" dirty="0">
+            <a:endParaRPr lang="es-AR" spc="-1" dirty="0">
               <a:solidFill>
                 <a:srgbClr val="FFFFFF"/>
               </a:solidFill>
@@ -18605,12 +19887,12 @@
     </p:spTree>
     <p:extLst>
       <p:ext uri="{BB962C8B-B14F-4D97-AF65-F5344CB8AC3E}">
-        <p14:creationId xmlns:p14="http://schemas.microsoft.com/office/powerpoint/2010/main" val="1295949691"/>
+        <p14:creationId xmlns:p14="http://schemas.microsoft.com/office/powerpoint/2010/main" val="240379074"/>
       </p:ext>
     </p:extLst>
   </p:cSld>
   <p:clrMapOvr>
-    <a:masterClrMapping/>
+    <a:overrideClrMapping bg1="lt1" tx1="dk1" bg2="lt2" tx2="dk2" accent1="accent1" accent2="accent2" accent3="accent3" accent4="accent4" accent5="accent5" accent6="accent6" hlink="hlink" folHlink="folHlink"/>
   </p:clrMapOvr>
   <mc:AlternateContent xmlns:mc="http://schemas.openxmlformats.org/markup-compatibility/2006" xmlns:p14="http://schemas.microsoft.com/office/powerpoint/2010/main">
     <mc:Choice Requires="p14">
@@ -18636,7 +19918,7 @@
     <p:bg>
       <p:bgPr>
         <a:solidFill>
-          <a:srgbClr val="2A3E6F"/>
+          <a:srgbClr val="174574"/>
         </a:solidFill>
         <a:effectLst/>
       </p:bgPr>
@@ -18655,145 +19937,9 @@
           <a:chExt cx="0" cy="0"/>
         </a:xfrm>
       </p:grpSpPr>
-      <p:sp>
-        <p:nvSpPr>
-          <p:cNvPr id="263" name="PlaceHolder 1"/>
-          <p:cNvSpPr>
-            <a:spLocks noGrp="1"/>
-          </p:cNvSpPr>
-          <p:nvPr>
-            <p:ph type="subTitle"/>
-          </p:nvPr>
-        </p:nvSpPr>
-        <p:spPr>
-          <a:xfrm>
-            <a:off x="457200" y="540000"/>
-            <a:ext cx="8228880" cy="5307480"/>
-          </a:xfrm>
-          <a:prstGeom prst="rect">
-            <a:avLst/>
-          </a:prstGeom>
-          <a:noFill/>
-          <a:ln w="0">
-            <a:noFill/>
-          </a:ln>
-        </p:spPr>
-        <p:txBody>
-          <a:bodyPr lIns="0" tIns="0" rIns="0" bIns="0" anchor="ctr">
-            <a:noAutofit/>
-          </a:bodyPr>
-          <a:lstStyle/>
-          <a:p>
-            <a:pPr algn="ctr">
-              <a:lnSpc>
-                <a:spcPct val="100000"/>
-              </a:lnSpc>
-            </a:pPr>
-            <a:r>
-              <a:rPr lang="es-ES" sz="4400" b="0" strike="noStrike" spc="-1" dirty="0" smtClean="0">
-                <a:solidFill>
-                  <a:srgbClr val="FFFFFF"/>
-                </a:solidFill>
-                <a:latin typeface="Alfabet ExtraBold"/>
-              </a:rPr>
-              <a:t> </a:t>
-            </a:r>
-          </a:p>
-          <a:p>
-            <a:pPr algn="ctr">
-              <a:lnSpc>
-                <a:spcPct val="100000"/>
-              </a:lnSpc>
-            </a:pPr>
-            <a:endParaRPr lang="es-AR" sz="4400" spc="-1" dirty="0">
-              <a:solidFill>
-                <a:srgbClr val="FFFFFF"/>
-              </a:solidFill>
-              <a:latin typeface="Alfabet ExtraBold"/>
-            </a:endParaRPr>
-          </a:p>
-          <a:p>
-            <a:pPr algn="ctr">
-              <a:lnSpc>
-                <a:spcPct val="100000"/>
-              </a:lnSpc>
-            </a:pPr>
-            <a:endParaRPr lang="es-AR" sz="4400" b="0" strike="noStrike" spc="-1" dirty="0" smtClean="0">
-              <a:solidFill>
-                <a:srgbClr val="FFFFFF"/>
-              </a:solidFill>
-              <a:latin typeface="Alfabet ExtraBold"/>
-            </a:endParaRPr>
-          </a:p>
-          <a:p>
-            <a:pPr algn="ctr">
-              <a:lnSpc>
-                <a:spcPct val="100000"/>
-              </a:lnSpc>
-            </a:pPr>
-            <a:endParaRPr lang="es-AR" sz="4400" b="0" strike="noStrike" spc="-1" dirty="0" smtClean="0">
-              <a:solidFill>
-                <a:srgbClr val="FFFFFF"/>
-              </a:solidFill>
-              <a:latin typeface="Alfabet ExtraBold"/>
-            </a:endParaRPr>
-          </a:p>
-          <a:p>
-            <a:pPr algn="ctr">
-              <a:lnSpc>
-                <a:spcPct val="100000"/>
-              </a:lnSpc>
-            </a:pPr>
-            <a:r>
-              <a:rPr lang="es-AR" sz="4400" b="0" strike="noStrike" spc="-1" dirty="0" smtClean="0">
-                <a:solidFill>
-                  <a:srgbClr val="FFFFFF"/>
-                </a:solidFill>
-                <a:latin typeface="Alfabet ExtraBold"/>
-              </a:rPr>
-              <a:t>MUCHAS </a:t>
-            </a:r>
-            <a:r>
-              <a:rPr lang="es-AR" sz="4400" b="0" strike="noStrike" spc="-1" dirty="0">
-                <a:solidFill>
-                  <a:srgbClr val="FFFFFF"/>
-                </a:solidFill>
-                <a:latin typeface="Alfabet ExtraBold"/>
-              </a:rPr>
-              <a:t>GRACIAS</a:t>
-            </a:r>
-            <a:endParaRPr lang="es-AR" sz="4400" b="0" strike="noStrike" spc="-1" dirty="0">
-              <a:latin typeface="Arial"/>
-            </a:endParaRPr>
-          </a:p>
-        </p:txBody>
-      </p:sp>
-      <p:pic>
-        <p:nvPicPr>
-          <p:cNvPr id="264" name="263 Imagen"/>
-          <p:cNvPicPr/>
-          <p:nvPr/>
-        </p:nvPicPr>
-        <p:blipFill>
-          <a:blip r:embed="rId2" cstate="print"/>
-          <a:stretch/>
-        </p:blipFill>
-        <p:spPr>
-          <a:xfrm>
-            <a:off x="0" y="5465160"/>
-            <a:ext cx="9143280" cy="1374480"/>
-          </a:xfrm>
-          <a:prstGeom prst="rect">
-            <a:avLst/>
-          </a:prstGeom>
-          <a:ln w="0">
-            <a:noFill/>
-          </a:ln>
-        </p:spPr>
-      </p:pic>
       <p:grpSp>
         <p:nvGrpSpPr>
-          <p:cNvPr id="4" name="15 Grupo"/>
+          <p:cNvPr id="122" name="15 Grupo"/>
           <p:cNvGrpSpPr/>
           <p:nvPr/>
         </p:nvGrpSpPr>
@@ -18807,12 +19953,12 @@
         </p:grpSpPr>
         <p:pic>
           <p:nvPicPr>
-            <p:cNvPr id="5" name="Picture 2" descr="C:\Users\jpavoni\Downloads\ELEMENTOS PARA WEB\ELEMENTOS PARA WEB\CAPA 2 nueva\PARTICIPACION CIUDADANA\BANNERS Y BOTONES-02.jpg"/>
+            <p:cNvPr id="123" name="Picture 2" descr="C:\Users\jpavoni\Downloads\ELEMENTOS PARA WEB\ELEMENTOS PARA WEB\CAPA 2 nueva\PARTICIPACION CIUDADANA\BANNERS Y BOTONES-02.jpg"/>
             <p:cNvPicPr/>
             <p:nvPr/>
           </p:nvPicPr>
           <p:blipFill>
-            <a:blip r:embed="rId3" cstate="print"/>
+            <a:blip r:embed="rId4" cstate="print"/>
             <a:srcRect l="5396" t="37233" r="86991" b="50737"/>
             <a:stretch/>
           </p:blipFill>
@@ -18831,7 +19977,7 @@
         </p:pic>
         <p:sp>
           <p:nvSpPr>
-            <p:cNvPr id="6" name="13 Rectángulo"/>
+            <p:cNvPr id="124" name="13 Rectángulo"/>
             <p:cNvSpPr/>
             <p:nvPr/>
           </p:nvSpPr>
@@ -18872,13 +20018,14 @@
                 </a:lnSpc>
               </a:pPr>
               <a:r>
-                <a:rPr lang="es-MX" sz="2800" spc="-1" dirty="0" smtClean="0">
+                <a:rPr lang="es-MX" sz="2800" spc="-1" dirty="0">
                   <a:solidFill>
                     <a:srgbClr val="FFFFFF"/>
                   </a:solidFill>
                   <a:latin typeface="Alfabet ExtraBold"/>
+                  <a:ea typeface="Roboto Medium"/>
                 </a:rPr>
-                <a:t>Preguntas y Respuestas</a:t>
+                <a:t>Hito 1 - Entregables</a:t>
               </a:r>
               <a:endParaRPr lang="es-AR" sz="2800" b="0" strike="noStrike" spc="-1" dirty="0">
                 <a:latin typeface="Arial"/>
@@ -18887,214 +20034,828 @@
           </p:txBody>
         </p:sp>
       </p:grpSp>
+      <p:pic>
+        <p:nvPicPr>
+          <p:cNvPr id="142" name="141 Imagen"/>
+          <p:cNvPicPr/>
+          <p:nvPr/>
+        </p:nvPicPr>
+        <p:blipFill>
+          <a:blip r:embed="rId5" cstate="print"/>
+          <a:stretch/>
+        </p:blipFill>
+        <p:spPr>
+          <a:xfrm>
+            <a:off x="360" y="5897520"/>
+            <a:ext cx="9143280" cy="960120"/>
+          </a:xfrm>
+          <a:prstGeom prst="rect">
+            <a:avLst/>
+          </a:prstGeom>
+          <a:ln w="0">
+            <a:noFill/>
+          </a:ln>
+        </p:spPr>
+      </p:pic>
       <p:sp>
         <p:nvSpPr>
-          <p:cNvPr id="2" name="Rectángulo 1"/>
+          <p:cNvPr id="23" name="CuadroTexto 2"/>
           <p:cNvSpPr/>
           <p:nvPr/>
         </p:nvSpPr>
         <p:spPr>
           <a:xfrm>
-            <a:off x="1185480" y="1412776"/>
-            <a:ext cx="6698888" cy="2232248"/>
+            <a:off x="558546" y="1124744"/>
+            <a:ext cx="8208464" cy="398655"/>
           </a:xfrm>
           <a:prstGeom prst="rect">
             <a:avLst/>
           </a:prstGeom>
           <a:noFill/>
-          <a:ln w="28575">
-            <a:solidFill>
-              <a:schemeClr val="bg1"/>
-            </a:solidFill>
-          </a:ln>
-          <a:effectLst>
-            <a:softEdge rad="0"/>
-          </a:effectLst>
+          <a:ln w="0">
+            <a:noFill/>
+          </a:ln>
         </p:spPr>
         <p:style>
-          <a:lnRef idx="2">
-            <a:schemeClr val="accent1">
-              <a:shade val="50000"/>
-            </a:schemeClr>
+          <a:lnRef idx="0">
+            <a:scrgbClr r="0" g="0" b="0"/>
           </a:lnRef>
-          <a:fillRef idx="1">
-            <a:schemeClr val="accent1"/>
+          <a:fillRef idx="0">
+            <a:scrgbClr r="0" g="0" b="0"/>
           </a:fillRef>
           <a:effectRef idx="0">
-            <a:schemeClr val="accent1"/>
+            <a:scrgbClr r="0" g="0" b="0"/>
           </a:effectRef>
-          <a:fontRef idx="minor">
-            <a:schemeClr val="lt1"/>
-          </a:fontRef>
+          <a:fontRef idx="minor"/>
         </p:style>
         <p:txBody>
-          <a:bodyPr rtlCol="0" anchor="ctr"/>
+          <a:bodyPr wrap="square" lIns="90000" tIns="45000" rIns="90000" bIns="45000" anchor="t">
+            <a:spAutoFit/>
+          </a:bodyPr>
           <a:lstStyle/>
           <a:p>
-            <a:pPr marL="285750" indent="-285750" algn="ctr">
-              <a:buFont typeface="Arial" panose="020B0604020202020204" pitchFamily="34" charset="0"/>
-              <a:buChar char="•"/>
+            <a:pPr>
+              <a:lnSpc>
+                <a:spcPct val="100000"/>
+              </a:lnSpc>
             </a:pPr>
-            <a:endParaRPr lang="es-AR"/>
+            <a:r>
+              <a:rPr lang="es-ES" sz="2000" b="0" strike="noStrike" spc="-1" dirty="0" smtClean="0">
+                <a:solidFill>
+                  <a:srgbClr val="FFFFFF"/>
+                </a:solidFill>
+                <a:latin typeface="Alfabet Medium"/>
+                <a:ea typeface="DejaVu Sans"/>
+              </a:rPr>
+              <a:t>4 - Consolidar Mecanizada - POF</a:t>
+            </a:r>
+            <a:endParaRPr lang="es-ES" sz="2000" b="0" strike="noStrike" spc="-1" dirty="0" smtClean="0">
+              <a:solidFill>
+                <a:srgbClr val="FFFFFF"/>
+              </a:solidFill>
+              <a:latin typeface="Alfabet Medium"/>
+              <a:ea typeface="DejaVu Sans"/>
+            </a:endParaRPr>
+          </a:p>
+        </p:txBody>
+      </p:sp>
+      <p:pic>
+        <p:nvPicPr>
+          <p:cNvPr id="3" name="Imagen 2"/>
+          <p:cNvPicPr>
+            <a:picLocks noChangeAspect="1"/>
+          </p:cNvPicPr>
+          <p:nvPr/>
+        </p:nvPicPr>
+        <p:blipFill>
+          <a:blip r:embed="rId6"/>
+          <a:stretch>
+            <a:fillRect/>
+          </a:stretch>
+        </p:blipFill>
+        <p:spPr>
+          <a:xfrm>
+            <a:off x="72008" y="2296064"/>
+            <a:ext cx="8964488" cy="2861128"/>
+          </a:xfrm>
+          <a:prstGeom prst="rect">
+            <a:avLst/>
+          </a:prstGeom>
+        </p:spPr>
+      </p:pic>
+      <p:sp>
+        <p:nvSpPr>
+          <p:cNvPr id="10" name="CuadroTexto 2"/>
+          <p:cNvSpPr/>
+          <p:nvPr/>
+        </p:nvSpPr>
+        <p:spPr>
+          <a:xfrm>
+            <a:off x="756024" y="1518177"/>
+            <a:ext cx="8208464" cy="337100"/>
+          </a:xfrm>
+          <a:prstGeom prst="rect">
+            <a:avLst/>
+          </a:prstGeom>
+          <a:noFill/>
+          <a:ln w="0">
+            <a:noFill/>
+          </a:ln>
+        </p:spPr>
+        <p:style>
+          <a:lnRef idx="0">
+            <a:scrgbClr r="0" g="0" b="0"/>
+          </a:lnRef>
+          <a:fillRef idx="0">
+            <a:scrgbClr r="0" g="0" b="0"/>
+          </a:fillRef>
+          <a:effectRef idx="0">
+            <a:scrgbClr r="0" g="0" b="0"/>
+          </a:effectRef>
+          <a:fontRef idx="minor"/>
+        </p:style>
+        <p:txBody>
+          <a:bodyPr wrap="square" lIns="90000" tIns="45000" rIns="90000" bIns="45000" anchor="t">
+            <a:spAutoFit/>
+          </a:bodyPr>
+          <a:lstStyle/>
+          <a:p>
+            <a:pPr>
+              <a:lnSpc>
+                <a:spcPct val="100000"/>
+              </a:lnSpc>
+            </a:pPr>
+            <a:r>
+              <a:rPr lang="es-ES" sz="1600" b="0" strike="noStrike" spc="-1" dirty="0" smtClean="0">
+                <a:solidFill>
+                  <a:srgbClr val="FFFFFF"/>
+                </a:solidFill>
+                <a:latin typeface="Alfabet Medium"/>
+                <a:ea typeface="DejaVu Sans"/>
+              </a:rPr>
+              <a:t>4.1 - Visualización Datos Mecanizada</a:t>
+            </a:r>
+            <a:endParaRPr lang="es-ES" sz="1600" b="0" strike="noStrike" spc="-1" dirty="0" smtClean="0">
+              <a:solidFill>
+                <a:srgbClr val="FFFFFF"/>
+              </a:solidFill>
+              <a:latin typeface="Alfabet Medium"/>
+              <a:ea typeface="DejaVu Sans"/>
+            </a:endParaRPr>
+          </a:p>
+        </p:txBody>
+      </p:sp>
+    </p:spTree>
+    <p:extLst>
+      <p:ext uri="{BB962C8B-B14F-4D97-AF65-F5344CB8AC3E}">
+        <p14:creationId xmlns:p14="http://schemas.microsoft.com/office/powerpoint/2010/main" val="378818693"/>
+      </p:ext>
+    </p:extLst>
+  </p:cSld>
+  <p:clrMapOvr>
+    <a:overrideClrMapping bg1="lt1" tx1="dk1" bg2="lt2" tx2="dk2" accent1="accent1" accent2="accent2" accent3="accent3" accent4="accent4" accent5="accent5" accent6="accent6" hlink="hlink" folHlink="folHlink"/>
+  </p:clrMapOvr>
+  <mc:AlternateContent xmlns:mc="http://schemas.openxmlformats.org/markup-compatibility/2006" xmlns:p14="http://schemas.microsoft.com/office/powerpoint/2010/main">
+    <mc:Choice Requires="p14">
+      <p:transition spd="slow" p14:dur="2000"/>
+    </mc:Choice>
+    <mc:Fallback xmlns="">
+      <p:transition spd="slow"/>
+    </mc:Fallback>
+  </mc:AlternateContent>
+  <p:timing>
+    <p:tnLst>
+      <p:par>
+        <p:cTn id="1" dur="indefinite" restart="never" nodeType="tmRoot"/>
+      </p:par>
+    </p:tnLst>
+  </p:timing>
+</p:sld>
+</file>
+
+<file path=ppt/slides/slide28.xml><?xml version="1.0" encoding="utf-8"?>
+<p:sld xmlns:a="http://schemas.openxmlformats.org/drawingml/2006/main" xmlns:r="http://schemas.openxmlformats.org/officeDocument/2006/relationships" xmlns:p="http://schemas.openxmlformats.org/presentationml/2006/main">
+  <p:cSld>
+    <p:bg>
+      <p:bgPr>
+        <a:solidFill>
+          <a:srgbClr val="174574"/>
+        </a:solidFill>
+        <a:effectLst/>
+      </p:bgPr>
+    </p:bg>
+    <p:spTree>
+      <p:nvGrpSpPr>
+        <p:cNvPr id="1" name=""/>
+        <p:cNvGrpSpPr/>
+        <p:nvPr/>
+      </p:nvGrpSpPr>
+      <p:grpSpPr>
+        <a:xfrm>
+          <a:off x="0" y="0"/>
+          <a:ext cx="0" cy="0"/>
+          <a:chOff x="0" y="0"/>
+          <a:chExt cx="0" cy="0"/>
+        </a:xfrm>
+      </p:grpSpPr>
+      <p:grpSp>
+        <p:nvGrpSpPr>
+          <p:cNvPr id="122" name="15 Grupo"/>
+          <p:cNvGrpSpPr/>
+          <p:nvPr/>
+        </p:nvGrpSpPr>
+        <p:grpSpPr>
+          <a:xfrm>
+            <a:off x="540000" y="482760"/>
+            <a:ext cx="6802560" cy="573480"/>
+            <a:chOff x="540000" y="482760"/>
+            <a:chExt cx="6802560" cy="573480"/>
+          </a:xfrm>
+        </p:grpSpPr>
+        <p:pic>
+          <p:nvPicPr>
+            <p:cNvPr id="123" name="Picture 2" descr="C:\Users\jpavoni\Downloads\ELEMENTOS PARA WEB\ELEMENTOS PARA WEB\CAPA 2 nueva\PARTICIPACION CIUDADANA\BANNERS Y BOTONES-02.jpg"/>
+            <p:cNvPicPr/>
+            <p:nvPr/>
+          </p:nvPicPr>
+          <p:blipFill>
+            <a:blip r:embed="rId4" cstate="print"/>
+            <a:srcRect l="5396" t="37233" r="86991" b="50737"/>
+            <a:stretch/>
+          </p:blipFill>
+          <p:spPr>
+            <a:xfrm>
+              <a:off x="540000" y="482760"/>
+              <a:ext cx="645480" cy="573480"/>
+            </a:xfrm>
+            <a:prstGeom prst="rect">
+              <a:avLst/>
+            </a:prstGeom>
+            <a:ln w="0">
+              <a:noFill/>
+            </a:ln>
+          </p:spPr>
+        </p:pic>
+        <p:sp>
+          <p:nvSpPr>
+            <p:cNvPr id="124" name="13 Rectángulo"/>
+            <p:cNvSpPr/>
+            <p:nvPr/>
+          </p:nvSpPr>
+          <p:spPr>
+            <a:xfrm>
+              <a:off x="1008360" y="482760"/>
+              <a:ext cx="6334200" cy="521766"/>
+            </a:xfrm>
+            <a:prstGeom prst="rect">
+              <a:avLst/>
+            </a:prstGeom>
+            <a:noFill/>
+            <a:ln w="0">
+              <a:noFill/>
+            </a:ln>
+          </p:spPr>
+          <p:style>
+            <a:lnRef idx="0">
+              <a:scrgbClr r="0" g="0" b="0"/>
+            </a:lnRef>
+            <a:fillRef idx="0">
+              <a:scrgbClr r="0" g="0" b="0"/>
+            </a:fillRef>
+            <a:effectRef idx="0">
+              <a:scrgbClr r="0" g="0" b="0"/>
+            </a:effectRef>
+            <a:fontRef idx="minor"/>
+          </p:style>
+          <p:txBody>
+            <a:bodyPr lIns="90000" tIns="45000" rIns="90000" bIns="45000" anchor="t">
+              <a:spAutoFit/>
+            </a:bodyPr>
+            <a:lstStyle/>
+            <a:p>
+              <a:pPr>
+                <a:lnSpc>
+                  <a:spcPct val="100000"/>
+                </a:lnSpc>
+              </a:pPr>
+              <a:r>
+                <a:rPr lang="es-MX" sz="2800" spc="-1" dirty="0">
+                  <a:solidFill>
+                    <a:srgbClr val="FFFFFF"/>
+                  </a:solidFill>
+                  <a:latin typeface="Alfabet ExtraBold"/>
+                  <a:ea typeface="Roboto Medium"/>
+                </a:rPr>
+                <a:t>Hito 1 - Entregables</a:t>
+              </a:r>
+              <a:endParaRPr lang="es-AR" sz="2800" b="0" strike="noStrike" spc="-1" dirty="0">
+                <a:latin typeface="Arial"/>
+              </a:endParaRPr>
+            </a:p>
+          </p:txBody>
+        </p:sp>
+      </p:grpSp>
+      <p:pic>
+        <p:nvPicPr>
+          <p:cNvPr id="142" name="141 Imagen"/>
+          <p:cNvPicPr/>
+          <p:nvPr/>
+        </p:nvPicPr>
+        <p:blipFill>
+          <a:blip r:embed="rId5" cstate="print"/>
+          <a:stretch/>
+        </p:blipFill>
+        <p:spPr>
+          <a:xfrm>
+            <a:off x="360" y="5897520"/>
+            <a:ext cx="9143280" cy="960120"/>
+          </a:xfrm>
+          <a:prstGeom prst="rect">
+            <a:avLst/>
+          </a:prstGeom>
+          <a:ln w="0">
+            <a:noFill/>
+          </a:ln>
+        </p:spPr>
+      </p:pic>
+      <p:sp>
+        <p:nvSpPr>
+          <p:cNvPr id="23" name="CuadroTexto 2"/>
+          <p:cNvSpPr/>
+          <p:nvPr/>
+        </p:nvSpPr>
+        <p:spPr>
+          <a:xfrm>
+            <a:off x="558546" y="1124744"/>
+            <a:ext cx="8208464" cy="398655"/>
+          </a:xfrm>
+          <a:prstGeom prst="rect">
+            <a:avLst/>
+          </a:prstGeom>
+          <a:noFill/>
+          <a:ln w="0">
+            <a:noFill/>
+          </a:ln>
+        </p:spPr>
+        <p:style>
+          <a:lnRef idx="0">
+            <a:scrgbClr r="0" g="0" b="0"/>
+          </a:lnRef>
+          <a:fillRef idx="0">
+            <a:scrgbClr r="0" g="0" b="0"/>
+          </a:fillRef>
+          <a:effectRef idx="0">
+            <a:scrgbClr r="0" g="0" b="0"/>
+          </a:effectRef>
+          <a:fontRef idx="minor"/>
+        </p:style>
+        <p:txBody>
+          <a:bodyPr wrap="square" lIns="90000" tIns="45000" rIns="90000" bIns="45000" anchor="t">
+            <a:spAutoFit/>
+          </a:bodyPr>
+          <a:lstStyle/>
+          <a:p>
+            <a:pPr>
+              <a:lnSpc>
+                <a:spcPct val="100000"/>
+              </a:lnSpc>
+            </a:pPr>
+            <a:r>
+              <a:rPr lang="es-ES" sz="2000" b="0" strike="noStrike" spc="-1" dirty="0" smtClean="0">
+                <a:solidFill>
+                  <a:srgbClr val="FFFFFF"/>
+                </a:solidFill>
+                <a:latin typeface="Alfabet Medium"/>
+                <a:ea typeface="DejaVu Sans"/>
+              </a:rPr>
+              <a:t>4 - Consolidar Mecanizada - POF</a:t>
+            </a:r>
+            <a:endParaRPr lang="es-ES" sz="2000" b="0" strike="noStrike" spc="-1" dirty="0" smtClean="0">
+              <a:solidFill>
+                <a:srgbClr val="FFFFFF"/>
+              </a:solidFill>
+              <a:latin typeface="Alfabet Medium"/>
+              <a:ea typeface="DejaVu Sans"/>
+            </a:endParaRPr>
           </a:p>
         </p:txBody>
       </p:sp>
       <p:sp>
         <p:nvSpPr>
-          <p:cNvPr id="3" name="Elipse 2"/>
+          <p:cNvPr id="10" name="CuadroTexto 2"/>
           <p:cNvSpPr/>
           <p:nvPr/>
         </p:nvSpPr>
         <p:spPr>
           <a:xfrm>
-            <a:off x="1637524" y="1988840"/>
-            <a:ext cx="144016" cy="144016"/>
-          </a:xfrm>
-          <a:prstGeom prst="ellipse">
-            <a:avLst/>
-          </a:prstGeom>
+            <a:off x="756024" y="1518177"/>
+            <a:ext cx="8208464" cy="583321"/>
+          </a:xfrm>
+          <a:prstGeom prst="rect">
+            <a:avLst/>
+          </a:prstGeom>
+          <a:noFill/>
+          <a:ln w="0">
+            <a:noFill/>
+          </a:ln>
         </p:spPr>
         <p:style>
-          <a:lnRef idx="1">
-            <a:schemeClr val="dk1"/>
+          <a:lnRef idx="0">
+            <a:scrgbClr r="0" g="0" b="0"/>
           </a:lnRef>
-          <a:fillRef idx="2">
-            <a:schemeClr val="dk1"/>
+          <a:fillRef idx="0">
+            <a:scrgbClr r="0" g="0" b="0"/>
           </a:fillRef>
-          <a:effectRef idx="1">
-            <a:schemeClr val="dk1"/>
+          <a:effectRef idx="0">
+            <a:scrgbClr r="0" g="0" b="0"/>
           </a:effectRef>
-          <a:fontRef idx="minor">
-            <a:schemeClr val="dk1"/>
-          </a:fontRef>
+          <a:fontRef idx="minor"/>
         </p:style>
         <p:txBody>
-          <a:bodyPr rtlCol="0" anchor="ctr"/>
+          <a:bodyPr wrap="square" lIns="90000" tIns="45000" rIns="90000" bIns="45000" anchor="t">
+            <a:spAutoFit/>
+          </a:bodyPr>
           <a:lstStyle/>
           <a:p>
-            <a:pPr algn="ctr"/>
-            <a:endParaRPr lang="es-AR"/>
+            <a:pPr>
+              <a:lnSpc>
+                <a:spcPct val="100000"/>
+              </a:lnSpc>
+            </a:pPr>
+            <a:r>
+              <a:rPr lang="es-ES" sz="1600" b="0" strike="noStrike" spc="-1" dirty="0" smtClean="0">
+                <a:solidFill>
+                  <a:srgbClr val="FFFFFF"/>
+                </a:solidFill>
+                <a:latin typeface="Alfabet Medium"/>
+                <a:ea typeface="DejaVu Sans"/>
+              </a:rPr>
+              <a:t>4.2 - Agregar Docentes que están en POF pero no en la Mecanizada y que están marcados como Sin Haberes o No Subvencionados</a:t>
+            </a:r>
+            <a:endParaRPr lang="es-ES" sz="1600" b="0" strike="noStrike" spc="-1" dirty="0" smtClean="0">
+              <a:solidFill>
+                <a:srgbClr val="FFFFFF"/>
+              </a:solidFill>
+              <a:latin typeface="Alfabet Medium"/>
+              <a:ea typeface="DejaVu Sans"/>
+            </a:endParaRPr>
+          </a:p>
+        </p:txBody>
+      </p:sp>
+      <p:pic>
+        <p:nvPicPr>
+          <p:cNvPr id="2" name="Imagen 1"/>
+          <p:cNvPicPr>
+            <a:picLocks noChangeAspect="1"/>
+          </p:cNvPicPr>
+          <p:nvPr/>
+        </p:nvPicPr>
+        <p:blipFill>
+          <a:blip r:embed="rId6"/>
+          <a:stretch>
+            <a:fillRect/>
+          </a:stretch>
+        </p:blipFill>
+        <p:spPr>
+          <a:xfrm>
+            <a:off x="72008" y="2419947"/>
+            <a:ext cx="8964488" cy="2809253"/>
+          </a:xfrm>
+          <a:prstGeom prst="rect">
+            <a:avLst/>
+          </a:prstGeom>
+        </p:spPr>
+      </p:pic>
+    </p:spTree>
+    <p:extLst>
+      <p:ext uri="{BB962C8B-B14F-4D97-AF65-F5344CB8AC3E}">
+        <p14:creationId xmlns:p14="http://schemas.microsoft.com/office/powerpoint/2010/main" val="3291048581"/>
+      </p:ext>
+    </p:extLst>
+  </p:cSld>
+  <p:clrMapOvr>
+    <a:overrideClrMapping bg1="lt1" tx1="dk1" bg2="lt2" tx2="dk2" accent1="accent1" accent2="accent2" accent3="accent3" accent4="accent4" accent5="accent5" accent6="accent6" hlink="hlink" folHlink="folHlink"/>
+  </p:clrMapOvr>
+  <mc:AlternateContent xmlns:mc="http://schemas.openxmlformats.org/markup-compatibility/2006" xmlns:p14="http://schemas.microsoft.com/office/powerpoint/2010/main">
+    <mc:Choice Requires="p14">
+      <p:transition spd="slow" p14:dur="2000"/>
+    </mc:Choice>
+    <mc:Fallback xmlns="">
+      <p:transition spd="slow"/>
+    </mc:Fallback>
+  </mc:AlternateContent>
+  <p:timing>
+    <p:tnLst>
+      <p:par>
+        <p:cTn id="1" dur="indefinite" restart="never" nodeType="tmRoot"/>
+      </p:par>
+    </p:tnLst>
+  </p:timing>
+</p:sld>
+</file>
+
+<file path=ppt/slides/slide29.xml><?xml version="1.0" encoding="utf-8"?>
+<p:sld xmlns:a="http://schemas.openxmlformats.org/drawingml/2006/main" xmlns:r="http://schemas.openxmlformats.org/officeDocument/2006/relationships" xmlns:p="http://schemas.openxmlformats.org/presentationml/2006/main">
+  <p:cSld>
+    <p:bg>
+      <p:bgPr>
+        <a:solidFill>
+          <a:srgbClr val="174574"/>
+        </a:solidFill>
+        <a:effectLst/>
+      </p:bgPr>
+    </p:bg>
+    <p:spTree>
+      <p:nvGrpSpPr>
+        <p:cNvPr id="1" name=""/>
+        <p:cNvGrpSpPr/>
+        <p:nvPr/>
+      </p:nvGrpSpPr>
+      <p:grpSpPr>
+        <a:xfrm>
+          <a:off x="0" y="0"/>
+          <a:ext cx="0" cy="0"/>
+          <a:chOff x="0" y="0"/>
+          <a:chExt cx="0" cy="0"/>
+        </a:xfrm>
+      </p:grpSpPr>
+      <p:grpSp>
+        <p:nvGrpSpPr>
+          <p:cNvPr id="122" name="15 Grupo"/>
+          <p:cNvGrpSpPr/>
+          <p:nvPr/>
+        </p:nvGrpSpPr>
+        <p:grpSpPr>
+          <a:xfrm>
+            <a:off x="540000" y="482760"/>
+            <a:ext cx="6802560" cy="573480"/>
+            <a:chOff x="540000" y="482760"/>
+            <a:chExt cx="6802560" cy="573480"/>
+          </a:xfrm>
+        </p:grpSpPr>
+        <p:pic>
+          <p:nvPicPr>
+            <p:cNvPr id="123" name="Picture 2" descr="C:\Users\jpavoni\Downloads\ELEMENTOS PARA WEB\ELEMENTOS PARA WEB\CAPA 2 nueva\PARTICIPACION CIUDADANA\BANNERS Y BOTONES-02.jpg"/>
+            <p:cNvPicPr/>
+            <p:nvPr/>
+          </p:nvPicPr>
+          <p:blipFill>
+            <a:blip r:embed="rId4" cstate="print"/>
+            <a:srcRect l="5396" t="37233" r="86991" b="50737"/>
+            <a:stretch/>
+          </p:blipFill>
+          <p:spPr>
+            <a:xfrm>
+              <a:off x="540000" y="482760"/>
+              <a:ext cx="645480" cy="573480"/>
+            </a:xfrm>
+            <a:prstGeom prst="rect">
+              <a:avLst/>
+            </a:prstGeom>
+            <a:ln w="0">
+              <a:noFill/>
+            </a:ln>
+          </p:spPr>
+        </p:pic>
+        <p:sp>
+          <p:nvSpPr>
+            <p:cNvPr id="124" name="13 Rectángulo"/>
+            <p:cNvSpPr/>
+            <p:nvPr/>
+          </p:nvSpPr>
+          <p:spPr>
+            <a:xfrm>
+              <a:off x="1008360" y="482760"/>
+              <a:ext cx="6334200" cy="521766"/>
+            </a:xfrm>
+            <a:prstGeom prst="rect">
+              <a:avLst/>
+            </a:prstGeom>
+            <a:noFill/>
+            <a:ln w="0">
+              <a:noFill/>
+            </a:ln>
+          </p:spPr>
+          <p:style>
+            <a:lnRef idx="0">
+              <a:scrgbClr r="0" g="0" b="0"/>
+            </a:lnRef>
+            <a:fillRef idx="0">
+              <a:scrgbClr r="0" g="0" b="0"/>
+            </a:fillRef>
+            <a:effectRef idx="0">
+              <a:scrgbClr r="0" g="0" b="0"/>
+            </a:effectRef>
+            <a:fontRef idx="minor"/>
+          </p:style>
+          <p:txBody>
+            <a:bodyPr lIns="90000" tIns="45000" rIns="90000" bIns="45000" anchor="t">
+              <a:spAutoFit/>
+            </a:bodyPr>
+            <a:lstStyle/>
+            <a:p>
+              <a:pPr>
+                <a:lnSpc>
+                  <a:spcPct val="100000"/>
+                </a:lnSpc>
+              </a:pPr>
+              <a:r>
+                <a:rPr lang="es-MX" sz="2800" spc="-1" dirty="0">
+                  <a:solidFill>
+                    <a:srgbClr val="FFFFFF"/>
+                  </a:solidFill>
+                  <a:latin typeface="Alfabet ExtraBold"/>
+                  <a:ea typeface="Roboto Medium"/>
+                </a:rPr>
+                <a:t>Hito 1 - Entregables</a:t>
+              </a:r>
+              <a:endParaRPr lang="es-AR" sz="2800" b="0" strike="noStrike" spc="-1" dirty="0">
+                <a:latin typeface="Arial"/>
+              </a:endParaRPr>
+            </a:p>
+          </p:txBody>
+        </p:sp>
+      </p:grpSp>
+      <p:pic>
+        <p:nvPicPr>
+          <p:cNvPr id="142" name="141 Imagen"/>
+          <p:cNvPicPr/>
+          <p:nvPr/>
+        </p:nvPicPr>
+        <p:blipFill>
+          <a:blip r:embed="rId5" cstate="print"/>
+          <a:stretch/>
+        </p:blipFill>
+        <p:spPr>
+          <a:xfrm>
+            <a:off x="360" y="5897520"/>
+            <a:ext cx="9143280" cy="960120"/>
+          </a:xfrm>
+          <a:prstGeom prst="rect">
+            <a:avLst/>
+          </a:prstGeom>
+          <a:ln w="0">
+            <a:noFill/>
+          </a:ln>
+        </p:spPr>
+      </p:pic>
+      <p:sp>
+        <p:nvSpPr>
+          <p:cNvPr id="23" name="CuadroTexto 2"/>
+          <p:cNvSpPr/>
+          <p:nvPr/>
+        </p:nvSpPr>
+        <p:spPr>
+          <a:xfrm>
+            <a:off x="558546" y="1124744"/>
+            <a:ext cx="8208464" cy="398655"/>
+          </a:xfrm>
+          <a:prstGeom prst="rect">
+            <a:avLst/>
+          </a:prstGeom>
+          <a:noFill/>
+          <a:ln w="0">
+            <a:noFill/>
+          </a:ln>
+        </p:spPr>
+        <p:style>
+          <a:lnRef idx="0">
+            <a:scrgbClr r="0" g="0" b="0"/>
+          </a:lnRef>
+          <a:fillRef idx="0">
+            <a:scrgbClr r="0" g="0" b="0"/>
+          </a:fillRef>
+          <a:effectRef idx="0">
+            <a:scrgbClr r="0" g="0" b="0"/>
+          </a:effectRef>
+          <a:fontRef idx="minor"/>
+        </p:style>
+        <p:txBody>
+          <a:bodyPr wrap="square" lIns="90000" tIns="45000" rIns="90000" bIns="45000" anchor="t">
+            <a:spAutoFit/>
+          </a:bodyPr>
+          <a:lstStyle/>
+          <a:p>
+            <a:pPr>
+              <a:lnSpc>
+                <a:spcPct val="100000"/>
+              </a:lnSpc>
+            </a:pPr>
+            <a:r>
+              <a:rPr lang="es-ES" sz="2000" b="0" strike="noStrike" spc="-1" dirty="0" smtClean="0">
+                <a:solidFill>
+                  <a:srgbClr val="FFFFFF"/>
+                </a:solidFill>
+                <a:latin typeface="Alfabet Medium"/>
+                <a:ea typeface="DejaVu Sans"/>
+              </a:rPr>
+              <a:t>4 - Consolidar Mecanizada - POF</a:t>
+            </a:r>
+            <a:endParaRPr lang="es-ES" sz="2000" b="0" strike="noStrike" spc="-1" dirty="0" smtClean="0">
+              <a:solidFill>
+                <a:srgbClr val="FFFFFF"/>
+              </a:solidFill>
+              <a:latin typeface="Alfabet Medium"/>
+              <a:ea typeface="DejaVu Sans"/>
+            </a:endParaRPr>
           </a:p>
         </p:txBody>
       </p:sp>
       <p:sp>
         <p:nvSpPr>
-          <p:cNvPr id="9" name="Elipse 8"/>
+          <p:cNvPr id="10" name="CuadroTexto 2"/>
           <p:cNvSpPr/>
           <p:nvPr/>
         </p:nvSpPr>
         <p:spPr>
           <a:xfrm>
-            <a:off x="1637524" y="2255584"/>
-            <a:ext cx="144016" cy="144016"/>
-          </a:xfrm>
-          <a:prstGeom prst="ellipse">
-            <a:avLst/>
-          </a:prstGeom>
+            <a:off x="756024" y="1518177"/>
+            <a:ext cx="8208464" cy="337100"/>
+          </a:xfrm>
+          <a:prstGeom prst="rect">
+            <a:avLst/>
+          </a:prstGeom>
+          <a:noFill/>
+          <a:ln w="0">
+            <a:noFill/>
+          </a:ln>
         </p:spPr>
         <p:style>
-          <a:lnRef idx="1">
-            <a:schemeClr val="dk1"/>
+          <a:lnRef idx="0">
+            <a:scrgbClr r="0" g="0" b="0"/>
           </a:lnRef>
-          <a:fillRef idx="2">
-            <a:schemeClr val="dk1"/>
+          <a:fillRef idx="0">
+            <a:scrgbClr r="0" g="0" b="0"/>
           </a:fillRef>
-          <a:effectRef idx="1">
-            <a:schemeClr val="dk1"/>
+          <a:effectRef idx="0">
+            <a:scrgbClr r="0" g="0" b="0"/>
           </a:effectRef>
-          <a:fontRef idx="minor">
-            <a:schemeClr val="dk1"/>
-          </a:fontRef>
+          <a:fontRef idx="minor"/>
         </p:style>
         <p:txBody>
-          <a:bodyPr rtlCol="0" anchor="ctr"/>
+          <a:bodyPr wrap="square" lIns="90000" tIns="45000" rIns="90000" bIns="45000" anchor="t">
+            <a:spAutoFit/>
+          </a:bodyPr>
           <a:lstStyle/>
           <a:p>
-            <a:pPr algn="ctr"/>
-            <a:endParaRPr lang="es-AR"/>
+            <a:pPr>
+              <a:lnSpc>
+                <a:spcPct val="100000"/>
+              </a:lnSpc>
+            </a:pPr>
+            <a:r>
+              <a:rPr lang="es-ES" sz="1600" b="0" strike="noStrike" spc="-1" dirty="0" smtClean="0">
+                <a:solidFill>
+                  <a:srgbClr val="FFFFFF"/>
+                </a:solidFill>
+                <a:latin typeface="Alfabet Medium"/>
+                <a:ea typeface="DejaVu Sans"/>
+              </a:rPr>
+              <a:t>4.3 - Revisión en POF de Docentes Suplentes</a:t>
+            </a:r>
+            <a:endParaRPr lang="es-ES" sz="1600" b="0" strike="noStrike" spc="-1" dirty="0" smtClean="0">
+              <a:solidFill>
+                <a:srgbClr val="FFFFFF"/>
+              </a:solidFill>
+              <a:latin typeface="Alfabet Medium"/>
+              <a:ea typeface="DejaVu Sans"/>
+            </a:endParaRPr>
           </a:p>
         </p:txBody>
       </p:sp>
-      <p:sp>
-        <p:nvSpPr>
-          <p:cNvPr id="10" name="Elipse 9"/>
-          <p:cNvSpPr/>
+      <p:pic>
+        <p:nvPicPr>
+          <p:cNvPr id="3" name="Imagen 2"/>
+          <p:cNvPicPr>
+            <a:picLocks noChangeAspect="1"/>
+          </p:cNvPicPr>
           <p:nvPr/>
-        </p:nvSpPr>
-        <p:spPr>
-          <a:xfrm>
-            <a:off x="1637524" y="2522328"/>
-            <a:ext cx="144016" cy="144016"/>
-          </a:xfrm>
-          <a:prstGeom prst="ellipse">
-            <a:avLst/>
-          </a:prstGeom>
-        </p:spPr>
-        <p:style>
-          <a:lnRef idx="1">
-            <a:schemeClr val="dk1"/>
-          </a:lnRef>
-          <a:fillRef idx="2">
-            <a:schemeClr val="dk1"/>
-          </a:fillRef>
-          <a:effectRef idx="1">
-            <a:schemeClr val="dk1"/>
-          </a:effectRef>
-          <a:fontRef idx="minor">
-            <a:schemeClr val="dk1"/>
-          </a:fontRef>
-        </p:style>
-        <p:txBody>
-          <a:bodyPr rtlCol="0" anchor="ctr"/>
-          <a:lstStyle/>
-          <a:p>
-            <a:pPr algn="ctr"/>
-            <a:endParaRPr lang="es-AR"/>
-          </a:p>
-        </p:txBody>
-      </p:sp>
-      <p:sp>
-        <p:nvSpPr>
-          <p:cNvPr id="11" name="Elipse 10"/>
-          <p:cNvSpPr/>
-          <p:nvPr/>
-        </p:nvSpPr>
-        <p:spPr>
-          <a:xfrm>
-            <a:off x="1637524" y="2789072"/>
-            <a:ext cx="144016" cy="144016"/>
-          </a:xfrm>
-          <a:prstGeom prst="ellipse">
-            <a:avLst/>
-          </a:prstGeom>
-        </p:spPr>
-        <p:style>
-          <a:lnRef idx="1">
-            <a:schemeClr val="dk1"/>
-          </a:lnRef>
-          <a:fillRef idx="2">
-            <a:schemeClr val="dk1"/>
-          </a:fillRef>
-          <a:effectRef idx="1">
-            <a:schemeClr val="dk1"/>
-          </a:effectRef>
-          <a:fontRef idx="minor">
-            <a:schemeClr val="dk1"/>
-          </a:fontRef>
-        </p:style>
-        <p:txBody>
-          <a:bodyPr rtlCol="0" anchor="ctr"/>
-          <a:lstStyle/>
-          <a:p>
-            <a:pPr algn="ctr"/>
-            <a:endParaRPr lang="es-AR"/>
-          </a:p>
-        </p:txBody>
-      </p:sp>
+        </p:nvPicPr>
+        <p:blipFill>
+          <a:blip r:embed="rId6"/>
+          <a:stretch>
+            <a:fillRect/>
+          </a:stretch>
+        </p:blipFill>
+        <p:spPr>
+          <a:xfrm>
+            <a:off x="72008" y="2314324"/>
+            <a:ext cx="8964488" cy="2338812"/>
+          </a:xfrm>
+          <a:prstGeom prst="rect">
+            <a:avLst/>
+          </a:prstGeom>
+        </p:spPr>
+      </p:pic>
     </p:spTree>
+    <p:extLst>
+      <p:ext uri="{BB962C8B-B14F-4D97-AF65-F5344CB8AC3E}">
+        <p14:creationId xmlns:p14="http://schemas.microsoft.com/office/powerpoint/2010/main" val="2246279071"/>
+      </p:ext>
+    </p:extLst>
   </p:cSld>
   <p:clrMapOvr>
-    <a:masterClrMapping/>
+    <a:overrideClrMapping bg1="lt1" tx1="dk1" bg2="lt2" tx2="dk2" accent1="accent1" accent2="accent2" accent3="accent3" accent4="accent4" accent5="accent5" accent6="accent6" hlink="hlink" folHlink="folHlink"/>
   </p:clrMapOvr>
   <mc:AlternateContent xmlns:mc="http://schemas.openxmlformats.org/markup-compatibility/2006" xmlns:p14="http://schemas.microsoft.com/office/powerpoint/2010/main">
     <mc:Choice Requires="p14">
@@ -19308,17 +21069,7 @@
                 <a:latin typeface="Alfabet Medium"/>
                 <a:ea typeface="DejaVu Sans"/>
               </a:rPr>
-              <a:t>Este </a:t>
-            </a:r>
-            <a:r>
-              <a:rPr lang="es-ES" spc="-1" dirty="0" smtClean="0">
-                <a:solidFill>
-                  <a:srgbClr val="FFFFFF"/>
-                </a:solidFill>
-                <a:latin typeface="Alfabet Medium"/>
-                <a:ea typeface="DejaVu Sans"/>
-              </a:rPr>
-              <a:t>hito </a:t>
+              <a:t>Este hito </a:t>
             </a:r>
             <a:r>
               <a:rPr lang="es-ES" spc="-1" dirty="0">
@@ -19387,17 +21138,7 @@
                 <a:latin typeface="Alfabet Medium"/>
                 <a:ea typeface="DejaVu Sans"/>
               </a:rPr>
-              <a:t> del sistema</a:t>
-            </a:r>
-            <a:r>
-              <a:rPr lang="es-ES" spc="-1" dirty="0" smtClean="0">
-                <a:solidFill>
-                  <a:srgbClr val="FFFFFF"/>
-                </a:solidFill>
-                <a:latin typeface="Alfabet Medium"/>
-                <a:ea typeface="DejaVu Sans"/>
-              </a:rPr>
-              <a:t>.</a:t>
+              <a:t> del sistema.</a:t>
             </a:r>
             <a:endParaRPr lang="es-AR" spc="-1" dirty="0">
               <a:solidFill>
@@ -19715,6 +21456,1644 @@
 </p:sld>
 </file>
 
+<file path=ppt/slides/slide30.xml><?xml version="1.0" encoding="utf-8"?>
+<p:sld xmlns:a="http://schemas.openxmlformats.org/drawingml/2006/main" xmlns:r="http://schemas.openxmlformats.org/officeDocument/2006/relationships" xmlns:p="http://schemas.openxmlformats.org/presentationml/2006/main">
+  <p:cSld>
+    <p:bg>
+      <p:bgPr>
+        <a:solidFill>
+          <a:srgbClr val="174574"/>
+        </a:solidFill>
+        <a:effectLst/>
+      </p:bgPr>
+    </p:bg>
+    <p:spTree>
+      <p:nvGrpSpPr>
+        <p:cNvPr id="1" name=""/>
+        <p:cNvGrpSpPr/>
+        <p:nvPr/>
+      </p:nvGrpSpPr>
+      <p:grpSpPr>
+        <a:xfrm>
+          <a:off x="0" y="0"/>
+          <a:ext cx="0" cy="0"/>
+          <a:chOff x="0" y="0"/>
+          <a:chExt cx="0" cy="0"/>
+        </a:xfrm>
+      </p:grpSpPr>
+      <p:grpSp>
+        <p:nvGrpSpPr>
+          <p:cNvPr id="122" name="15 Grupo"/>
+          <p:cNvGrpSpPr/>
+          <p:nvPr/>
+        </p:nvGrpSpPr>
+        <p:grpSpPr>
+          <a:xfrm>
+            <a:off x="540000" y="482760"/>
+            <a:ext cx="6802560" cy="573480"/>
+            <a:chOff x="540000" y="482760"/>
+            <a:chExt cx="6802560" cy="573480"/>
+          </a:xfrm>
+        </p:grpSpPr>
+        <p:pic>
+          <p:nvPicPr>
+            <p:cNvPr id="123" name="Picture 2" descr="C:\Users\jpavoni\Downloads\ELEMENTOS PARA WEB\ELEMENTOS PARA WEB\CAPA 2 nueva\PARTICIPACION CIUDADANA\BANNERS Y BOTONES-02.jpg"/>
+            <p:cNvPicPr/>
+            <p:nvPr/>
+          </p:nvPicPr>
+          <p:blipFill>
+            <a:blip r:embed="rId4" cstate="print"/>
+            <a:srcRect l="5396" t="37233" r="86991" b="50737"/>
+            <a:stretch/>
+          </p:blipFill>
+          <p:spPr>
+            <a:xfrm>
+              <a:off x="540000" y="482760"/>
+              <a:ext cx="645480" cy="573480"/>
+            </a:xfrm>
+            <a:prstGeom prst="rect">
+              <a:avLst/>
+            </a:prstGeom>
+            <a:ln w="0">
+              <a:noFill/>
+            </a:ln>
+          </p:spPr>
+        </p:pic>
+        <p:sp>
+          <p:nvSpPr>
+            <p:cNvPr id="124" name="13 Rectángulo"/>
+            <p:cNvSpPr/>
+            <p:nvPr/>
+          </p:nvSpPr>
+          <p:spPr>
+            <a:xfrm>
+              <a:off x="1008360" y="482760"/>
+              <a:ext cx="6334200" cy="521766"/>
+            </a:xfrm>
+            <a:prstGeom prst="rect">
+              <a:avLst/>
+            </a:prstGeom>
+            <a:noFill/>
+            <a:ln w="0">
+              <a:noFill/>
+            </a:ln>
+          </p:spPr>
+          <p:style>
+            <a:lnRef idx="0">
+              <a:scrgbClr r="0" g="0" b="0"/>
+            </a:lnRef>
+            <a:fillRef idx="0">
+              <a:scrgbClr r="0" g="0" b="0"/>
+            </a:fillRef>
+            <a:effectRef idx="0">
+              <a:scrgbClr r="0" g="0" b="0"/>
+            </a:effectRef>
+            <a:fontRef idx="minor"/>
+          </p:style>
+          <p:txBody>
+            <a:bodyPr lIns="90000" tIns="45000" rIns="90000" bIns="45000" anchor="t">
+              <a:spAutoFit/>
+            </a:bodyPr>
+            <a:lstStyle/>
+            <a:p>
+              <a:pPr>
+                <a:lnSpc>
+                  <a:spcPct val="100000"/>
+                </a:lnSpc>
+              </a:pPr>
+              <a:r>
+                <a:rPr lang="es-MX" sz="2800" spc="-1" dirty="0">
+                  <a:solidFill>
+                    <a:srgbClr val="FFFFFF"/>
+                  </a:solidFill>
+                  <a:latin typeface="Alfabet ExtraBold"/>
+                  <a:ea typeface="Roboto Medium"/>
+                </a:rPr>
+                <a:t>Hito 1 - Entregables</a:t>
+              </a:r>
+              <a:endParaRPr lang="es-AR" sz="2800" b="0" strike="noStrike" spc="-1" dirty="0">
+                <a:latin typeface="Arial"/>
+              </a:endParaRPr>
+            </a:p>
+          </p:txBody>
+        </p:sp>
+      </p:grpSp>
+      <p:pic>
+        <p:nvPicPr>
+          <p:cNvPr id="142" name="141 Imagen"/>
+          <p:cNvPicPr/>
+          <p:nvPr/>
+        </p:nvPicPr>
+        <p:blipFill>
+          <a:blip r:embed="rId5" cstate="print"/>
+          <a:stretch/>
+        </p:blipFill>
+        <p:spPr>
+          <a:xfrm>
+            <a:off x="360" y="5897520"/>
+            <a:ext cx="9143280" cy="960120"/>
+          </a:xfrm>
+          <a:prstGeom prst="rect">
+            <a:avLst/>
+          </a:prstGeom>
+          <a:ln w="0">
+            <a:noFill/>
+          </a:ln>
+        </p:spPr>
+      </p:pic>
+      <p:sp>
+        <p:nvSpPr>
+          <p:cNvPr id="23" name="CuadroTexto 2"/>
+          <p:cNvSpPr/>
+          <p:nvPr/>
+        </p:nvSpPr>
+        <p:spPr>
+          <a:xfrm>
+            <a:off x="558546" y="1124744"/>
+            <a:ext cx="8208464" cy="398655"/>
+          </a:xfrm>
+          <a:prstGeom prst="rect">
+            <a:avLst/>
+          </a:prstGeom>
+          <a:noFill/>
+          <a:ln w="0">
+            <a:noFill/>
+          </a:ln>
+        </p:spPr>
+        <p:style>
+          <a:lnRef idx="0">
+            <a:scrgbClr r="0" g="0" b="0"/>
+          </a:lnRef>
+          <a:fillRef idx="0">
+            <a:scrgbClr r="0" g="0" b="0"/>
+          </a:fillRef>
+          <a:effectRef idx="0">
+            <a:scrgbClr r="0" g="0" b="0"/>
+          </a:effectRef>
+          <a:fontRef idx="minor"/>
+        </p:style>
+        <p:txBody>
+          <a:bodyPr wrap="square" lIns="90000" tIns="45000" rIns="90000" bIns="45000" anchor="t">
+            <a:spAutoFit/>
+          </a:bodyPr>
+          <a:lstStyle/>
+          <a:p>
+            <a:pPr>
+              <a:lnSpc>
+                <a:spcPct val="100000"/>
+              </a:lnSpc>
+            </a:pPr>
+            <a:r>
+              <a:rPr lang="es-ES" sz="2000" b="0" strike="noStrike" spc="-1" dirty="0" smtClean="0">
+                <a:solidFill>
+                  <a:srgbClr val="FFFFFF"/>
+                </a:solidFill>
+                <a:latin typeface="Alfabet Medium"/>
+                <a:ea typeface="DejaVu Sans"/>
+              </a:rPr>
+              <a:t>4 - Consolidar Mecanizada - POF</a:t>
+            </a:r>
+            <a:endParaRPr lang="es-ES" sz="2000" b="0" strike="noStrike" spc="-1" dirty="0" smtClean="0">
+              <a:solidFill>
+                <a:srgbClr val="FFFFFF"/>
+              </a:solidFill>
+              <a:latin typeface="Alfabet Medium"/>
+              <a:ea typeface="DejaVu Sans"/>
+            </a:endParaRPr>
+          </a:p>
+        </p:txBody>
+      </p:sp>
+      <p:sp>
+        <p:nvSpPr>
+          <p:cNvPr id="10" name="CuadroTexto 2"/>
+          <p:cNvSpPr/>
+          <p:nvPr/>
+        </p:nvSpPr>
+        <p:spPr>
+          <a:xfrm>
+            <a:off x="756024" y="1518177"/>
+            <a:ext cx="8208464" cy="337100"/>
+          </a:xfrm>
+          <a:prstGeom prst="rect">
+            <a:avLst/>
+          </a:prstGeom>
+          <a:noFill/>
+          <a:ln w="0">
+            <a:noFill/>
+          </a:ln>
+        </p:spPr>
+        <p:style>
+          <a:lnRef idx="0">
+            <a:scrgbClr r="0" g="0" b="0"/>
+          </a:lnRef>
+          <a:fillRef idx="0">
+            <a:scrgbClr r="0" g="0" b="0"/>
+          </a:fillRef>
+          <a:effectRef idx="0">
+            <a:scrgbClr r="0" g="0" b="0"/>
+          </a:effectRef>
+          <a:fontRef idx="minor"/>
+        </p:style>
+        <p:txBody>
+          <a:bodyPr wrap="square" lIns="90000" tIns="45000" rIns="90000" bIns="45000" anchor="t">
+            <a:spAutoFit/>
+          </a:bodyPr>
+          <a:lstStyle/>
+          <a:p>
+            <a:pPr>
+              <a:lnSpc>
+                <a:spcPct val="100000"/>
+              </a:lnSpc>
+            </a:pPr>
+            <a:r>
+              <a:rPr lang="es-ES" sz="1600" b="0" strike="noStrike" spc="-1" dirty="0" smtClean="0">
+                <a:solidFill>
+                  <a:srgbClr val="FFFFFF"/>
+                </a:solidFill>
+                <a:latin typeface="Alfabet Medium"/>
+                <a:ea typeface="DejaVu Sans"/>
+              </a:rPr>
+              <a:t>4.4 - Generar Consolidación</a:t>
+            </a:r>
+            <a:endParaRPr lang="es-ES" sz="1600" b="0" strike="noStrike" spc="-1" dirty="0" smtClean="0">
+              <a:solidFill>
+                <a:srgbClr val="FFFFFF"/>
+              </a:solidFill>
+              <a:latin typeface="Alfabet Medium"/>
+              <a:ea typeface="DejaVu Sans"/>
+            </a:endParaRPr>
+          </a:p>
+        </p:txBody>
+      </p:sp>
+      <p:sp>
+        <p:nvSpPr>
+          <p:cNvPr id="9" name="CuadroTexto 2"/>
+          <p:cNvSpPr/>
+          <p:nvPr/>
+        </p:nvSpPr>
+        <p:spPr>
+          <a:xfrm>
+            <a:off x="558546" y="2304455"/>
+            <a:ext cx="8045454" cy="2060649"/>
+          </a:xfrm>
+          <a:prstGeom prst="rect">
+            <a:avLst/>
+          </a:prstGeom>
+          <a:noFill/>
+          <a:ln w="0">
+            <a:noFill/>
+          </a:ln>
+        </p:spPr>
+        <p:style>
+          <a:lnRef idx="0">
+            <a:scrgbClr r="0" g="0" b="0"/>
+          </a:lnRef>
+          <a:fillRef idx="0">
+            <a:scrgbClr r="0" g="0" b="0"/>
+          </a:fillRef>
+          <a:effectRef idx="0">
+            <a:scrgbClr r="0" g="0" b="0"/>
+          </a:effectRef>
+          <a:fontRef idx="minor"/>
+        </p:style>
+        <p:txBody>
+          <a:bodyPr wrap="square" lIns="90000" tIns="45000" rIns="90000" bIns="45000" anchor="t">
+            <a:spAutoFit/>
+          </a:bodyPr>
+          <a:lstStyle/>
+          <a:p>
+            <a:pPr marL="285750" indent="-285750">
+              <a:spcBef>
+                <a:spcPts val="600"/>
+              </a:spcBef>
+              <a:spcAft>
+                <a:spcPts val="600"/>
+              </a:spcAft>
+              <a:buFont typeface="Courier New" panose="02070309020205020404" pitchFamily="49" charset="0"/>
+              <a:buChar char="o"/>
+            </a:pPr>
+            <a:r>
+              <a:rPr lang="es-ES" spc="-1" dirty="0" smtClean="0">
+                <a:solidFill>
+                  <a:srgbClr val="FFFFFF"/>
+                </a:solidFill>
+                <a:latin typeface="Alfabet Medium"/>
+                <a:ea typeface="DejaVu Sans"/>
+              </a:rPr>
+              <a:t>Realiza el cierre de la Consolidación de la Mecanizada de un Establecimiento-Cabecera específicos.</a:t>
+            </a:r>
+          </a:p>
+          <a:p>
+            <a:pPr marL="285750" indent="-285750">
+              <a:spcBef>
+                <a:spcPts val="600"/>
+              </a:spcBef>
+              <a:spcAft>
+                <a:spcPts val="600"/>
+              </a:spcAft>
+              <a:buFont typeface="Courier New" panose="02070309020205020404" pitchFamily="49" charset="0"/>
+              <a:buChar char="o"/>
+            </a:pPr>
+            <a:r>
+              <a:rPr lang="es-ES" spc="-1" dirty="0" smtClean="0">
+                <a:solidFill>
+                  <a:srgbClr val="FFFFFF"/>
+                </a:solidFill>
+                <a:latin typeface="Alfabet Medium"/>
+                <a:ea typeface="DejaVu Sans"/>
+              </a:rPr>
+              <a:t>Una vez realizada la Consolidación no será posible introducir cambios</a:t>
+            </a:r>
+          </a:p>
+          <a:p>
+            <a:pPr marL="285750" indent="-285750">
+              <a:spcBef>
+                <a:spcPts val="600"/>
+              </a:spcBef>
+              <a:spcAft>
+                <a:spcPts val="600"/>
+              </a:spcAft>
+              <a:buFont typeface="Courier New" panose="02070309020205020404" pitchFamily="49" charset="0"/>
+              <a:buChar char="o"/>
+            </a:pPr>
+            <a:r>
+              <a:rPr lang="es-ES" spc="-1" dirty="0" smtClean="0">
+                <a:solidFill>
+                  <a:srgbClr val="FFFFFF"/>
+                </a:solidFill>
+                <a:latin typeface="Alfabet Medium"/>
+                <a:ea typeface="DejaVu Sans"/>
+              </a:rPr>
+              <a:t>Si se detectara algún error o faltante, se deberá recurrir a la opción de Reversión para volver a importar el archivo plano.</a:t>
+            </a:r>
+          </a:p>
+        </p:txBody>
+      </p:sp>
+    </p:spTree>
+    <p:extLst>
+      <p:ext uri="{BB962C8B-B14F-4D97-AF65-F5344CB8AC3E}">
+        <p14:creationId xmlns:p14="http://schemas.microsoft.com/office/powerpoint/2010/main" val="2826702494"/>
+      </p:ext>
+    </p:extLst>
+  </p:cSld>
+  <p:clrMapOvr>
+    <a:overrideClrMapping bg1="lt1" tx1="dk1" bg2="lt2" tx2="dk2" accent1="accent1" accent2="accent2" accent3="accent3" accent4="accent4" accent5="accent5" accent6="accent6" hlink="hlink" folHlink="folHlink"/>
+  </p:clrMapOvr>
+  <mc:AlternateContent xmlns:mc="http://schemas.openxmlformats.org/markup-compatibility/2006" xmlns:p14="http://schemas.microsoft.com/office/powerpoint/2010/main">
+    <mc:Choice Requires="p14">
+      <p:transition spd="slow" p14:dur="2000"/>
+    </mc:Choice>
+    <mc:Fallback xmlns="">
+      <p:transition spd="slow"/>
+    </mc:Fallback>
+  </mc:AlternateContent>
+  <p:timing>
+    <p:tnLst>
+      <p:par>
+        <p:cTn id="1" dur="indefinite" restart="never" nodeType="tmRoot"/>
+      </p:par>
+    </p:tnLst>
+  </p:timing>
+</p:sld>
+</file>
+
+<file path=ppt/slides/slide31.xml><?xml version="1.0" encoding="utf-8"?>
+<p:sld xmlns:a="http://schemas.openxmlformats.org/drawingml/2006/main" xmlns:r="http://schemas.openxmlformats.org/officeDocument/2006/relationships" xmlns:p="http://schemas.openxmlformats.org/presentationml/2006/main">
+  <p:cSld>
+    <p:bg>
+      <p:bgPr>
+        <a:solidFill>
+          <a:srgbClr val="174574"/>
+        </a:solidFill>
+        <a:effectLst/>
+      </p:bgPr>
+    </p:bg>
+    <p:spTree>
+      <p:nvGrpSpPr>
+        <p:cNvPr id="1" name=""/>
+        <p:cNvGrpSpPr/>
+        <p:nvPr/>
+      </p:nvGrpSpPr>
+      <p:grpSpPr>
+        <a:xfrm>
+          <a:off x="0" y="0"/>
+          <a:ext cx="0" cy="0"/>
+          <a:chOff x="0" y="0"/>
+          <a:chExt cx="0" cy="0"/>
+        </a:xfrm>
+      </p:grpSpPr>
+      <p:grpSp>
+        <p:nvGrpSpPr>
+          <p:cNvPr id="122" name="15 Grupo"/>
+          <p:cNvGrpSpPr/>
+          <p:nvPr/>
+        </p:nvGrpSpPr>
+        <p:grpSpPr>
+          <a:xfrm>
+            <a:off x="540000" y="482760"/>
+            <a:ext cx="6802560" cy="573480"/>
+            <a:chOff x="540000" y="482760"/>
+            <a:chExt cx="6802560" cy="573480"/>
+          </a:xfrm>
+        </p:grpSpPr>
+        <p:pic>
+          <p:nvPicPr>
+            <p:cNvPr id="123" name="Picture 2" descr="C:\Users\jpavoni\Downloads\ELEMENTOS PARA WEB\ELEMENTOS PARA WEB\CAPA 2 nueva\PARTICIPACION CIUDADANA\BANNERS Y BOTONES-02.jpg"/>
+            <p:cNvPicPr/>
+            <p:nvPr/>
+          </p:nvPicPr>
+          <p:blipFill>
+            <a:blip r:embed="rId3" cstate="print"/>
+            <a:srcRect l="5396" t="37233" r="86991" b="50737"/>
+            <a:stretch/>
+          </p:blipFill>
+          <p:spPr>
+            <a:xfrm>
+              <a:off x="540000" y="482760"/>
+              <a:ext cx="645480" cy="573480"/>
+            </a:xfrm>
+            <a:prstGeom prst="rect">
+              <a:avLst/>
+            </a:prstGeom>
+            <a:ln w="0">
+              <a:noFill/>
+            </a:ln>
+          </p:spPr>
+        </p:pic>
+        <p:sp>
+          <p:nvSpPr>
+            <p:cNvPr id="124" name="13 Rectángulo"/>
+            <p:cNvSpPr/>
+            <p:nvPr/>
+          </p:nvSpPr>
+          <p:spPr>
+            <a:xfrm>
+              <a:off x="1008360" y="482760"/>
+              <a:ext cx="6334200" cy="521766"/>
+            </a:xfrm>
+            <a:prstGeom prst="rect">
+              <a:avLst/>
+            </a:prstGeom>
+            <a:noFill/>
+            <a:ln w="0">
+              <a:noFill/>
+            </a:ln>
+          </p:spPr>
+          <p:style>
+            <a:lnRef idx="0">
+              <a:scrgbClr r="0" g="0" b="0"/>
+            </a:lnRef>
+            <a:fillRef idx="0">
+              <a:scrgbClr r="0" g="0" b="0"/>
+            </a:fillRef>
+            <a:effectRef idx="0">
+              <a:scrgbClr r="0" g="0" b="0"/>
+            </a:effectRef>
+            <a:fontRef idx="minor"/>
+          </p:style>
+          <p:txBody>
+            <a:bodyPr lIns="90000" tIns="45000" rIns="90000" bIns="45000" anchor="t">
+              <a:spAutoFit/>
+            </a:bodyPr>
+            <a:lstStyle/>
+            <a:p>
+              <a:pPr>
+                <a:lnSpc>
+                  <a:spcPct val="100000"/>
+                </a:lnSpc>
+              </a:pPr>
+              <a:r>
+                <a:rPr lang="es-MX" sz="2800" spc="-1" dirty="0">
+                  <a:solidFill>
+                    <a:srgbClr val="FFFFFF"/>
+                  </a:solidFill>
+                  <a:latin typeface="Alfabet ExtraBold"/>
+                  <a:ea typeface="Roboto Medium"/>
+                </a:rPr>
+                <a:t>Hito 1 -</a:t>
+              </a:r>
+              <a:r>
+                <a:rPr lang="es-MX" sz="2800" spc="-1" dirty="0" smtClean="0">
+                  <a:solidFill>
+                    <a:srgbClr val="FFFFFF"/>
+                  </a:solidFill>
+                  <a:latin typeface="Alfabet ExtraBold"/>
+                  <a:ea typeface="Roboto Medium"/>
+                </a:rPr>
+                <a:t> Beneficios Inmediatos</a:t>
+              </a:r>
+              <a:endParaRPr lang="es-AR" sz="2800" b="0" strike="noStrike" spc="-1" dirty="0">
+                <a:latin typeface="Arial"/>
+              </a:endParaRPr>
+            </a:p>
+          </p:txBody>
+        </p:sp>
+      </p:grpSp>
+      <p:pic>
+        <p:nvPicPr>
+          <p:cNvPr id="142" name="141 Imagen"/>
+          <p:cNvPicPr/>
+          <p:nvPr/>
+        </p:nvPicPr>
+        <p:blipFill>
+          <a:blip r:embed="rId4" cstate="print"/>
+          <a:stretch/>
+        </p:blipFill>
+        <p:spPr>
+          <a:xfrm>
+            <a:off x="360" y="5897520"/>
+            <a:ext cx="9143280" cy="960120"/>
+          </a:xfrm>
+          <a:prstGeom prst="rect">
+            <a:avLst/>
+          </a:prstGeom>
+          <a:ln w="0">
+            <a:noFill/>
+          </a:ln>
+        </p:spPr>
+      </p:pic>
+      <p:sp>
+        <p:nvSpPr>
+          <p:cNvPr id="8" name="CuadroTexto 2"/>
+          <p:cNvSpPr/>
+          <p:nvPr/>
+        </p:nvSpPr>
+        <p:spPr>
+          <a:xfrm>
+            <a:off x="540000" y="1641282"/>
+            <a:ext cx="8208464" cy="3476421"/>
+          </a:xfrm>
+          <a:prstGeom prst="rect">
+            <a:avLst/>
+          </a:prstGeom>
+          <a:noFill/>
+          <a:ln w="0">
+            <a:noFill/>
+          </a:ln>
+        </p:spPr>
+        <p:style>
+          <a:lnRef idx="0">
+            <a:scrgbClr r="0" g="0" b="0"/>
+          </a:lnRef>
+          <a:fillRef idx="0">
+            <a:scrgbClr r="0" g="0" b="0"/>
+          </a:fillRef>
+          <a:effectRef idx="0">
+            <a:scrgbClr r="0" g="0" b="0"/>
+          </a:effectRef>
+          <a:fontRef idx="minor"/>
+        </p:style>
+        <p:txBody>
+          <a:bodyPr wrap="square" lIns="90000" tIns="45000" rIns="90000" bIns="45000" anchor="t">
+            <a:spAutoFit/>
+          </a:bodyPr>
+          <a:lstStyle/>
+          <a:p>
+            <a:pPr marL="342900" lvl="0" indent="-342900">
+              <a:buFont typeface="Arial" panose="020B0604020202020204" pitchFamily="34" charset="0"/>
+              <a:buChar char="•"/>
+            </a:pPr>
+            <a:r>
+              <a:rPr lang="es-ES" sz="2000" spc="-1" dirty="0" smtClean="0">
+                <a:solidFill>
+                  <a:srgbClr val="FFFFFF"/>
+                </a:solidFill>
+                <a:latin typeface="Alfabet Medium"/>
+                <a:ea typeface="DejaVu Sans"/>
+              </a:rPr>
+              <a:t>Seguridad: control riguroso de acceso y auditoría de actividades</a:t>
+            </a:r>
+          </a:p>
+          <a:p>
+            <a:pPr marL="342900" lvl="0" indent="-342900">
+              <a:buFont typeface="Arial" panose="020B0604020202020204" pitchFamily="34" charset="0"/>
+              <a:buChar char="•"/>
+            </a:pPr>
+            <a:endParaRPr lang="es-ES" sz="2000" spc="-1" dirty="0" smtClean="0">
+              <a:solidFill>
+                <a:srgbClr val="FFFFFF"/>
+              </a:solidFill>
+              <a:latin typeface="Alfabet Medium"/>
+              <a:ea typeface="DejaVu Sans"/>
+            </a:endParaRPr>
+          </a:p>
+          <a:p>
+            <a:pPr marL="342900" lvl="0" indent="-342900">
+              <a:buFont typeface="Arial" panose="020B0604020202020204" pitchFamily="34" charset="0"/>
+              <a:buChar char="•"/>
+            </a:pPr>
+            <a:r>
+              <a:rPr lang="es-ES" sz="2000" spc="-1" dirty="0" smtClean="0">
+                <a:solidFill>
+                  <a:srgbClr val="FFFFFF"/>
+                </a:solidFill>
+                <a:latin typeface="Alfabet Medium"/>
+                <a:ea typeface="DejaVu Sans"/>
+              </a:rPr>
+              <a:t>Estandarización de datos: gestión centralizada de las paramétricas que alimentan todo el sistema</a:t>
+            </a:r>
+          </a:p>
+          <a:p>
+            <a:pPr marL="342900" lvl="0" indent="-342900">
+              <a:buFont typeface="Arial" panose="020B0604020202020204" pitchFamily="34" charset="0"/>
+              <a:buChar char="•"/>
+            </a:pPr>
+            <a:endParaRPr lang="es-ES" sz="2000" spc="-1" dirty="0" smtClean="0">
+              <a:solidFill>
+                <a:srgbClr val="FFFFFF"/>
+              </a:solidFill>
+              <a:latin typeface="Alfabet Medium"/>
+              <a:ea typeface="DejaVu Sans"/>
+            </a:endParaRPr>
+          </a:p>
+          <a:p>
+            <a:pPr marL="342900" lvl="0" indent="-342900">
+              <a:buFont typeface="Arial" panose="020B0604020202020204" pitchFamily="34" charset="0"/>
+              <a:buChar char="•"/>
+            </a:pPr>
+            <a:r>
+              <a:rPr lang="es-ES" sz="2000" spc="-1" dirty="0" smtClean="0">
+                <a:solidFill>
+                  <a:srgbClr val="FFFFFF"/>
+                </a:solidFill>
+                <a:latin typeface="Alfabet Medium"/>
+                <a:ea typeface="DejaVu Sans"/>
+              </a:rPr>
+              <a:t>Automatización: procesamiento automatizado de archivos mecanizados, reduciendo errores manuales</a:t>
+            </a:r>
+          </a:p>
+          <a:p>
+            <a:pPr marL="342900" lvl="0" indent="-342900">
+              <a:buFont typeface="Arial" panose="020B0604020202020204" pitchFamily="34" charset="0"/>
+              <a:buChar char="•"/>
+            </a:pPr>
+            <a:endParaRPr lang="es-ES" sz="2000" spc="-1" dirty="0" smtClean="0">
+              <a:solidFill>
+                <a:srgbClr val="FFFFFF"/>
+              </a:solidFill>
+              <a:latin typeface="Alfabet Medium"/>
+              <a:ea typeface="DejaVu Sans"/>
+            </a:endParaRPr>
+          </a:p>
+          <a:p>
+            <a:pPr marL="342900" lvl="0" indent="-342900">
+              <a:buFont typeface="Arial" panose="020B0604020202020204" pitchFamily="34" charset="0"/>
+              <a:buChar char="•"/>
+            </a:pPr>
+            <a:r>
+              <a:rPr lang="es-ES" sz="2000" spc="-1" dirty="0" smtClean="0">
+                <a:solidFill>
+                  <a:srgbClr val="FFFFFF"/>
+                </a:solidFill>
+                <a:latin typeface="Alfabet Medium"/>
+                <a:ea typeface="DejaVu Sans"/>
+              </a:rPr>
+              <a:t>Flexibilidad: facilidad para corregir errores en los archivos y reprocesarlos sin afectar los datos ya cargados</a:t>
+            </a:r>
+            <a:endParaRPr lang="es-AR" sz="2000" spc="-1" dirty="0">
+              <a:solidFill>
+                <a:srgbClr val="FFFFFF"/>
+              </a:solidFill>
+              <a:latin typeface="Alfabet Medium"/>
+              <a:ea typeface="DejaVu Sans"/>
+            </a:endParaRPr>
+          </a:p>
+        </p:txBody>
+      </p:sp>
+    </p:spTree>
+    <p:extLst>
+      <p:ext uri="{BB962C8B-B14F-4D97-AF65-F5344CB8AC3E}">
+        <p14:creationId xmlns:p14="http://schemas.microsoft.com/office/powerpoint/2010/main" val="209534811"/>
+      </p:ext>
+    </p:extLst>
+  </p:cSld>
+  <p:clrMapOvr>
+    <a:masterClrMapping/>
+  </p:clrMapOvr>
+  <mc:AlternateContent xmlns:mc="http://schemas.openxmlformats.org/markup-compatibility/2006" xmlns:p14="http://schemas.microsoft.com/office/powerpoint/2010/main">
+    <mc:Choice Requires="p14">
+      <p:transition spd="slow" p14:dur="2000"/>
+    </mc:Choice>
+    <mc:Fallback xmlns="">
+      <p:transition spd="slow"/>
+    </mc:Fallback>
+  </mc:AlternateContent>
+  <p:timing>
+    <p:tnLst>
+      <p:par>
+        <p:cTn id="1" dur="indefinite" restart="never" nodeType="tmRoot"/>
+      </p:par>
+    </p:tnLst>
+  </p:timing>
+</p:sld>
+</file>
+
+<file path=ppt/slides/slide32.xml><?xml version="1.0" encoding="utf-8"?>
+<p:sld xmlns:a="http://schemas.openxmlformats.org/drawingml/2006/main" xmlns:r="http://schemas.openxmlformats.org/officeDocument/2006/relationships" xmlns:p="http://schemas.openxmlformats.org/presentationml/2006/main">
+  <p:cSld>
+    <p:bg>
+      <p:bgPr>
+        <a:solidFill>
+          <a:srgbClr val="174574"/>
+        </a:solidFill>
+        <a:effectLst/>
+      </p:bgPr>
+    </p:bg>
+    <p:spTree>
+      <p:nvGrpSpPr>
+        <p:cNvPr id="1" name=""/>
+        <p:cNvGrpSpPr/>
+        <p:nvPr/>
+      </p:nvGrpSpPr>
+      <p:grpSpPr>
+        <a:xfrm>
+          <a:off x="0" y="0"/>
+          <a:ext cx="0" cy="0"/>
+          <a:chOff x="0" y="0"/>
+          <a:chExt cx="0" cy="0"/>
+        </a:xfrm>
+      </p:grpSpPr>
+      <p:grpSp>
+        <p:nvGrpSpPr>
+          <p:cNvPr id="122" name="15 Grupo"/>
+          <p:cNvGrpSpPr/>
+          <p:nvPr/>
+        </p:nvGrpSpPr>
+        <p:grpSpPr>
+          <a:xfrm>
+            <a:off x="540000" y="482760"/>
+            <a:ext cx="6802560" cy="573480"/>
+            <a:chOff x="540000" y="482760"/>
+            <a:chExt cx="6802560" cy="573480"/>
+          </a:xfrm>
+        </p:grpSpPr>
+        <p:pic>
+          <p:nvPicPr>
+            <p:cNvPr id="123" name="Picture 2" descr="C:\Users\jpavoni\Downloads\ELEMENTOS PARA WEB\ELEMENTOS PARA WEB\CAPA 2 nueva\PARTICIPACION CIUDADANA\BANNERS Y BOTONES-02.jpg"/>
+            <p:cNvPicPr/>
+            <p:nvPr/>
+          </p:nvPicPr>
+          <p:blipFill>
+            <a:blip r:embed="rId3" cstate="print"/>
+            <a:srcRect l="5396" t="37233" r="86991" b="50737"/>
+            <a:stretch/>
+          </p:blipFill>
+          <p:spPr>
+            <a:xfrm>
+              <a:off x="540000" y="482760"/>
+              <a:ext cx="645480" cy="573480"/>
+            </a:xfrm>
+            <a:prstGeom prst="rect">
+              <a:avLst/>
+            </a:prstGeom>
+            <a:ln w="0">
+              <a:noFill/>
+            </a:ln>
+          </p:spPr>
+        </p:pic>
+        <p:sp>
+          <p:nvSpPr>
+            <p:cNvPr id="124" name="13 Rectángulo"/>
+            <p:cNvSpPr/>
+            <p:nvPr/>
+          </p:nvSpPr>
+          <p:spPr>
+            <a:xfrm>
+              <a:off x="1008360" y="482760"/>
+              <a:ext cx="6334200" cy="521766"/>
+            </a:xfrm>
+            <a:prstGeom prst="rect">
+              <a:avLst/>
+            </a:prstGeom>
+            <a:noFill/>
+            <a:ln w="0">
+              <a:noFill/>
+            </a:ln>
+          </p:spPr>
+          <p:style>
+            <a:lnRef idx="0">
+              <a:scrgbClr r="0" g="0" b="0"/>
+            </a:lnRef>
+            <a:fillRef idx="0">
+              <a:scrgbClr r="0" g="0" b="0"/>
+            </a:fillRef>
+            <a:effectRef idx="0">
+              <a:scrgbClr r="0" g="0" b="0"/>
+            </a:effectRef>
+            <a:fontRef idx="minor"/>
+          </p:style>
+          <p:txBody>
+            <a:bodyPr lIns="90000" tIns="45000" rIns="90000" bIns="45000" anchor="t">
+              <a:spAutoFit/>
+            </a:bodyPr>
+            <a:lstStyle/>
+            <a:p>
+              <a:pPr>
+                <a:lnSpc>
+                  <a:spcPct val="100000"/>
+                </a:lnSpc>
+              </a:pPr>
+              <a:r>
+                <a:rPr lang="es-MX" sz="2800" spc="-1" dirty="0">
+                  <a:solidFill>
+                    <a:srgbClr val="FFFFFF"/>
+                  </a:solidFill>
+                  <a:latin typeface="Alfabet ExtraBold"/>
+                  <a:ea typeface="Roboto Medium"/>
+                </a:rPr>
+                <a:t>Hito 1 </a:t>
+              </a:r>
+              <a:r>
+                <a:rPr lang="es-MX" sz="2800" spc="-1" dirty="0" smtClean="0">
+                  <a:solidFill>
+                    <a:srgbClr val="FFFFFF"/>
+                  </a:solidFill>
+                  <a:latin typeface="Alfabet ExtraBold"/>
+                  <a:ea typeface="Roboto Medium"/>
+                </a:rPr>
+                <a:t>- Próximos Pasos</a:t>
+              </a:r>
+              <a:endParaRPr lang="es-AR" sz="2800" b="0" strike="noStrike" spc="-1" dirty="0">
+                <a:latin typeface="Arial"/>
+              </a:endParaRPr>
+            </a:p>
+          </p:txBody>
+        </p:sp>
+      </p:grpSp>
+      <p:pic>
+        <p:nvPicPr>
+          <p:cNvPr id="142" name="141 Imagen"/>
+          <p:cNvPicPr/>
+          <p:nvPr/>
+        </p:nvPicPr>
+        <p:blipFill>
+          <a:blip r:embed="rId4" cstate="print"/>
+          <a:stretch/>
+        </p:blipFill>
+        <p:spPr>
+          <a:xfrm>
+            <a:off x="360" y="5897520"/>
+            <a:ext cx="9143280" cy="960120"/>
+          </a:xfrm>
+          <a:prstGeom prst="rect">
+            <a:avLst/>
+          </a:prstGeom>
+          <a:ln w="0">
+            <a:noFill/>
+          </a:ln>
+        </p:spPr>
+      </p:pic>
+      <p:sp>
+        <p:nvSpPr>
+          <p:cNvPr id="8" name="CuadroTexto 2"/>
+          <p:cNvSpPr/>
+          <p:nvPr/>
+        </p:nvSpPr>
+        <p:spPr>
+          <a:xfrm>
+            <a:off x="540000" y="1641282"/>
+            <a:ext cx="8208464" cy="3784198"/>
+          </a:xfrm>
+          <a:prstGeom prst="rect">
+            <a:avLst/>
+          </a:prstGeom>
+          <a:noFill/>
+          <a:ln w="0">
+            <a:noFill/>
+          </a:ln>
+        </p:spPr>
+        <p:style>
+          <a:lnRef idx="0">
+            <a:scrgbClr r="0" g="0" b="0"/>
+          </a:lnRef>
+          <a:fillRef idx="0">
+            <a:scrgbClr r="0" g="0" b="0"/>
+          </a:fillRef>
+          <a:effectRef idx="0">
+            <a:scrgbClr r="0" g="0" b="0"/>
+          </a:effectRef>
+          <a:fontRef idx="minor"/>
+        </p:style>
+        <p:txBody>
+          <a:bodyPr wrap="square" lIns="90000" tIns="45000" rIns="90000" bIns="45000" anchor="t">
+            <a:spAutoFit/>
+          </a:bodyPr>
+          <a:lstStyle/>
+          <a:p>
+            <a:pPr marL="342900" lvl="0" indent="-342900">
+              <a:spcBef>
+                <a:spcPts val="600"/>
+              </a:spcBef>
+              <a:spcAft>
+                <a:spcPts val="600"/>
+              </a:spcAft>
+              <a:buFont typeface="Arial" panose="020B0604020202020204" pitchFamily="34" charset="0"/>
+              <a:buChar char="•"/>
+            </a:pPr>
+            <a:r>
+              <a:rPr lang="es-ES" sz="2000" spc="-1" dirty="0" smtClean="0">
+                <a:solidFill>
+                  <a:srgbClr val="FFFFFF"/>
+                </a:solidFill>
+                <a:latin typeface="Alfabet Medium"/>
+                <a:ea typeface="DejaVu Sans"/>
+              </a:rPr>
+              <a:t>Testeo de alta y </a:t>
+            </a:r>
+            <a:r>
+              <a:rPr lang="es-ES" sz="2000" spc="-1" dirty="0" err="1" smtClean="0">
+                <a:solidFill>
+                  <a:srgbClr val="FFFFFF"/>
+                </a:solidFill>
+                <a:latin typeface="Alfabet Medium"/>
+                <a:ea typeface="DejaVu Sans"/>
+              </a:rPr>
+              <a:t>login</a:t>
+            </a:r>
+            <a:r>
+              <a:rPr lang="es-ES" sz="2000" spc="-1" dirty="0" smtClean="0">
+                <a:solidFill>
+                  <a:srgbClr val="FFFFFF"/>
+                </a:solidFill>
+                <a:latin typeface="Alfabet Medium"/>
+                <a:ea typeface="DejaVu Sans"/>
+              </a:rPr>
+              <a:t> de usuarios</a:t>
+            </a:r>
+          </a:p>
+          <a:p>
+            <a:pPr marL="342900" lvl="0" indent="-342900">
+              <a:spcBef>
+                <a:spcPts val="600"/>
+              </a:spcBef>
+              <a:spcAft>
+                <a:spcPts val="600"/>
+              </a:spcAft>
+              <a:buFont typeface="Arial" panose="020B0604020202020204" pitchFamily="34" charset="0"/>
+              <a:buChar char="•"/>
+            </a:pPr>
+            <a:r>
+              <a:rPr lang="es-ES" sz="2000" spc="-1" dirty="0" smtClean="0">
+                <a:solidFill>
+                  <a:srgbClr val="FFFFFF"/>
+                </a:solidFill>
+                <a:latin typeface="Alfabet Medium"/>
+                <a:ea typeface="DejaVu Sans"/>
+              </a:rPr>
+              <a:t>Testeo de paramétricas y carga de datos paramétricos reales</a:t>
+            </a:r>
+          </a:p>
+          <a:p>
+            <a:pPr marL="342900" lvl="0" indent="-342900">
+              <a:spcBef>
+                <a:spcPts val="600"/>
+              </a:spcBef>
+              <a:spcAft>
+                <a:spcPts val="600"/>
+              </a:spcAft>
+              <a:buFont typeface="Arial" panose="020B0604020202020204" pitchFamily="34" charset="0"/>
+              <a:buChar char="•"/>
+            </a:pPr>
+            <a:r>
+              <a:rPr lang="es-ES" sz="2000" spc="-1" dirty="0" smtClean="0">
+                <a:solidFill>
+                  <a:srgbClr val="FFFFFF"/>
+                </a:solidFill>
+                <a:latin typeface="Alfabet Medium"/>
+                <a:ea typeface="DejaVu Sans"/>
+              </a:rPr>
+              <a:t>Tomar un Establecimiento testigo y realizar testeo y carga de las Personas del mismo y la POF</a:t>
+            </a:r>
+          </a:p>
+          <a:p>
+            <a:pPr marL="342900" lvl="0" indent="-342900">
+              <a:spcBef>
+                <a:spcPts val="600"/>
+              </a:spcBef>
+              <a:spcAft>
+                <a:spcPts val="600"/>
+              </a:spcAft>
+              <a:buFont typeface="Arial" panose="020B0604020202020204" pitchFamily="34" charset="0"/>
+              <a:buChar char="•"/>
+            </a:pPr>
+            <a:r>
+              <a:rPr lang="es-ES" sz="2000" spc="-1" dirty="0" err="1" smtClean="0">
+                <a:solidFill>
+                  <a:srgbClr val="FFFFFF"/>
+                </a:solidFill>
+                <a:latin typeface="Alfabet Medium"/>
+                <a:ea typeface="DejaVu Sans"/>
+              </a:rPr>
+              <a:t>Testing</a:t>
+            </a:r>
+            <a:r>
+              <a:rPr lang="es-ES" sz="2000" spc="-1" dirty="0" smtClean="0">
+                <a:solidFill>
+                  <a:srgbClr val="FFFFFF"/>
+                </a:solidFill>
+                <a:latin typeface="Alfabet Medium"/>
+                <a:ea typeface="DejaVu Sans"/>
+              </a:rPr>
+              <a:t> y definición de una Cabecera de Liquidación</a:t>
+            </a:r>
+          </a:p>
+          <a:p>
+            <a:pPr marL="342900" lvl="0" indent="-342900">
+              <a:spcBef>
+                <a:spcPts val="600"/>
+              </a:spcBef>
+              <a:spcAft>
+                <a:spcPts val="600"/>
+              </a:spcAft>
+              <a:buFont typeface="Arial" panose="020B0604020202020204" pitchFamily="34" charset="0"/>
+              <a:buChar char="•"/>
+            </a:pPr>
+            <a:r>
+              <a:rPr lang="es-ES" sz="2000" spc="-1" dirty="0" smtClean="0">
+                <a:solidFill>
+                  <a:srgbClr val="FFFFFF"/>
+                </a:solidFill>
+                <a:latin typeface="Alfabet Medium"/>
+                <a:ea typeface="DejaVu Sans"/>
+              </a:rPr>
+              <a:t>Pruebas integradas de procesamiento de un archivo para el Establecimiento testigo</a:t>
+            </a:r>
+          </a:p>
+          <a:p>
+            <a:pPr marL="342900" lvl="0" indent="-342900">
+              <a:spcBef>
+                <a:spcPts val="600"/>
+              </a:spcBef>
+              <a:spcAft>
+                <a:spcPts val="600"/>
+              </a:spcAft>
+              <a:buFont typeface="Arial" panose="020B0604020202020204" pitchFamily="34" charset="0"/>
+              <a:buChar char="•"/>
+            </a:pPr>
+            <a:r>
+              <a:rPr lang="es-ES" sz="2000" spc="-1" dirty="0" err="1" smtClean="0">
+                <a:solidFill>
+                  <a:srgbClr val="FFFFFF"/>
+                </a:solidFill>
+                <a:latin typeface="Alfabet Medium"/>
+                <a:ea typeface="DejaVu Sans"/>
+              </a:rPr>
+              <a:t>Feedback</a:t>
+            </a:r>
+            <a:r>
+              <a:rPr lang="es-ES" sz="2000" spc="-1" dirty="0" smtClean="0">
+                <a:solidFill>
+                  <a:srgbClr val="FFFFFF"/>
+                </a:solidFill>
+                <a:latin typeface="Alfabet Medium"/>
+                <a:ea typeface="DejaVu Sans"/>
+              </a:rPr>
+              <a:t> Hito 1 y ajuste de errores</a:t>
+            </a:r>
+          </a:p>
+          <a:p>
+            <a:pPr marL="342900" lvl="0" indent="-342900">
+              <a:spcBef>
+                <a:spcPts val="600"/>
+              </a:spcBef>
+              <a:spcAft>
+                <a:spcPts val="600"/>
+              </a:spcAft>
+              <a:buFont typeface="Arial" panose="020B0604020202020204" pitchFamily="34" charset="0"/>
+              <a:buChar char="•"/>
+            </a:pPr>
+            <a:r>
+              <a:rPr lang="es-ES" sz="2000" spc="-1" dirty="0" smtClean="0">
+                <a:solidFill>
+                  <a:srgbClr val="FFFFFF"/>
+                </a:solidFill>
+                <a:latin typeface="Alfabet Medium"/>
+                <a:ea typeface="DejaVu Sans"/>
+              </a:rPr>
+              <a:t>Preparación para el Hito 2: Registro de Bajas e Inasistencias</a:t>
+            </a:r>
+            <a:endParaRPr lang="es-AR" sz="2000" spc="-1" dirty="0">
+              <a:solidFill>
+                <a:srgbClr val="FFFFFF"/>
+              </a:solidFill>
+              <a:latin typeface="Alfabet Medium"/>
+              <a:ea typeface="DejaVu Sans"/>
+            </a:endParaRPr>
+          </a:p>
+        </p:txBody>
+      </p:sp>
+    </p:spTree>
+    <p:extLst>
+      <p:ext uri="{BB962C8B-B14F-4D97-AF65-F5344CB8AC3E}">
+        <p14:creationId xmlns:p14="http://schemas.microsoft.com/office/powerpoint/2010/main" val="1295949691"/>
+      </p:ext>
+    </p:extLst>
+  </p:cSld>
+  <p:clrMapOvr>
+    <a:masterClrMapping/>
+  </p:clrMapOvr>
+  <mc:AlternateContent xmlns:mc="http://schemas.openxmlformats.org/markup-compatibility/2006" xmlns:p14="http://schemas.microsoft.com/office/powerpoint/2010/main">
+    <mc:Choice Requires="p14">
+      <p:transition spd="slow" p14:dur="2000"/>
+    </mc:Choice>
+    <mc:Fallback xmlns="">
+      <p:transition spd="slow"/>
+    </mc:Fallback>
+  </mc:AlternateContent>
+  <p:timing>
+    <p:tnLst>
+      <p:par>
+        <p:cTn id="1" dur="indefinite" restart="never" nodeType="tmRoot"/>
+      </p:par>
+    </p:tnLst>
+  </p:timing>
+</p:sld>
+</file>
+
+<file path=ppt/slides/slide33.xml><?xml version="1.0" encoding="utf-8"?>
+<p:sld xmlns:a="http://schemas.openxmlformats.org/drawingml/2006/main" xmlns:r="http://schemas.openxmlformats.org/officeDocument/2006/relationships" xmlns:p="http://schemas.openxmlformats.org/presentationml/2006/main">
+  <p:cSld>
+    <p:bg>
+      <p:bgPr>
+        <a:solidFill>
+          <a:srgbClr val="2A3E6F"/>
+        </a:solidFill>
+        <a:effectLst/>
+      </p:bgPr>
+    </p:bg>
+    <p:spTree>
+      <p:nvGrpSpPr>
+        <p:cNvPr id="1" name=""/>
+        <p:cNvGrpSpPr/>
+        <p:nvPr/>
+      </p:nvGrpSpPr>
+      <p:grpSpPr>
+        <a:xfrm>
+          <a:off x="0" y="0"/>
+          <a:ext cx="0" cy="0"/>
+          <a:chOff x="0" y="0"/>
+          <a:chExt cx="0" cy="0"/>
+        </a:xfrm>
+      </p:grpSpPr>
+      <p:sp>
+        <p:nvSpPr>
+          <p:cNvPr id="263" name="PlaceHolder 1"/>
+          <p:cNvSpPr>
+            <a:spLocks noGrp="1"/>
+          </p:cNvSpPr>
+          <p:nvPr>
+            <p:ph type="subTitle"/>
+          </p:nvPr>
+        </p:nvSpPr>
+        <p:spPr>
+          <a:xfrm>
+            <a:off x="457200" y="540000"/>
+            <a:ext cx="8228880" cy="5307480"/>
+          </a:xfrm>
+          <a:prstGeom prst="rect">
+            <a:avLst/>
+          </a:prstGeom>
+          <a:noFill/>
+          <a:ln w="0">
+            <a:noFill/>
+          </a:ln>
+        </p:spPr>
+        <p:txBody>
+          <a:bodyPr lIns="0" tIns="0" rIns="0" bIns="0" anchor="ctr">
+            <a:noAutofit/>
+          </a:bodyPr>
+          <a:lstStyle/>
+          <a:p>
+            <a:pPr algn="ctr">
+              <a:lnSpc>
+                <a:spcPct val="100000"/>
+              </a:lnSpc>
+            </a:pPr>
+            <a:r>
+              <a:rPr lang="es-ES" sz="4400" b="0" strike="noStrike" spc="-1" dirty="0" smtClean="0">
+                <a:solidFill>
+                  <a:srgbClr val="FFFFFF"/>
+                </a:solidFill>
+                <a:latin typeface="Alfabet ExtraBold"/>
+              </a:rPr>
+              <a:t> </a:t>
+            </a:r>
+          </a:p>
+          <a:p>
+            <a:pPr algn="ctr">
+              <a:lnSpc>
+                <a:spcPct val="100000"/>
+              </a:lnSpc>
+            </a:pPr>
+            <a:endParaRPr lang="es-AR" sz="4400" spc="-1" dirty="0">
+              <a:solidFill>
+                <a:srgbClr val="FFFFFF"/>
+              </a:solidFill>
+              <a:latin typeface="Alfabet ExtraBold"/>
+            </a:endParaRPr>
+          </a:p>
+          <a:p>
+            <a:pPr algn="ctr">
+              <a:lnSpc>
+                <a:spcPct val="100000"/>
+              </a:lnSpc>
+            </a:pPr>
+            <a:endParaRPr lang="es-AR" sz="4400" b="0" strike="noStrike" spc="-1" dirty="0" smtClean="0">
+              <a:solidFill>
+                <a:srgbClr val="FFFFFF"/>
+              </a:solidFill>
+              <a:latin typeface="Alfabet ExtraBold"/>
+            </a:endParaRPr>
+          </a:p>
+          <a:p>
+            <a:pPr algn="ctr">
+              <a:lnSpc>
+                <a:spcPct val="100000"/>
+              </a:lnSpc>
+            </a:pPr>
+            <a:endParaRPr lang="es-AR" sz="4400" b="0" strike="noStrike" spc="-1" dirty="0" smtClean="0">
+              <a:solidFill>
+                <a:srgbClr val="FFFFFF"/>
+              </a:solidFill>
+              <a:latin typeface="Alfabet ExtraBold"/>
+            </a:endParaRPr>
+          </a:p>
+          <a:p>
+            <a:pPr algn="ctr">
+              <a:lnSpc>
+                <a:spcPct val="100000"/>
+              </a:lnSpc>
+            </a:pPr>
+            <a:r>
+              <a:rPr lang="es-AR" sz="4400" b="0" strike="noStrike" spc="-1" dirty="0" smtClean="0">
+                <a:solidFill>
+                  <a:srgbClr val="FFFFFF"/>
+                </a:solidFill>
+                <a:latin typeface="Alfabet ExtraBold"/>
+              </a:rPr>
+              <a:t>MUCHAS </a:t>
+            </a:r>
+            <a:r>
+              <a:rPr lang="es-AR" sz="4400" b="0" strike="noStrike" spc="-1" dirty="0">
+                <a:solidFill>
+                  <a:srgbClr val="FFFFFF"/>
+                </a:solidFill>
+                <a:latin typeface="Alfabet ExtraBold"/>
+              </a:rPr>
+              <a:t>GRACIAS</a:t>
+            </a:r>
+            <a:endParaRPr lang="es-AR" sz="4400" b="0" strike="noStrike" spc="-1" dirty="0">
+              <a:latin typeface="Arial"/>
+            </a:endParaRPr>
+          </a:p>
+        </p:txBody>
+      </p:sp>
+      <p:pic>
+        <p:nvPicPr>
+          <p:cNvPr id="264" name="263 Imagen"/>
+          <p:cNvPicPr/>
+          <p:nvPr/>
+        </p:nvPicPr>
+        <p:blipFill>
+          <a:blip r:embed="rId2" cstate="print"/>
+          <a:stretch/>
+        </p:blipFill>
+        <p:spPr>
+          <a:xfrm>
+            <a:off x="0" y="5465160"/>
+            <a:ext cx="9143280" cy="1374480"/>
+          </a:xfrm>
+          <a:prstGeom prst="rect">
+            <a:avLst/>
+          </a:prstGeom>
+          <a:ln w="0">
+            <a:noFill/>
+          </a:ln>
+        </p:spPr>
+      </p:pic>
+      <p:grpSp>
+        <p:nvGrpSpPr>
+          <p:cNvPr id="4" name="15 Grupo"/>
+          <p:cNvGrpSpPr/>
+          <p:nvPr/>
+        </p:nvGrpSpPr>
+        <p:grpSpPr>
+          <a:xfrm>
+            <a:off x="540000" y="482760"/>
+            <a:ext cx="6802560" cy="573480"/>
+            <a:chOff x="540000" y="482760"/>
+            <a:chExt cx="6802560" cy="573480"/>
+          </a:xfrm>
+        </p:grpSpPr>
+        <p:pic>
+          <p:nvPicPr>
+            <p:cNvPr id="5" name="Picture 2" descr="C:\Users\jpavoni\Downloads\ELEMENTOS PARA WEB\ELEMENTOS PARA WEB\CAPA 2 nueva\PARTICIPACION CIUDADANA\BANNERS Y BOTONES-02.jpg"/>
+            <p:cNvPicPr/>
+            <p:nvPr/>
+          </p:nvPicPr>
+          <p:blipFill>
+            <a:blip r:embed="rId3" cstate="print"/>
+            <a:srcRect l="5396" t="37233" r="86991" b="50737"/>
+            <a:stretch/>
+          </p:blipFill>
+          <p:spPr>
+            <a:xfrm>
+              <a:off x="540000" y="482760"/>
+              <a:ext cx="645480" cy="573480"/>
+            </a:xfrm>
+            <a:prstGeom prst="rect">
+              <a:avLst/>
+            </a:prstGeom>
+            <a:ln w="0">
+              <a:noFill/>
+            </a:ln>
+          </p:spPr>
+        </p:pic>
+        <p:sp>
+          <p:nvSpPr>
+            <p:cNvPr id="6" name="13 Rectángulo"/>
+            <p:cNvSpPr/>
+            <p:nvPr/>
+          </p:nvSpPr>
+          <p:spPr>
+            <a:xfrm>
+              <a:off x="1008360" y="482760"/>
+              <a:ext cx="6334200" cy="521766"/>
+            </a:xfrm>
+            <a:prstGeom prst="rect">
+              <a:avLst/>
+            </a:prstGeom>
+            <a:noFill/>
+            <a:ln w="0">
+              <a:noFill/>
+            </a:ln>
+          </p:spPr>
+          <p:style>
+            <a:lnRef idx="0">
+              <a:scrgbClr r="0" g="0" b="0"/>
+            </a:lnRef>
+            <a:fillRef idx="0">
+              <a:scrgbClr r="0" g="0" b="0"/>
+            </a:fillRef>
+            <a:effectRef idx="0">
+              <a:scrgbClr r="0" g="0" b="0"/>
+            </a:effectRef>
+            <a:fontRef idx="minor"/>
+          </p:style>
+          <p:txBody>
+            <a:bodyPr lIns="90000" tIns="45000" rIns="90000" bIns="45000" anchor="t">
+              <a:spAutoFit/>
+            </a:bodyPr>
+            <a:lstStyle/>
+            <a:p>
+              <a:pPr>
+                <a:lnSpc>
+                  <a:spcPct val="100000"/>
+                </a:lnSpc>
+              </a:pPr>
+              <a:r>
+                <a:rPr lang="es-MX" sz="2800" spc="-1" dirty="0" smtClean="0">
+                  <a:solidFill>
+                    <a:srgbClr val="FFFFFF"/>
+                  </a:solidFill>
+                  <a:latin typeface="Alfabet ExtraBold"/>
+                </a:rPr>
+                <a:t>Preguntas y Respuestas</a:t>
+              </a:r>
+              <a:endParaRPr lang="es-AR" sz="2800" b="0" strike="noStrike" spc="-1" dirty="0">
+                <a:latin typeface="Arial"/>
+              </a:endParaRPr>
+            </a:p>
+          </p:txBody>
+        </p:sp>
+      </p:grpSp>
+      <p:sp>
+        <p:nvSpPr>
+          <p:cNvPr id="2" name="Rectángulo 1"/>
+          <p:cNvSpPr/>
+          <p:nvPr/>
+        </p:nvSpPr>
+        <p:spPr>
+          <a:xfrm>
+            <a:off x="1185480" y="1412776"/>
+            <a:ext cx="6698888" cy="2232248"/>
+          </a:xfrm>
+          <a:prstGeom prst="rect">
+            <a:avLst/>
+          </a:prstGeom>
+          <a:noFill/>
+          <a:ln w="28575">
+            <a:solidFill>
+              <a:schemeClr val="bg1"/>
+            </a:solidFill>
+          </a:ln>
+          <a:effectLst>
+            <a:softEdge rad="0"/>
+          </a:effectLst>
+        </p:spPr>
+        <p:style>
+          <a:lnRef idx="2">
+            <a:schemeClr val="accent1">
+              <a:shade val="50000"/>
+            </a:schemeClr>
+          </a:lnRef>
+          <a:fillRef idx="1">
+            <a:schemeClr val="accent1"/>
+          </a:fillRef>
+          <a:effectRef idx="0">
+            <a:schemeClr val="accent1"/>
+          </a:effectRef>
+          <a:fontRef idx="minor">
+            <a:schemeClr val="lt1"/>
+          </a:fontRef>
+        </p:style>
+        <p:txBody>
+          <a:bodyPr rtlCol="0" anchor="ctr"/>
+          <a:lstStyle/>
+          <a:p>
+            <a:pPr marL="285750" indent="-285750" algn="ctr">
+              <a:buFont typeface="Arial" panose="020B0604020202020204" pitchFamily="34" charset="0"/>
+              <a:buChar char="•"/>
+            </a:pPr>
+            <a:endParaRPr lang="es-AR"/>
+          </a:p>
+        </p:txBody>
+      </p:sp>
+      <p:sp>
+        <p:nvSpPr>
+          <p:cNvPr id="3" name="Elipse 2"/>
+          <p:cNvSpPr/>
+          <p:nvPr/>
+        </p:nvSpPr>
+        <p:spPr>
+          <a:xfrm>
+            <a:off x="1637524" y="1988840"/>
+            <a:ext cx="144016" cy="144016"/>
+          </a:xfrm>
+          <a:prstGeom prst="ellipse">
+            <a:avLst/>
+          </a:prstGeom>
+        </p:spPr>
+        <p:style>
+          <a:lnRef idx="1">
+            <a:schemeClr val="dk1"/>
+          </a:lnRef>
+          <a:fillRef idx="2">
+            <a:schemeClr val="dk1"/>
+          </a:fillRef>
+          <a:effectRef idx="1">
+            <a:schemeClr val="dk1"/>
+          </a:effectRef>
+          <a:fontRef idx="minor">
+            <a:schemeClr val="dk1"/>
+          </a:fontRef>
+        </p:style>
+        <p:txBody>
+          <a:bodyPr rtlCol="0" anchor="ctr"/>
+          <a:lstStyle/>
+          <a:p>
+            <a:pPr algn="ctr"/>
+            <a:endParaRPr lang="es-AR"/>
+          </a:p>
+        </p:txBody>
+      </p:sp>
+      <p:sp>
+        <p:nvSpPr>
+          <p:cNvPr id="9" name="Elipse 8"/>
+          <p:cNvSpPr/>
+          <p:nvPr/>
+        </p:nvSpPr>
+        <p:spPr>
+          <a:xfrm>
+            <a:off x="1637524" y="2255584"/>
+            <a:ext cx="144016" cy="144016"/>
+          </a:xfrm>
+          <a:prstGeom prst="ellipse">
+            <a:avLst/>
+          </a:prstGeom>
+        </p:spPr>
+        <p:style>
+          <a:lnRef idx="1">
+            <a:schemeClr val="dk1"/>
+          </a:lnRef>
+          <a:fillRef idx="2">
+            <a:schemeClr val="dk1"/>
+          </a:fillRef>
+          <a:effectRef idx="1">
+            <a:schemeClr val="dk1"/>
+          </a:effectRef>
+          <a:fontRef idx="minor">
+            <a:schemeClr val="dk1"/>
+          </a:fontRef>
+        </p:style>
+        <p:txBody>
+          <a:bodyPr rtlCol="0" anchor="ctr"/>
+          <a:lstStyle/>
+          <a:p>
+            <a:pPr algn="ctr"/>
+            <a:endParaRPr lang="es-AR"/>
+          </a:p>
+        </p:txBody>
+      </p:sp>
+      <p:sp>
+        <p:nvSpPr>
+          <p:cNvPr id="10" name="Elipse 9"/>
+          <p:cNvSpPr/>
+          <p:nvPr/>
+        </p:nvSpPr>
+        <p:spPr>
+          <a:xfrm>
+            <a:off x="1637524" y="2522328"/>
+            <a:ext cx="144016" cy="144016"/>
+          </a:xfrm>
+          <a:prstGeom prst="ellipse">
+            <a:avLst/>
+          </a:prstGeom>
+        </p:spPr>
+        <p:style>
+          <a:lnRef idx="1">
+            <a:schemeClr val="dk1"/>
+          </a:lnRef>
+          <a:fillRef idx="2">
+            <a:schemeClr val="dk1"/>
+          </a:fillRef>
+          <a:effectRef idx="1">
+            <a:schemeClr val="dk1"/>
+          </a:effectRef>
+          <a:fontRef idx="minor">
+            <a:schemeClr val="dk1"/>
+          </a:fontRef>
+        </p:style>
+        <p:txBody>
+          <a:bodyPr rtlCol="0" anchor="ctr"/>
+          <a:lstStyle/>
+          <a:p>
+            <a:pPr algn="ctr"/>
+            <a:endParaRPr lang="es-AR"/>
+          </a:p>
+        </p:txBody>
+      </p:sp>
+      <p:sp>
+        <p:nvSpPr>
+          <p:cNvPr id="11" name="Elipse 10"/>
+          <p:cNvSpPr/>
+          <p:nvPr/>
+        </p:nvSpPr>
+        <p:spPr>
+          <a:xfrm>
+            <a:off x="1637524" y="2789072"/>
+            <a:ext cx="144016" cy="144016"/>
+          </a:xfrm>
+          <a:prstGeom prst="ellipse">
+            <a:avLst/>
+          </a:prstGeom>
+        </p:spPr>
+        <p:style>
+          <a:lnRef idx="1">
+            <a:schemeClr val="dk1"/>
+          </a:lnRef>
+          <a:fillRef idx="2">
+            <a:schemeClr val="dk1"/>
+          </a:fillRef>
+          <a:effectRef idx="1">
+            <a:schemeClr val="dk1"/>
+          </a:effectRef>
+          <a:fontRef idx="minor">
+            <a:schemeClr val="dk1"/>
+          </a:fontRef>
+        </p:style>
+        <p:txBody>
+          <a:bodyPr rtlCol="0" anchor="ctr"/>
+          <a:lstStyle/>
+          <a:p>
+            <a:pPr algn="ctr"/>
+            <a:endParaRPr lang="es-AR"/>
+          </a:p>
+        </p:txBody>
+      </p:sp>
+    </p:spTree>
+  </p:cSld>
+  <p:clrMapOvr>
+    <a:masterClrMapping/>
+  </p:clrMapOvr>
+  <mc:AlternateContent xmlns:mc="http://schemas.openxmlformats.org/markup-compatibility/2006" xmlns:p14="http://schemas.microsoft.com/office/powerpoint/2010/main">
+    <mc:Choice Requires="p14">
+      <p:transition spd="slow" p14:dur="2000"/>
+    </mc:Choice>
+    <mc:Fallback xmlns="">
+      <p:transition spd="slow"/>
+    </mc:Fallback>
+  </mc:AlternateContent>
+  <p:timing>
+    <p:tnLst>
+      <p:par>
+        <p:cTn id="1" dur="indefinite" restart="never" nodeType="tmRoot"/>
+      </p:par>
+    </p:tnLst>
+  </p:timing>
+</p:sld>
+</file>
+
 <file path=ppt/slides/slide4.xml><?xml version="1.0" encoding="utf-8"?>
 <p:sld xmlns:a="http://schemas.openxmlformats.org/drawingml/2006/main" xmlns:r="http://schemas.openxmlformats.org/officeDocument/2006/relationships" xmlns:p="http://schemas.openxmlformats.org/presentationml/2006/main">
   <p:cSld>
@@ -19919,6 +23298,140 @@
               <a:latin typeface="Alfabet Medium"/>
               <a:ea typeface="DejaVu Sans"/>
             </a:endParaRPr>
+          </a:p>
+        </p:txBody>
+      </p:sp>
+      <p:pic>
+        <p:nvPicPr>
+          <p:cNvPr id="3" name="Imagen 2"/>
+          <p:cNvPicPr>
+            <a:picLocks noChangeAspect="1"/>
+          </p:cNvPicPr>
+          <p:nvPr/>
+        </p:nvPicPr>
+        <p:blipFill>
+          <a:blip r:embed="rId5"/>
+          <a:stretch>
+            <a:fillRect/>
+          </a:stretch>
+        </p:blipFill>
+        <p:spPr>
+          <a:xfrm>
+            <a:off x="533980" y="1717169"/>
+            <a:ext cx="2225233" cy="3627434"/>
+          </a:xfrm>
+          <a:prstGeom prst="rect">
+            <a:avLst/>
+          </a:prstGeom>
+        </p:spPr>
+      </p:pic>
+      <p:sp>
+        <p:nvSpPr>
+          <p:cNvPr id="4" name="Elipse 3"/>
+          <p:cNvSpPr/>
+          <p:nvPr/>
+        </p:nvSpPr>
+        <p:spPr>
+          <a:xfrm>
+            <a:off x="2123728" y="4581128"/>
+            <a:ext cx="360040" cy="360040"/>
+          </a:xfrm>
+          <a:prstGeom prst="ellipse">
+            <a:avLst/>
+          </a:prstGeom>
+          <a:noFill/>
+          <a:ln>
+            <a:solidFill>
+              <a:srgbClr val="FF0000"/>
+            </a:solidFill>
+          </a:ln>
+        </p:spPr>
+        <p:style>
+          <a:lnRef idx="2">
+            <a:schemeClr val="accent1">
+              <a:shade val="50000"/>
+            </a:schemeClr>
+          </a:lnRef>
+          <a:fillRef idx="1">
+            <a:schemeClr val="accent1"/>
+          </a:fillRef>
+          <a:effectRef idx="0">
+            <a:schemeClr val="accent1"/>
+          </a:effectRef>
+          <a:fontRef idx="minor">
+            <a:schemeClr val="lt1"/>
+          </a:fontRef>
+        </p:style>
+        <p:txBody>
+          <a:bodyPr rtlCol="0" anchor="ctr"/>
+          <a:lstStyle/>
+          <a:p>
+            <a:pPr algn="ctr"/>
+            <a:endParaRPr lang="es-AR"/>
+          </a:p>
+        </p:txBody>
+      </p:sp>
+      <p:pic>
+        <p:nvPicPr>
+          <p:cNvPr id="6" name="Imagen 5"/>
+          <p:cNvPicPr>
+            <a:picLocks noChangeAspect="1"/>
+          </p:cNvPicPr>
+          <p:nvPr/>
+        </p:nvPicPr>
+        <p:blipFill>
+          <a:blip r:embed="rId6"/>
+          <a:stretch>
+            <a:fillRect/>
+          </a:stretch>
+        </p:blipFill>
+        <p:spPr>
+          <a:xfrm>
+            <a:off x="3851920" y="1735487"/>
+            <a:ext cx="2201357" cy="3573097"/>
+          </a:xfrm>
+          <a:prstGeom prst="rect">
+            <a:avLst/>
+          </a:prstGeom>
+        </p:spPr>
+      </p:pic>
+      <p:sp>
+        <p:nvSpPr>
+          <p:cNvPr id="7" name="Flecha a la derecha con bandas 6"/>
+          <p:cNvSpPr/>
+          <p:nvPr/>
+        </p:nvSpPr>
+        <p:spPr>
+          <a:xfrm>
+            <a:off x="2987824" y="3356992"/>
+            <a:ext cx="648072" cy="432048"/>
+          </a:xfrm>
+          <a:prstGeom prst="stripedRightArrow">
+            <a:avLst/>
+          </a:prstGeom>
+        </p:spPr>
+        <p:style>
+          <a:lnRef idx="2">
+            <a:schemeClr val="accent1">
+              <a:shade val="50000"/>
+            </a:schemeClr>
+          </a:lnRef>
+          <a:fillRef idx="1">
+            <a:schemeClr val="accent1"/>
+          </a:fillRef>
+          <a:effectRef idx="0">
+            <a:schemeClr val="accent1"/>
+          </a:effectRef>
+          <a:fontRef idx="minor">
+            <a:schemeClr val="lt1"/>
+          </a:fontRef>
+        </p:style>
+        <p:txBody>
+          <a:bodyPr rtlCol="0" anchor="ctr"/>
+          <a:lstStyle/>
+          <a:p>
+            <a:pPr algn="ctr"/>
+            <a:endParaRPr lang="es-AR"/>
           </a:p>
         </p:txBody>
       </p:sp>
@@ -20145,17 +23658,7 @@
                 <a:latin typeface="Alfabet Medium"/>
                 <a:ea typeface="DejaVu Sans"/>
               </a:rPr>
-              <a:t>Módulo </a:t>
-            </a:r>
-            <a:r>
-              <a:rPr lang="es-ES" sz="2000" b="0" u="sng" strike="noStrike" spc="-1" dirty="0" smtClean="0">
-                <a:solidFill>
-                  <a:srgbClr val="FFFFFF"/>
-                </a:solidFill>
-                <a:latin typeface="Alfabet Medium"/>
-                <a:ea typeface="DejaVu Sans"/>
-              </a:rPr>
-              <a:t>Seguridad</a:t>
+              <a:t>Módulo Seguridad</a:t>
             </a:r>
             <a:r>
               <a:rPr lang="es-ES" sz="2000" b="0" strike="noStrike" spc="-1" dirty="0" smtClean="0">
@@ -20590,6 +24093,30 @@
           </a:p>
         </p:txBody>
       </p:sp>
+      <p:pic>
+        <p:nvPicPr>
+          <p:cNvPr id="2" name="Imagen 1"/>
+          <p:cNvPicPr>
+            <a:picLocks noChangeAspect="1"/>
+          </p:cNvPicPr>
+          <p:nvPr/>
+        </p:nvPicPr>
+        <p:blipFill>
+          <a:blip r:embed="rId5"/>
+          <a:stretch>
+            <a:fillRect/>
+          </a:stretch>
+        </p:blipFill>
+        <p:spPr>
+          <a:xfrm>
+            <a:off x="1907704" y="1779312"/>
+            <a:ext cx="4968552" cy="3557140"/>
+          </a:xfrm>
+          <a:prstGeom prst="rect">
+            <a:avLst/>
+          </a:prstGeom>
+        </p:spPr>
+      </p:pic>
     </p:spTree>
     <p:extLst>
       <p:ext uri="{BB962C8B-B14F-4D97-AF65-F5344CB8AC3E}">
@@ -20845,6 +24372,100 @@
           </a:p>
         </p:txBody>
       </p:sp>
+      <p:pic>
+        <p:nvPicPr>
+          <p:cNvPr id="2" name="Imagen 1"/>
+          <p:cNvPicPr>
+            <a:picLocks noChangeAspect="1"/>
+          </p:cNvPicPr>
+          <p:nvPr/>
+        </p:nvPicPr>
+        <p:blipFill>
+          <a:blip r:embed="rId5"/>
+          <a:stretch>
+            <a:fillRect/>
+          </a:stretch>
+        </p:blipFill>
+        <p:spPr>
+          <a:xfrm>
+            <a:off x="107504" y="1612327"/>
+            <a:ext cx="8986185" cy="3904905"/>
+          </a:xfrm>
+          <a:prstGeom prst="rect">
+            <a:avLst/>
+          </a:prstGeom>
+        </p:spPr>
+      </p:pic>
+      <p:sp>
+        <p:nvSpPr>
+          <p:cNvPr id="3" name="Rectángulo 2"/>
+          <p:cNvSpPr/>
+          <p:nvPr/>
+        </p:nvSpPr>
+        <p:spPr>
+          <a:xfrm>
+            <a:off x="107504" y="2060848"/>
+            <a:ext cx="900856" cy="360040"/>
+          </a:xfrm>
+          <a:prstGeom prst="rect">
+            <a:avLst/>
+          </a:prstGeom>
+          <a:noFill/>
+          <a:ln w="28575">
+            <a:solidFill>
+              <a:srgbClr val="FF0000"/>
+            </a:solidFill>
+          </a:ln>
+        </p:spPr>
+        <p:style>
+          <a:lnRef idx="2">
+            <a:schemeClr val="accent1">
+              <a:shade val="50000"/>
+            </a:schemeClr>
+          </a:lnRef>
+          <a:fillRef idx="1">
+            <a:schemeClr val="accent1"/>
+          </a:fillRef>
+          <a:effectRef idx="0">
+            <a:schemeClr val="accent1"/>
+          </a:effectRef>
+          <a:fontRef idx="minor">
+            <a:schemeClr val="lt1"/>
+          </a:fontRef>
+        </p:style>
+        <p:txBody>
+          <a:bodyPr rtlCol="0" anchor="ctr"/>
+          <a:lstStyle/>
+          <a:p>
+            <a:pPr algn="ctr"/>
+            <a:endParaRPr lang="es-AR"/>
+          </a:p>
+        </p:txBody>
+      </p:sp>
+      <p:pic>
+        <p:nvPicPr>
+          <p:cNvPr id="4" name="Imagen 3"/>
+          <p:cNvPicPr>
+            <a:picLocks noChangeAspect="1"/>
+          </p:cNvPicPr>
+          <p:nvPr/>
+        </p:nvPicPr>
+        <p:blipFill>
+          <a:blip r:embed="rId6"/>
+          <a:stretch>
+            <a:fillRect/>
+          </a:stretch>
+        </p:blipFill>
+        <p:spPr>
+          <a:xfrm>
+            <a:off x="432496" y="2247146"/>
+            <a:ext cx="8604000" cy="2429147"/>
+          </a:xfrm>
+          <a:prstGeom prst="rect">
+            <a:avLst/>
+          </a:prstGeom>
+        </p:spPr>
+      </p:pic>
     </p:spTree>
     <p:extLst>
       <p:ext uri="{BB962C8B-B14F-4D97-AF65-F5344CB8AC3E}">
@@ -20866,9 +24487,198 @@
   <p:timing>
     <p:tnLst>
       <p:par>
-        <p:cTn id="1" dur="indefinite" restart="never" nodeType="tmRoot"/>
+        <p:cTn id="1" dur="indefinite" restart="never" nodeType="tmRoot">
+          <p:childTnLst>
+            <p:seq concurrent="1" nextAc="seek">
+              <p:cTn id="2" dur="indefinite" nodeType="mainSeq">
+                <p:childTnLst>
+                  <p:par>
+                    <p:cTn id="3" fill="hold">
+                      <p:stCondLst>
+                        <p:cond delay="indefinite"/>
+                      </p:stCondLst>
+                      <p:childTnLst>
+                        <p:par>
+                          <p:cTn id="4" fill="hold">
+                            <p:stCondLst>
+                              <p:cond delay="0"/>
+                            </p:stCondLst>
+                            <p:childTnLst>
+                              <p:par>
+                                <p:cTn id="5" presetID="1" presetClass="entr" presetSubtype="0" fill="hold" grpId="0" nodeType="clickEffect">
+                                  <p:stCondLst>
+                                    <p:cond delay="0"/>
+                                  </p:stCondLst>
+                                  <p:childTnLst>
+                                    <p:set>
+                                      <p:cBhvr>
+                                        <p:cTn id="6" dur="1" fill="hold">
+                                          <p:stCondLst>
+                                            <p:cond delay="0"/>
+                                          </p:stCondLst>
+                                        </p:cTn>
+                                        <p:tgtEl>
+                                          <p:spTgt spid="3"/>
+                                        </p:tgtEl>
+                                        <p:attrNameLst>
+                                          <p:attrName>style.visibility</p:attrName>
+                                        </p:attrNameLst>
+                                      </p:cBhvr>
+                                      <p:to>
+                                        <p:strVal val="visible"/>
+                                      </p:to>
+                                    </p:set>
+                                  </p:childTnLst>
+                                </p:cTn>
+                              </p:par>
+                            </p:childTnLst>
+                          </p:cTn>
+                        </p:par>
+                      </p:childTnLst>
+                    </p:cTn>
+                  </p:par>
+                  <p:par>
+                    <p:cTn id="7" fill="hold">
+                      <p:stCondLst>
+                        <p:cond delay="indefinite"/>
+                      </p:stCondLst>
+                      <p:childTnLst>
+                        <p:par>
+                          <p:cTn id="8" fill="hold">
+                            <p:stCondLst>
+                              <p:cond delay="0"/>
+                            </p:stCondLst>
+                            <p:childTnLst>
+                              <p:par>
+                                <p:cTn id="9" presetID="1" presetClass="exit" presetSubtype="0" fill="hold" nodeType="clickEffect">
+                                  <p:stCondLst>
+                                    <p:cond delay="0"/>
+                                  </p:stCondLst>
+                                  <p:childTnLst>
+                                    <p:set>
+                                      <p:cBhvr>
+                                        <p:cTn id="10" dur="1" fill="hold">
+                                          <p:stCondLst>
+                                            <p:cond delay="0"/>
+                                          </p:stCondLst>
+                                        </p:cTn>
+                                        <p:tgtEl>
+                                          <p:spTgt spid="2"/>
+                                        </p:tgtEl>
+                                        <p:attrNameLst>
+                                          <p:attrName>style.visibility</p:attrName>
+                                        </p:attrNameLst>
+                                      </p:cBhvr>
+                                      <p:to>
+                                        <p:strVal val="hidden"/>
+                                      </p:to>
+                                    </p:set>
+                                  </p:childTnLst>
+                                </p:cTn>
+                              </p:par>
+                            </p:childTnLst>
+                          </p:cTn>
+                        </p:par>
+                        <p:par>
+                          <p:cTn id="11" fill="hold">
+                            <p:stCondLst>
+                              <p:cond delay="0"/>
+                            </p:stCondLst>
+                            <p:childTnLst>
+                              <p:par>
+                                <p:cTn id="12" presetID="1" presetClass="exit" presetSubtype="0" fill="hold" grpId="1" nodeType="afterEffect">
+                                  <p:stCondLst>
+                                    <p:cond delay="0"/>
+                                  </p:stCondLst>
+                                  <p:childTnLst>
+                                    <p:set>
+                                      <p:cBhvr>
+                                        <p:cTn id="13" dur="1" fill="hold">
+                                          <p:stCondLst>
+                                            <p:cond delay="0"/>
+                                          </p:stCondLst>
+                                        </p:cTn>
+                                        <p:tgtEl>
+                                          <p:spTgt spid="3"/>
+                                        </p:tgtEl>
+                                        <p:attrNameLst>
+                                          <p:attrName>style.visibility</p:attrName>
+                                        </p:attrNameLst>
+                                      </p:cBhvr>
+                                      <p:to>
+                                        <p:strVal val="hidden"/>
+                                      </p:to>
+                                    </p:set>
+                                  </p:childTnLst>
+                                </p:cTn>
+                              </p:par>
+                            </p:childTnLst>
+                          </p:cTn>
+                        </p:par>
+                        <p:par>
+                          <p:cTn id="14" fill="hold">
+                            <p:stCondLst>
+                              <p:cond delay="0"/>
+                            </p:stCondLst>
+                            <p:childTnLst>
+                              <p:par>
+                                <p:cTn id="15" presetID="1" presetClass="entr" presetSubtype="0" fill="hold" nodeType="afterEffect">
+                                  <p:stCondLst>
+                                    <p:cond delay="0"/>
+                                  </p:stCondLst>
+                                  <p:childTnLst>
+                                    <p:set>
+                                      <p:cBhvr>
+                                        <p:cTn id="16" dur="1" fill="hold">
+                                          <p:stCondLst>
+                                            <p:cond delay="0"/>
+                                          </p:stCondLst>
+                                        </p:cTn>
+                                        <p:tgtEl>
+                                          <p:spTgt spid="4"/>
+                                        </p:tgtEl>
+                                        <p:attrNameLst>
+                                          <p:attrName>style.visibility</p:attrName>
+                                        </p:attrNameLst>
+                                      </p:cBhvr>
+                                      <p:to>
+                                        <p:strVal val="visible"/>
+                                      </p:to>
+                                    </p:set>
+                                  </p:childTnLst>
+                                </p:cTn>
+                              </p:par>
+                            </p:childTnLst>
+                          </p:cTn>
+                        </p:par>
+                      </p:childTnLst>
+                    </p:cTn>
+                  </p:par>
+                </p:childTnLst>
+              </p:cTn>
+              <p:prevCondLst>
+                <p:cond evt="onPrev" delay="0">
+                  <p:tgtEl>
+                    <p:sldTgt/>
+                  </p:tgtEl>
+                </p:cond>
+              </p:prevCondLst>
+              <p:nextCondLst>
+                <p:cond evt="onNext" delay="0">
+                  <p:tgtEl>
+                    <p:sldTgt/>
+                  </p:tgtEl>
+                </p:cond>
+              </p:nextCondLst>
+            </p:seq>
+          </p:childTnLst>
+        </p:cTn>
       </p:par>
     </p:tnLst>
+    <p:bldLst>
+      <p:bldP spid="3" grpId="0" animBg="1"/>
+      <p:bldP spid="3" grpId="1" animBg="1"/>
+    </p:bldLst>
   </p:timing>
 </p:sld>
 </file>
@@ -21026,8 +24836,8 @@
         </p:nvSpPr>
         <p:spPr>
           <a:xfrm>
-            <a:off x="540000" y="1641282"/>
-            <a:ext cx="8208464" cy="3260978"/>
+            <a:off x="558546" y="1124744"/>
+            <a:ext cx="8208464" cy="398655"/>
           </a:xfrm>
           <a:prstGeom prst="rect">
             <a:avLst/>
@@ -21061,15 +24871,294 @@
               </a:lnSpc>
             </a:pPr>
             <a:r>
-              <a:rPr lang="es-ES" sz="2000" b="0" u="sng" strike="noStrike" spc="-1" dirty="0" smtClean="0">
+              <a:rPr lang="es-ES" sz="2000" b="0" strike="noStrike" spc="-1" dirty="0" smtClean="0">
                 <a:solidFill>
                   <a:srgbClr val="FFFFFF"/>
                 </a:solidFill>
                 <a:latin typeface="Alfabet Medium"/>
                 <a:ea typeface="DejaVu Sans"/>
               </a:rPr>
-              <a:t>Módulo </a:t>
+              <a:t>Módulo Seguridad</a:t>
             </a:r>
+            <a:r>
+              <a:rPr lang="es-ES" sz="2000" spc="-1" dirty="0">
+                <a:solidFill>
+                  <a:srgbClr val="FFFFFF"/>
+                </a:solidFill>
+                <a:latin typeface="Alfabet Medium"/>
+                <a:ea typeface="DejaVu Sans"/>
+              </a:rPr>
+              <a:t> </a:t>
+            </a:r>
+            <a:r>
+              <a:rPr lang="es-ES" sz="2000" spc="-1" dirty="0" smtClean="0">
+                <a:solidFill>
+                  <a:srgbClr val="FFFFFF"/>
+                </a:solidFill>
+                <a:latin typeface="Alfabet Medium"/>
+                <a:ea typeface="DejaVu Sans"/>
+              </a:rPr>
+              <a:t>– Gestión de </a:t>
+            </a:r>
+            <a:r>
+              <a:rPr lang="es-ES" sz="2000" spc="-1" dirty="0" smtClean="0">
+                <a:solidFill>
+                  <a:srgbClr val="FFFFFF"/>
+                </a:solidFill>
+                <a:latin typeface="Alfabet Medium"/>
+                <a:ea typeface="DejaVu Sans"/>
+              </a:rPr>
+              <a:t>Usuarios por Rol</a:t>
+            </a:r>
+            <a:endParaRPr lang="es-ES" sz="2000" b="0" strike="noStrike" spc="-1" dirty="0" smtClean="0">
+              <a:solidFill>
+                <a:srgbClr val="FFFFFF"/>
+              </a:solidFill>
+              <a:latin typeface="Alfabet Medium"/>
+              <a:ea typeface="DejaVu Sans"/>
+            </a:endParaRPr>
+          </a:p>
+        </p:txBody>
+      </p:sp>
+      <p:pic>
+        <p:nvPicPr>
+          <p:cNvPr id="5" name="Imagen 4"/>
+          <p:cNvPicPr>
+            <a:picLocks noChangeAspect="1"/>
+          </p:cNvPicPr>
+          <p:nvPr/>
+        </p:nvPicPr>
+        <p:blipFill>
+          <a:blip r:embed="rId5"/>
+          <a:stretch>
+            <a:fillRect/>
+          </a:stretch>
+        </p:blipFill>
+        <p:spPr>
+          <a:xfrm>
+            <a:off x="197478" y="1679299"/>
+            <a:ext cx="8767010" cy="4125965"/>
+          </a:xfrm>
+          <a:prstGeom prst="rect">
+            <a:avLst/>
+          </a:prstGeom>
+        </p:spPr>
+      </p:pic>
+    </p:spTree>
+    <p:extLst>
+      <p:ext uri="{BB962C8B-B14F-4D97-AF65-F5344CB8AC3E}">
+        <p14:creationId xmlns:p14="http://schemas.microsoft.com/office/powerpoint/2010/main" val="3408821978"/>
+      </p:ext>
+    </p:extLst>
+  </p:cSld>
+  <p:clrMapOvr>
+    <a:masterClrMapping/>
+  </p:clrMapOvr>
+  <mc:AlternateContent xmlns:mc="http://schemas.openxmlformats.org/markup-compatibility/2006" xmlns:p14="http://schemas.microsoft.com/office/powerpoint/2010/main">
+    <mc:Choice Requires="p14">
+      <p:transition spd="slow" p14:dur="2000"/>
+    </mc:Choice>
+    <mc:Fallback xmlns="">
+      <p:transition spd="slow"/>
+    </mc:Fallback>
+  </mc:AlternateContent>
+  <p:timing>
+    <p:tnLst>
+      <p:par>
+        <p:cTn id="1" dur="indefinite" restart="never" nodeType="tmRoot"/>
+      </p:par>
+    </p:tnLst>
+  </p:timing>
+</p:sld>
+</file>
+
+<file path=ppt/slides/slide9.xml><?xml version="1.0" encoding="utf-8"?>
+<p:sld xmlns:a="http://schemas.openxmlformats.org/drawingml/2006/main" xmlns:r="http://schemas.openxmlformats.org/officeDocument/2006/relationships" xmlns:p="http://schemas.openxmlformats.org/presentationml/2006/main">
+  <p:cSld>
+    <p:bg>
+      <p:bgPr>
+        <a:solidFill>
+          <a:srgbClr val="174574"/>
+        </a:solidFill>
+        <a:effectLst/>
+      </p:bgPr>
+    </p:bg>
+    <p:spTree>
+      <p:nvGrpSpPr>
+        <p:cNvPr id="1" name=""/>
+        <p:cNvGrpSpPr/>
+        <p:nvPr/>
+      </p:nvGrpSpPr>
+      <p:grpSpPr>
+        <a:xfrm>
+          <a:off x="0" y="0"/>
+          <a:ext cx="0" cy="0"/>
+          <a:chOff x="0" y="0"/>
+          <a:chExt cx="0" cy="0"/>
+        </a:xfrm>
+      </p:grpSpPr>
+      <p:grpSp>
+        <p:nvGrpSpPr>
+          <p:cNvPr id="122" name="15 Grupo"/>
+          <p:cNvGrpSpPr/>
+          <p:nvPr/>
+        </p:nvGrpSpPr>
+        <p:grpSpPr>
+          <a:xfrm>
+            <a:off x="540000" y="482760"/>
+            <a:ext cx="6802560" cy="573480"/>
+            <a:chOff x="540000" y="482760"/>
+            <a:chExt cx="6802560" cy="573480"/>
+          </a:xfrm>
+        </p:grpSpPr>
+        <p:pic>
+          <p:nvPicPr>
+            <p:cNvPr id="123" name="Picture 2" descr="C:\Users\jpavoni\Downloads\ELEMENTOS PARA WEB\ELEMENTOS PARA WEB\CAPA 2 nueva\PARTICIPACION CIUDADANA\BANNERS Y BOTONES-02.jpg"/>
+            <p:cNvPicPr/>
+            <p:nvPr/>
+          </p:nvPicPr>
+          <p:blipFill>
+            <a:blip r:embed="rId3" cstate="print"/>
+            <a:srcRect l="5396" t="37233" r="86991" b="50737"/>
+            <a:stretch/>
+          </p:blipFill>
+          <p:spPr>
+            <a:xfrm>
+              <a:off x="540000" y="482760"/>
+              <a:ext cx="645480" cy="573480"/>
+            </a:xfrm>
+            <a:prstGeom prst="rect">
+              <a:avLst/>
+            </a:prstGeom>
+            <a:ln w="0">
+              <a:noFill/>
+            </a:ln>
+          </p:spPr>
+        </p:pic>
+        <p:sp>
+          <p:nvSpPr>
+            <p:cNvPr id="124" name="13 Rectángulo"/>
+            <p:cNvSpPr/>
+            <p:nvPr/>
+          </p:nvSpPr>
+          <p:spPr>
+            <a:xfrm>
+              <a:off x="1008360" y="482760"/>
+              <a:ext cx="6334200" cy="521766"/>
+            </a:xfrm>
+            <a:prstGeom prst="rect">
+              <a:avLst/>
+            </a:prstGeom>
+            <a:noFill/>
+            <a:ln w="0">
+              <a:noFill/>
+            </a:ln>
+          </p:spPr>
+          <p:style>
+            <a:lnRef idx="0">
+              <a:scrgbClr r="0" g="0" b="0"/>
+            </a:lnRef>
+            <a:fillRef idx="0">
+              <a:scrgbClr r="0" g="0" b="0"/>
+            </a:fillRef>
+            <a:effectRef idx="0">
+              <a:scrgbClr r="0" g="0" b="0"/>
+            </a:effectRef>
+            <a:fontRef idx="minor"/>
+          </p:style>
+          <p:txBody>
+            <a:bodyPr lIns="90000" tIns="45000" rIns="90000" bIns="45000" anchor="t">
+              <a:spAutoFit/>
+            </a:bodyPr>
+            <a:lstStyle/>
+            <a:p>
+              <a:pPr>
+                <a:lnSpc>
+                  <a:spcPct val="100000"/>
+                </a:lnSpc>
+              </a:pPr>
+              <a:r>
+                <a:rPr lang="es-MX" sz="2800" spc="-1" dirty="0">
+                  <a:solidFill>
+                    <a:srgbClr val="FFFFFF"/>
+                  </a:solidFill>
+                  <a:latin typeface="Alfabet ExtraBold"/>
+                  <a:ea typeface="Roboto Medium"/>
+                </a:rPr>
+                <a:t>Hito 1 - Entregables</a:t>
+              </a:r>
+              <a:endParaRPr lang="es-AR" sz="2800" b="0" strike="noStrike" spc="-1" dirty="0">
+                <a:latin typeface="Arial"/>
+              </a:endParaRPr>
+            </a:p>
+          </p:txBody>
+        </p:sp>
+      </p:grpSp>
+      <p:pic>
+        <p:nvPicPr>
+          <p:cNvPr id="142" name="141 Imagen"/>
+          <p:cNvPicPr/>
+          <p:nvPr/>
+        </p:nvPicPr>
+        <p:blipFill>
+          <a:blip r:embed="rId4" cstate="print"/>
+          <a:stretch/>
+        </p:blipFill>
+        <p:spPr>
+          <a:xfrm>
+            <a:off x="360" y="5897520"/>
+            <a:ext cx="9143280" cy="960120"/>
+          </a:xfrm>
+          <a:prstGeom prst="rect">
+            <a:avLst/>
+          </a:prstGeom>
+          <a:ln w="0">
+            <a:noFill/>
+          </a:ln>
+        </p:spPr>
+      </p:pic>
+      <p:sp>
+        <p:nvSpPr>
+          <p:cNvPr id="23" name="CuadroTexto 2"/>
+          <p:cNvSpPr/>
+          <p:nvPr/>
+        </p:nvSpPr>
+        <p:spPr>
+          <a:xfrm>
+            <a:off x="540000" y="1641282"/>
+            <a:ext cx="8208464" cy="3260978"/>
+          </a:xfrm>
+          <a:prstGeom prst="rect">
+            <a:avLst/>
+          </a:prstGeom>
+          <a:noFill/>
+          <a:ln w="0">
+            <a:noFill/>
+          </a:ln>
+        </p:spPr>
+        <p:style>
+          <a:lnRef idx="0">
+            <a:scrgbClr r="0" g="0" b="0"/>
+          </a:lnRef>
+          <a:fillRef idx="0">
+            <a:scrgbClr r="0" g="0" b="0"/>
+          </a:fillRef>
+          <a:effectRef idx="0">
+            <a:scrgbClr r="0" g="0" b="0"/>
+          </a:effectRef>
+          <a:fontRef idx="minor"/>
+        </p:style>
+        <p:txBody>
+          <a:bodyPr wrap="square" lIns="90000" tIns="45000" rIns="90000" bIns="45000" anchor="t">
+            <a:spAutoFit/>
+          </a:bodyPr>
+          <a:lstStyle/>
+          <a:p>
+            <a:pPr>
+              <a:lnSpc>
+                <a:spcPct val="100000"/>
+              </a:lnSpc>
+            </a:pPr>
             <a:r>
               <a:rPr lang="es-ES" sz="2000" b="0" u="sng" strike="noStrike" spc="-1" dirty="0" smtClean="0">
                 <a:solidFill>
@@ -21078,7 +25167,7 @@
                 <a:latin typeface="Alfabet Medium"/>
                 <a:ea typeface="DejaVu Sans"/>
               </a:rPr>
-              <a:t>Paramétricas</a:t>
+              <a:t>Módulo Paramétricas</a:t>
             </a:r>
             <a:r>
               <a:rPr lang="es-ES" sz="2000" b="0" strike="noStrike" spc="-1" dirty="0" smtClean="0">
@@ -21302,251 +25391,6 @@
     <p:extLst>
       <p:ext uri="{BB962C8B-B14F-4D97-AF65-F5344CB8AC3E}">
         <p14:creationId xmlns:p14="http://schemas.microsoft.com/office/powerpoint/2010/main" val="1636076148"/>
-      </p:ext>
-    </p:extLst>
-  </p:cSld>
-  <p:clrMapOvr>
-    <a:masterClrMapping/>
-  </p:clrMapOvr>
-  <mc:AlternateContent xmlns:mc="http://schemas.openxmlformats.org/markup-compatibility/2006" xmlns:p14="http://schemas.microsoft.com/office/powerpoint/2010/main">
-    <mc:Choice Requires="p14">
-      <p:transition spd="slow" p14:dur="2000"/>
-    </mc:Choice>
-    <mc:Fallback xmlns="">
-      <p:transition spd="slow"/>
-    </mc:Fallback>
-  </mc:AlternateContent>
-  <p:timing>
-    <p:tnLst>
-      <p:par>
-        <p:cTn id="1" dur="indefinite" restart="never" nodeType="tmRoot"/>
-      </p:par>
-    </p:tnLst>
-  </p:timing>
-</p:sld>
-</file>
-
-<file path=ppt/slides/slide9.xml><?xml version="1.0" encoding="utf-8"?>
-<p:sld xmlns:a="http://schemas.openxmlformats.org/drawingml/2006/main" xmlns:r="http://schemas.openxmlformats.org/officeDocument/2006/relationships" xmlns:p="http://schemas.openxmlformats.org/presentationml/2006/main">
-  <p:cSld>
-    <p:bg>
-      <p:bgPr>
-        <a:solidFill>
-          <a:srgbClr val="174574"/>
-        </a:solidFill>
-        <a:effectLst/>
-      </p:bgPr>
-    </p:bg>
-    <p:spTree>
-      <p:nvGrpSpPr>
-        <p:cNvPr id="1" name=""/>
-        <p:cNvGrpSpPr/>
-        <p:nvPr/>
-      </p:nvGrpSpPr>
-      <p:grpSpPr>
-        <a:xfrm>
-          <a:off x="0" y="0"/>
-          <a:ext cx="0" cy="0"/>
-          <a:chOff x="0" y="0"/>
-          <a:chExt cx="0" cy="0"/>
-        </a:xfrm>
-      </p:grpSpPr>
-      <p:grpSp>
-        <p:nvGrpSpPr>
-          <p:cNvPr id="122" name="15 Grupo"/>
-          <p:cNvGrpSpPr/>
-          <p:nvPr/>
-        </p:nvGrpSpPr>
-        <p:grpSpPr>
-          <a:xfrm>
-            <a:off x="540000" y="482760"/>
-            <a:ext cx="6802560" cy="573480"/>
-            <a:chOff x="540000" y="482760"/>
-            <a:chExt cx="6802560" cy="573480"/>
-          </a:xfrm>
-        </p:grpSpPr>
-        <p:pic>
-          <p:nvPicPr>
-            <p:cNvPr id="123" name="Picture 2" descr="C:\Users\jpavoni\Downloads\ELEMENTOS PARA WEB\ELEMENTOS PARA WEB\CAPA 2 nueva\PARTICIPACION CIUDADANA\BANNERS Y BOTONES-02.jpg"/>
-            <p:cNvPicPr/>
-            <p:nvPr/>
-          </p:nvPicPr>
-          <p:blipFill>
-            <a:blip r:embed="rId3" cstate="print"/>
-            <a:srcRect l="5396" t="37233" r="86991" b="50737"/>
-            <a:stretch/>
-          </p:blipFill>
-          <p:spPr>
-            <a:xfrm>
-              <a:off x="540000" y="482760"/>
-              <a:ext cx="645480" cy="573480"/>
-            </a:xfrm>
-            <a:prstGeom prst="rect">
-              <a:avLst/>
-            </a:prstGeom>
-            <a:ln w="0">
-              <a:noFill/>
-            </a:ln>
-          </p:spPr>
-        </p:pic>
-        <p:sp>
-          <p:nvSpPr>
-            <p:cNvPr id="124" name="13 Rectángulo"/>
-            <p:cNvSpPr/>
-            <p:nvPr/>
-          </p:nvSpPr>
-          <p:spPr>
-            <a:xfrm>
-              <a:off x="1008360" y="482760"/>
-              <a:ext cx="6334200" cy="521766"/>
-            </a:xfrm>
-            <a:prstGeom prst="rect">
-              <a:avLst/>
-            </a:prstGeom>
-            <a:noFill/>
-            <a:ln w="0">
-              <a:noFill/>
-            </a:ln>
-          </p:spPr>
-          <p:style>
-            <a:lnRef idx="0">
-              <a:scrgbClr r="0" g="0" b="0"/>
-            </a:lnRef>
-            <a:fillRef idx="0">
-              <a:scrgbClr r="0" g="0" b="0"/>
-            </a:fillRef>
-            <a:effectRef idx="0">
-              <a:scrgbClr r="0" g="0" b="0"/>
-            </a:effectRef>
-            <a:fontRef idx="minor"/>
-          </p:style>
-          <p:txBody>
-            <a:bodyPr lIns="90000" tIns="45000" rIns="90000" bIns="45000" anchor="t">
-              <a:spAutoFit/>
-            </a:bodyPr>
-            <a:lstStyle/>
-            <a:p>
-              <a:pPr>
-                <a:lnSpc>
-                  <a:spcPct val="100000"/>
-                </a:lnSpc>
-              </a:pPr>
-              <a:r>
-                <a:rPr lang="es-MX" sz="2800" spc="-1" dirty="0">
-                  <a:solidFill>
-                    <a:srgbClr val="FFFFFF"/>
-                  </a:solidFill>
-                  <a:latin typeface="Alfabet ExtraBold"/>
-                  <a:ea typeface="Roboto Medium"/>
-                </a:rPr>
-                <a:t>Hito 1 - Entregables</a:t>
-              </a:r>
-              <a:endParaRPr lang="es-AR" sz="2800" b="0" strike="noStrike" spc="-1" dirty="0">
-                <a:latin typeface="Arial"/>
-              </a:endParaRPr>
-            </a:p>
-          </p:txBody>
-        </p:sp>
-      </p:grpSp>
-      <p:pic>
-        <p:nvPicPr>
-          <p:cNvPr id="142" name="141 Imagen"/>
-          <p:cNvPicPr/>
-          <p:nvPr/>
-        </p:nvPicPr>
-        <p:blipFill>
-          <a:blip r:embed="rId4" cstate="print"/>
-          <a:stretch/>
-        </p:blipFill>
-        <p:spPr>
-          <a:xfrm>
-            <a:off x="360" y="5897520"/>
-            <a:ext cx="9143280" cy="960120"/>
-          </a:xfrm>
-          <a:prstGeom prst="rect">
-            <a:avLst/>
-          </a:prstGeom>
-          <a:ln w="0">
-            <a:noFill/>
-          </a:ln>
-        </p:spPr>
-      </p:pic>
-      <p:sp>
-        <p:nvSpPr>
-          <p:cNvPr id="23" name="CuadroTexto 2"/>
-          <p:cNvSpPr/>
-          <p:nvPr/>
-        </p:nvSpPr>
-        <p:spPr>
-          <a:xfrm>
-            <a:off x="558546" y="1124744"/>
-            <a:ext cx="8208464" cy="398655"/>
-          </a:xfrm>
-          <a:prstGeom prst="rect">
-            <a:avLst/>
-          </a:prstGeom>
-          <a:noFill/>
-          <a:ln w="0">
-            <a:noFill/>
-          </a:ln>
-        </p:spPr>
-        <p:style>
-          <a:lnRef idx="0">
-            <a:scrgbClr r="0" g="0" b="0"/>
-          </a:lnRef>
-          <a:fillRef idx="0">
-            <a:scrgbClr r="0" g="0" b="0"/>
-          </a:fillRef>
-          <a:effectRef idx="0">
-            <a:scrgbClr r="0" g="0" b="0"/>
-          </a:effectRef>
-          <a:fontRef idx="minor"/>
-        </p:style>
-        <p:txBody>
-          <a:bodyPr wrap="square" lIns="90000" tIns="45000" rIns="90000" bIns="45000" anchor="t">
-            <a:spAutoFit/>
-          </a:bodyPr>
-          <a:lstStyle/>
-          <a:p>
-            <a:pPr>
-              <a:lnSpc>
-                <a:spcPct val="100000"/>
-              </a:lnSpc>
-            </a:pPr>
-            <a:r>
-              <a:rPr lang="es-ES" sz="2000" b="0" strike="noStrike" spc="-1" dirty="0" smtClean="0">
-                <a:solidFill>
-                  <a:srgbClr val="FFFFFF"/>
-                </a:solidFill>
-                <a:latin typeface="Alfabet Medium"/>
-                <a:ea typeface="DejaVu Sans"/>
-              </a:rPr>
-              <a:t>Módulo Paramétricas </a:t>
-            </a:r>
-            <a:r>
-              <a:rPr lang="es-ES" sz="2000" spc="-1" dirty="0" smtClean="0">
-                <a:solidFill>
-                  <a:srgbClr val="FFFFFF"/>
-                </a:solidFill>
-                <a:latin typeface="Alfabet Medium"/>
-                <a:ea typeface="DejaVu Sans"/>
-              </a:rPr>
-              <a:t>– Gestión de Conceptos</a:t>
-            </a:r>
-            <a:endParaRPr lang="es-ES" sz="2000" b="0" strike="noStrike" spc="-1" dirty="0" smtClean="0">
-              <a:solidFill>
-                <a:srgbClr val="FFFFFF"/>
-              </a:solidFill>
-              <a:latin typeface="Alfabet Medium"/>
-              <a:ea typeface="DejaVu Sans"/>
-            </a:endParaRPr>
-          </a:p>
-        </p:txBody>
-      </p:sp>
-    </p:spTree>
-    <p:extLst>
-      <p:ext uri="{BB962C8B-B14F-4D97-AF65-F5344CB8AC3E}">
-        <p14:creationId xmlns:p14="http://schemas.microsoft.com/office/powerpoint/2010/main" val="3650221254"/>
       </p:ext>
     </p:extLst>
   </p:cSld>
@@ -22481,4 +26325,262 @@
   <a:objectDefaults/>
   <a:extraClrSchemeLst/>
 </a:theme>
+</file>
+
+<file path=ppt/theme/themeOverride1.xml><?xml version="1.0" encoding="utf-8"?>
+<a:themeOverride xmlns:a="http://schemas.openxmlformats.org/drawingml/2006/main">
+  <a:clrScheme name="Office">
+    <a:dk1>
+      <a:sysClr val="windowText" lastClr="000000"/>
+    </a:dk1>
+    <a:lt1>
+      <a:sysClr val="window" lastClr="FFFFFF"/>
+    </a:lt1>
+    <a:dk2>
+      <a:srgbClr val="1F497D"/>
+    </a:dk2>
+    <a:lt2>
+      <a:srgbClr val="EEECE1"/>
+    </a:lt2>
+    <a:accent1>
+      <a:srgbClr val="4F81BD"/>
+    </a:accent1>
+    <a:accent2>
+      <a:srgbClr val="C0504D"/>
+    </a:accent2>
+    <a:accent3>
+      <a:srgbClr val="9BBB59"/>
+    </a:accent3>
+    <a:accent4>
+      <a:srgbClr val="8064A2"/>
+    </a:accent4>
+    <a:accent5>
+      <a:srgbClr val="4BACC6"/>
+    </a:accent5>
+    <a:accent6>
+      <a:srgbClr val="F79646"/>
+    </a:accent6>
+    <a:hlink>
+      <a:srgbClr val="0000FF"/>
+    </a:hlink>
+    <a:folHlink>
+      <a:srgbClr val="800080"/>
+    </a:folHlink>
+  </a:clrScheme>
+</a:themeOverride>
+</file>
+
+<file path=ppt/theme/themeOverride2.xml><?xml version="1.0" encoding="utf-8"?>
+<a:themeOverride xmlns:a="http://schemas.openxmlformats.org/drawingml/2006/main">
+  <a:clrScheme name="Office">
+    <a:dk1>
+      <a:sysClr val="windowText" lastClr="000000"/>
+    </a:dk1>
+    <a:lt1>
+      <a:sysClr val="window" lastClr="FFFFFF"/>
+    </a:lt1>
+    <a:dk2>
+      <a:srgbClr val="1F497D"/>
+    </a:dk2>
+    <a:lt2>
+      <a:srgbClr val="EEECE1"/>
+    </a:lt2>
+    <a:accent1>
+      <a:srgbClr val="4F81BD"/>
+    </a:accent1>
+    <a:accent2>
+      <a:srgbClr val="C0504D"/>
+    </a:accent2>
+    <a:accent3>
+      <a:srgbClr val="9BBB59"/>
+    </a:accent3>
+    <a:accent4>
+      <a:srgbClr val="8064A2"/>
+    </a:accent4>
+    <a:accent5>
+      <a:srgbClr val="4BACC6"/>
+    </a:accent5>
+    <a:accent6>
+      <a:srgbClr val="F79646"/>
+    </a:accent6>
+    <a:hlink>
+      <a:srgbClr val="0000FF"/>
+    </a:hlink>
+    <a:folHlink>
+      <a:srgbClr val="800080"/>
+    </a:folHlink>
+  </a:clrScheme>
+</a:themeOverride>
+</file>
+
+<file path=ppt/theme/themeOverride3.xml><?xml version="1.0" encoding="utf-8"?>
+<a:themeOverride xmlns:a="http://schemas.openxmlformats.org/drawingml/2006/main">
+  <a:clrScheme name="Office">
+    <a:dk1>
+      <a:sysClr val="windowText" lastClr="000000"/>
+    </a:dk1>
+    <a:lt1>
+      <a:sysClr val="window" lastClr="FFFFFF"/>
+    </a:lt1>
+    <a:dk2>
+      <a:srgbClr val="1F497D"/>
+    </a:dk2>
+    <a:lt2>
+      <a:srgbClr val="EEECE1"/>
+    </a:lt2>
+    <a:accent1>
+      <a:srgbClr val="4F81BD"/>
+    </a:accent1>
+    <a:accent2>
+      <a:srgbClr val="C0504D"/>
+    </a:accent2>
+    <a:accent3>
+      <a:srgbClr val="9BBB59"/>
+    </a:accent3>
+    <a:accent4>
+      <a:srgbClr val="8064A2"/>
+    </a:accent4>
+    <a:accent5>
+      <a:srgbClr val="4BACC6"/>
+    </a:accent5>
+    <a:accent6>
+      <a:srgbClr val="F79646"/>
+    </a:accent6>
+    <a:hlink>
+      <a:srgbClr val="0000FF"/>
+    </a:hlink>
+    <a:folHlink>
+      <a:srgbClr val="800080"/>
+    </a:folHlink>
+  </a:clrScheme>
+</a:themeOverride>
+</file>
+
+<file path=ppt/theme/themeOverride4.xml><?xml version="1.0" encoding="utf-8"?>
+<a:themeOverride xmlns:a="http://schemas.openxmlformats.org/drawingml/2006/main">
+  <a:clrScheme name="Office">
+    <a:dk1>
+      <a:sysClr val="windowText" lastClr="000000"/>
+    </a:dk1>
+    <a:lt1>
+      <a:sysClr val="window" lastClr="FFFFFF"/>
+    </a:lt1>
+    <a:dk2>
+      <a:srgbClr val="1F497D"/>
+    </a:dk2>
+    <a:lt2>
+      <a:srgbClr val="EEECE1"/>
+    </a:lt2>
+    <a:accent1>
+      <a:srgbClr val="4F81BD"/>
+    </a:accent1>
+    <a:accent2>
+      <a:srgbClr val="C0504D"/>
+    </a:accent2>
+    <a:accent3>
+      <a:srgbClr val="9BBB59"/>
+    </a:accent3>
+    <a:accent4>
+      <a:srgbClr val="8064A2"/>
+    </a:accent4>
+    <a:accent5>
+      <a:srgbClr val="4BACC6"/>
+    </a:accent5>
+    <a:accent6>
+      <a:srgbClr val="F79646"/>
+    </a:accent6>
+    <a:hlink>
+      <a:srgbClr val="0000FF"/>
+    </a:hlink>
+    <a:folHlink>
+      <a:srgbClr val="800080"/>
+    </a:folHlink>
+  </a:clrScheme>
+</a:themeOverride>
+</file>
+
+<file path=ppt/theme/themeOverride5.xml><?xml version="1.0" encoding="utf-8"?>
+<a:themeOverride xmlns:a="http://schemas.openxmlformats.org/drawingml/2006/main">
+  <a:clrScheme name="Office">
+    <a:dk1>
+      <a:sysClr val="windowText" lastClr="000000"/>
+    </a:dk1>
+    <a:lt1>
+      <a:sysClr val="window" lastClr="FFFFFF"/>
+    </a:lt1>
+    <a:dk2>
+      <a:srgbClr val="1F497D"/>
+    </a:dk2>
+    <a:lt2>
+      <a:srgbClr val="EEECE1"/>
+    </a:lt2>
+    <a:accent1>
+      <a:srgbClr val="4F81BD"/>
+    </a:accent1>
+    <a:accent2>
+      <a:srgbClr val="C0504D"/>
+    </a:accent2>
+    <a:accent3>
+      <a:srgbClr val="9BBB59"/>
+    </a:accent3>
+    <a:accent4>
+      <a:srgbClr val="8064A2"/>
+    </a:accent4>
+    <a:accent5>
+      <a:srgbClr val="4BACC6"/>
+    </a:accent5>
+    <a:accent6>
+      <a:srgbClr val="F79646"/>
+    </a:accent6>
+    <a:hlink>
+      <a:srgbClr val="0000FF"/>
+    </a:hlink>
+    <a:folHlink>
+      <a:srgbClr val="800080"/>
+    </a:folHlink>
+  </a:clrScheme>
+</a:themeOverride>
+</file>
+
+<file path=ppt/theme/themeOverride6.xml><?xml version="1.0" encoding="utf-8"?>
+<a:themeOverride xmlns:a="http://schemas.openxmlformats.org/drawingml/2006/main">
+  <a:clrScheme name="Office">
+    <a:dk1>
+      <a:sysClr val="windowText" lastClr="000000"/>
+    </a:dk1>
+    <a:lt1>
+      <a:sysClr val="window" lastClr="FFFFFF"/>
+    </a:lt1>
+    <a:dk2>
+      <a:srgbClr val="1F497D"/>
+    </a:dk2>
+    <a:lt2>
+      <a:srgbClr val="EEECE1"/>
+    </a:lt2>
+    <a:accent1>
+      <a:srgbClr val="4F81BD"/>
+    </a:accent1>
+    <a:accent2>
+      <a:srgbClr val="C0504D"/>
+    </a:accent2>
+    <a:accent3>
+      <a:srgbClr val="9BBB59"/>
+    </a:accent3>
+    <a:accent4>
+      <a:srgbClr val="8064A2"/>
+    </a:accent4>
+    <a:accent5>
+      <a:srgbClr val="4BACC6"/>
+    </a:accent5>
+    <a:accent6>
+      <a:srgbClr val="F79646"/>
+    </a:accent6>
+    <a:hlink>
+      <a:srgbClr val="0000FF"/>
+    </a:hlink>
+    <a:folHlink>
+      <a:srgbClr val="800080"/>
+    </a:folHlink>
+  </a:clrScheme>
+</a:themeOverride>
 </file>